--- a/_Prezentacja_/PD_203 Prezentacja_obrona_pracy.pptx
+++ b/_Prezentacja_/PD_203 Prezentacja_obrona_pracy.pptx
@@ -957,6 +957,760 @@
     </a:lvl9pPr>
   </p:notesStyle>
 </p:notesMaster>
+</file>
+
+<file path=ppt/notesSlides/notesSlide1.xml><?xml version="1.0" encoding="utf-8"?>
+<p:notes xmlns:a="http://schemas.openxmlformats.org/drawingml/2006/main" xmlns:r="http://schemas.openxmlformats.org/officeDocument/2006/relationships" xmlns:p="http://schemas.openxmlformats.org/presentationml/2006/main">
+  <p:cSld>
+    <p:spTree>
+      <p:nvGrpSpPr>
+        <p:cNvPr id="1" name=""/>
+        <p:cNvGrpSpPr/>
+        <p:nvPr/>
+      </p:nvGrpSpPr>
+      <p:grpSpPr>
+        <a:xfrm>
+          <a:off x="0" y="0"/>
+          <a:ext cx="0" cy="0"/>
+          <a:chOff x="0" y="0"/>
+          <a:chExt cx="0" cy="0"/>
+        </a:xfrm>
+      </p:grpSpPr>
+      <p:sp>
+        <p:nvSpPr>
+          <p:cNvPr id="2" name="Symbol zastępczy obrazu slajdu 1"/>
+          <p:cNvSpPr>
+            <a:spLocks noGrp="1" noRot="1" noChangeAspect="1"/>
+          </p:cNvSpPr>
+          <p:nvPr>
+            <p:ph type="sldImg"/>
+          </p:nvPr>
+        </p:nvSpPr>
+        <p:spPr>
+          <a:xfrm>
+            <a:off x="381000" y="685800"/>
+            <a:ext cx="6096000" cy="3429000"/>
+          </a:xfrm>
+        </p:spPr>
+      </p:sp>
+      <p:sp>
+        <p:nvSpPr>
+          <p:cNvPr id="3" name="Symbol zastępczy notatek 2"/>
+          <p:cNvSpPr>
+            <a:spLocks noGrp="1"/>
+          </p:cNvSpPr>
+          <p:nvPr>
+            <p:ph type="body" idx="1"/>
+          </p:nvPr>
+        </p:nvSpPr>
+        <p:spPr/>
+        <p:txBody>
+          <a:bodyPr/>
+          <a:lstStyle/>
+          <a:p>
+            <a:r>
+              <a:rPr lang="pl-PL" sz="2800" b="0" i="0" dirty="0" smtClean="0">
+                <a:effectLst/>
+                <a:latin typeface="+mn-lt"/>
+                <a:ea typeface="+mn-ea"/>
+                <a:cs typeface="+mn-cs"/>
+                <a:sym typeface="Times New Roman"/>
+              </a:rPr>
+              <a:t>Prezentacja pracy inżynierskiej powinna być zwięzła, wizualna i trwać ok. 10 minut (8–12 slajdów). </a:t>
+            </a:r>
+            <a:br>
+              <a:rPr lang="pl-PL" sz="2800" b="0" i="0" dirty="0" smtClean="0">
+                <a:effectLst/>
+                <a:latin typeface="+mn-lt"/>
+                <a:ea typeface="+mn-ea"/>
+                <a:cs typeface="+mn-cs"/>
+                <a:sym typeface="Times New Roman"/>
+              </a:rPr>
+            </a:br>
+            <a:r>
+              <a:rPr lang="pl-PL" sz="2800" b="0" i="0" dirty="0" smtClean="0">
+                <a:effectLst/>
+                <a:latin typeface="+mn-lt"/>
+                <a:ea typeface="+mn-ea"/>
+                <a:cs typeface="+mn-cs"/>
+                <a:sym typeface="Times New Roman"/>
+              </a:rPr>
+              <a:t>Skupia się na celu pracy, metodologii, najważniejszych wynikach oraz wnioskach, unikając długich bloków tekstu na rzecz wykresów i schematów. </a:t>
+            </a:r>
+            <a:br>
+              <a:rPr lang="pl-PL" sz="2800" b="0" i="0" dirty="0" smtClean="0">
+                <a:effectLst/>
+                <a:latin typeface="+mn-lt"/>
+                <a:ea typeface="+mn-ea"/>
+                <a:cs typeface="+mn-cs"/>
+                <a:sym typeface="Times New Roman"/>
+              </a:rPr>
+            </a:br>
+            <a:r>
+              <a:rPr lang="pl-PL" sz="2800" b="0" i="0" dirty="0" smtClean="0">
+                <a:effectLst/>
+                <a:latin typeface="+mn-lt"/>
+                <a:ea typeface="+mn-ea"/>
+                <a:cs typeface="+mn-cs"/>
+                <a:sym typeface="Times New Roman"/>
+              </a:rPr>
+              <a:t>Kluczowe jest przedstawienie samodzielnie wykonanego projektu lub badań oraz ich praktycznego zastosowania. </a:t>
+            </a:r>
+          </a:p>
+          <a:p>
+            <a:r>
+              <a:rPr lang="pl-PL" sz="2800" b="1" i="0" dirty="0" smtClean="0">
+                <a:effectLst/>
+                <a:latin typeface="+mn-lt"/>
+                <a:ea typeface="+mn-ea"/>
+                <a:cs typeface="+mn-cs"/>
+                <a:sym typeface="Times New Roman"/>
+              </a:rPr>
+              <a:t>Struktura prezentacji pracy inżynierskiej:</a:t>
+            </a:r>
+            <a:endParaRPr lang="pl-PL" sz="2800" b="0" i="0" dirty="0" smtClean="0">
+              <a:effectLst/>
+              <a:latin typeface="+mn-lt"/>
+              <a:ea typeface="+mn-ea"/>
+              <a:cs typeface="+mn-cs"/>
+              <a:sym typeface="Times New Roman"/>
+            </a:endParaRPr>
+          </a:p>
+          <a:p>
+            <a:r>
+              <a:rPr lang="pl-PL" sz="2800" b="1" i="0" dirty="0" smtClean="0">
+                <a:effectLst/>
+                <a:latin typeface="+mn-lt"/>
+                <a:ea typeface="+mn-ea"/>
+                <a:cs typeface="+mn-cs"/>
+                <a:sym typeface="Times New Roman"/>
+              </a:rPr>
+              <a:t>Slajd tytułowy:</a:t>
+            </a:r>
+            <a:r>
+              <a:rPr lang="pl-PL" sz="2800" b="0" i="0" dirty="0" smtClean="0">
+                <a:effectLst/>
+                <a:latin typeface="+mn-lt"/>
+                <a:ea typeface="+mn-ea"/>
+                <a:cs typeface="+mn-cs"/>
+                <a:sym typeface="Times New Roman"/>
+              </a:rPr>
+              <a:t> Temat pracy, autor, promotor.</a:t>
+            </a:r>
+          </a:p>
+          <a:p>
+            <a:r>
+              <a:rPr lang="pl-PL" sz="2800" b="1" i="0" dirty="0" smtClean="0">
+                <a:effectLst/>
+                <a:latin typeface="+mn-lt"/>
+                <a:ea typeface="+mn-ea"/>
+                <a:cs typeface="+mn-cs"/>
+                <a:sym typeface="Times New Roman"/>
+              </a:rPr>
+              <a:t>Wstęp/Cel:</a:t>
+            </a:r>
+            <a:r>
+              <a:rPr lang="pl-PL" sz="2800" b="0" i="0" dirty="0" smtClean="0">
+                <a:effectLst/>
+                <a:latin typeface="+mn-lt"/>
+                <a:ea typeface="+mn-ea"/>
+                <a:cs typeface="+mn-cs"/>
+                <a:sym typeface="Times New Roman"/>
+              </a:rPr>
+              <a:t> Uzasadnienie podjęcia tematu, zarys problemu badawczego.</a:t>
+            </a:r>
+          </a:p>
+          <a:p>
+            <a:r>
+              <a:rPr lang="pl-PL" sz="2800" b="1" i="0" dirty="0" smtClean="0">
+                <a:effectLst/>
+                <a:latin typeface="+mn-lt"/>
+                <a:ea typeface="+mn-ea"/>
+                <a:cs typeface="+mn-cs"/>
+                <a:sym typeface="Times New Roman"/>
+              </a:rPr>
+              <a:t>Metodyka/Narzędzia:</a:t>
+            </a:r>
+            <a:r>
+              <a:rPr lang="pl-PL" sz="2800" b="0" i="0" dirty="0" smtClean="0">
+                <a:effectLst/>
+                <a:latin typeface="+mn-lt"/>
+                <a:ea typeface="+mn-ea"/>
+                <a:cs typeface="+mn-cs"/>
+                <a:sym typeface="Times New Roman"/>
+              </a:rPr>
+              <a:t> Krótki opis metod badawczych lub narzędzi inżynierskich zastosowanych do rozwiązania problemu.</a:t>
+            </a:r>
+          </a:p>
+          <a:p>
+            <a:r>
+              <a:rPr lang="pl-PL" sz="2800" b="1" i="0" dirty="0" smtClean="0">
+                <a:effectLst/>
+                <a:latin typeface="+mn-lt"/>
+                <a:ea typeface="+mn-ea"/>
+                <a:cs typeface="+mn-cs"/>
+                <a:sym typeface="Times New Roman"/>
+              </a:rPr>
+              <a:t>Realizacja projektu/Wyniki badań:</a:t>
+            </a:r>
+            <a:r>
+              <a:rPr lang="pl-PL" sz="2800" b="0" i="0" dirty="0" smtClean="0">
+                <a:effectLst/>
+                <a:latin typeface="+mn-lt"/>
+                <a:ea typeface="+mn-ea"/>
+                <a:cs typeface="+mn-cs"/>
+                <a:sym typeface="Times New Roman"/>
+              </a:rPr>
+              <a:t> Najważniejsza część – prezentacja wyników, symulacji, rysunków technicznych lub funkcjonalności aplikacji.</a:t>
+            </a:r>
+          </a:p>
+          <a:p>
+            <a:r>
+              <a:rPr lang="pl-PL" sz="2800" b="1" i="0" dirty="0" smtClean="0">
+                <a:effectLst/>
+                <a:latin typeface="+mn-lt"/>
+                <a:ea typeface="+mn-ea"/>
+                <a:cs typeface="+mn-cs"/>
+                <a:sym typeface="Times New Roman"/>
+              </a:rPr>
+              <a:t>Podsumowanie i Wnioski:</a:t>
+            </a:r>
+            <a:r>
+              <a:rPr lang="pl-PL" sz="2800" b="0" i="0" dirty="0" smtClean="0">
+                <a:effectLst/>
+                <a:latin typeface="+mn-lt"/>
+                <a:ea typeface="+mn-ea"/>
+                <a:cs typeface="+mn-cs"/>
+                <a:sym typeface="Times New Roman"/>
+              </a:rPr>
+              <a:t> Co zostało osiągnięte, co było innowacyjne, kierunki dalszych badań.</a:t>
+            </a:r>
+          </a:p>
+          <a:p>
+            <a:r>
+              <a:rPr lang="pl-PL" sz="2800" b="1" i="0" dirty="0" smtClean="0">
+                <a:effectLst/>
+                <a:latin typeface="+mn-lt"/>
+                <a:ea typeface="+mn-ea"/>
+                <a:cs typeface="+mn-cs"/>
+                <a:sym typeface="Times New Roman"/>
+              </a:rPr>
+              <a:t>Zakończenie:</a:t>
+            </a:r>
+            <a:r>
+              <a:rPr lang="pl-PL" sz="2800" b="0" i="0" dirty="0" smtClean="0">
+                <a:effectLst/>
+                <a:latin typeface="+mn-lt"/>
+                <a:ea typeface="+mn-ea"/>
+                <a:cs typeface="+mn-cs"/>
+                <a:sym typeface="Times New Roman"/>
+              </a:rPr>
+              <a:t> Podziękowanie za uwagę. </a:t>
+            </a:r>
+          </a:p>
+          <a:p>
+            <a:r>
+              <a:rPr lang="pl-PL" sz="2800" b="1" i="0" dirty="0" smtClean="0">
+                <a:effectLst/>
+                <a:latin typeface="+mn-lt"/>
+                <a:ea typeface="+mn-ea"/>
+                <a:cs typeface="+mn-cs"/>
+                <a:sym typeface="Times New Roman"/>
+              </a:rPr>
+              <a:t>Wskazówki techniczne i merytoryczne:</a:t>
+            </a:r>
+            <a:endParaRPr lang="pl-PL" sz="2800" b="0" i="0" dirty="0" smtClean="0">
+              <a:effectLst/>
+              <a:latin typeface="+mn-lt"/>
+              <a:ea typeface="+mn-ea"/>
+              <a:cs typeface="+mn-cs"/>
+              <a:sym typeface="Times New Roman"/>
+            </a:endParaRPr>
+          </a:p>
+          <a:p>
+            <a:r>
+              <a:rPr lang="pl-PL" sz="2800" b="1" i="0" dirty="0" smtClean="0">
+                <a:effectLst/>
+                <a:latin typeface="+mn-lt"/>
+                <a:ea typeface="+mn-ea"/>
+                <a:cs typeface="+mn-cs"/>
+                <a:sym typeface="Times New Roman"/>
+              </a:rPr>
+              <a:t>Wizualizacja:</a:t>
+            </a:r>
+            <a:r>
+              <a:rPr lang="pl-PL" sz="2800" b="0" i="0" dirty="0" smtClean="0">
+                <a:effectLst/>
+                <a:latin typeface="+mn-lt"/>
+                <a:ea typeface="+mn-ea"/>
+                <a:cs typeface="+mn-cs"/>
+                <a:sym typeface="Times New Roman"/>
+              </a:rPr>
+              <a:t> Używaj schematów, wykresów, zdjęć i podpisuj je.</a:t>
+            </a:r>
+          </a:p>
+          <a:p>
+            <a:r>
+              <a:rPr lang="pl-PL" sz="2800" b="1" i="0" dirty="0" smtClean="0">
+                <a:effectLst/>
+                <a:latin typeface="+mn-lt"/>
+                <a:ea typeface="+mn-ea"/>
+                <a:cs typeface="+mn-cs"/>
+                <a:sym typeface="Times New Roman"/>
+              </a:rPr>
+              <a:t>Zwięzłość:</a:t>
+            </a:r>
+            <a:r>
+              <a:rPr lang="pl-PL" sz="2800" b="0" i="0" dirty="0" smtClean="0">
+                <a:effectLst/>
+                <a:latin typeface="+mn-lt"/>
+                <a:ea typeface="+mn-ea"/>
+                <a:cs typeface="+mn-cs"/>
+                <a:sym typeface="Times New Roman"/>
+              </a:rPr>
+              <a:t> Unikaj przeładowania tekstem; stosuj </a:t>
+            </a:r>
+            <a:r>
+              <a:rPr lang="pl-PL" sz="2800" b="0" i="0" dirty="0" err="1" smtClean="0">
+                <a:effectLst/>
+                <a:latin typeface="+mn-lt"/>
+                <a:ea typeface="+mn-ea"/>
+                <a:cs typeface="+mn-cs"/>
+                <a:sym typeface="Times New Roman"/>
+              </a:rPr>
+              <a:t>punktory</a:t>
+            </a:r>
+            <a:r>
+              <a:rPr lang="pl-PL" sz="2800" b="0" i="0" dirty="0" smtClean="0">
+                <a:effectLst/>
+                <a:latin typeface="+mn-lt"/>
+                <a:ea typeface="+mn-ea"/>
+                <a:cs typeface="+mn-cs"/>
+                <a:sym typeface="Times New Roman"/>
+              </a:rPr>
+              <a:t>.</a:t>
+            </a:r>
+          </a:p>
+          <a:p>
+            <a:r>
+              <a:rPr lang="pl-PL" sz="2800" b="1" i="0" dirty="0" smtClean="0">
+                <a:effectLst/>
+                <a:latin typeface="+mn-lt"/>
+                <a:ea typeface="+mn-ea"/>
+                <a:cs typeface="+mn-cs"/>
+                <a:sym typeface="Times New Roman"/>
+              </a:rPr>
+              <a:t>Prezentacja ustna:</a:t>
+            </a:r>
+            <a:r>
+              <a:rPr lang="pl-PL" sz="2800" b="0" i="0" dirty="0" smtClean="0">
+                <a:effectLst/>
+                <a:latin typeface="+mn-lt"/>
+                <a:ea typeface="+mn-ea"/>
+                <a:cs typeface="+mn-cs"/>
+                <a:sym typeface="Times New Roman"/>
+              </a:rPr>
+              <a:t> Nie czytaj ze slajdów, omawiaj je.</a:t>
+            </a:r>
+          </a:p>
+          <a:p>
+            <a:r>
+              <a:rPr lang="pl-PL" sz="2800" b="1" i="0" dirty="0" smtClean="0">
+                <a:effectLst/>
+                <a:latin typeface="+mn-lt"/>
+                <a:ea typeface="+mn-ea"/>
+                <a:cs typeface="+mn-cs"/>
+                <a:sym typeface="Times New Roman"/>
+              </a:rPr>
+              <a:t>Przygotowanie:</a:t>
+            </a:r>
+            <a:r>
+              <a:rPr lang="pl-PL" sz="2800" b="0" i="0" dirty="0" smtClean="0">
+                <a:effectLst/>
+                <a:latin typeface="+mn-lt"/>
+                <a:ea typeface="+mn-ea"/>
+                <a:cs typeface="+mn-cs"/>
+                <a:sym typeface="Times New Roman"/>
+              </a:rPr>
+              <a:t> Przećwicz prezentację, aby zmieścić się w czasie.</a:t>
+            </a:r>
+          </a:p>
+          <a:p>
+            <a:r>
+              <a:rPr lang="pl-PL" sz="2800" b="1" i="0" dirty="0" smtClean="0">
+                <a:effectLst/>
+                <a:latin typeface="+mn-lt"/>
+                <a:ea typeface="+mn-ea"/>
+                <a:cs typeface="+mn-cs"/>
+                <a:sym typeface="Times New Roman"/>
+              </a:rPr>
+              <a:t>Format:</a:t>
+            </a:r>
+            <a:r>
+              <a:rPr lang="pl-PL" sz="2800" b="0" i="0" dirty="0" smtClean="0">
+                <a:effectLst/>
+                <a:latin typeface="+mn-lt"/>
+                <a:ea typeface="+mn-ea"/>
+                <a:cs typeface="+mn-cs"/>
+                <a:sym typeface="Times New Roman"/>
+              </a:rPr>
+              <a:t> Zapisz prezentację w formacie PDF, aby uniknąć problemów z kompatybilnością. </a:t>
+            </a:r>
+          </a:p>
+          <a:p>
+            <a:endParaRPr lang="pl-PL" dirty="0"/>
+          </a:p>
+        </p:txBody>
+      </p:sp>
+    </p:spTree>
+    <p:extLst>
+      <p:ext uri="{BB962C8B-B14F-4D97-AF65-F5344CB8AC3E}">
+        <p14:creationId xmlns:p14="http://schemas.microsoft.com/office/powerpoint/2010/main" val="3108513732"/>
+      </p:ext>
+    </p:extLst>
+  </p:cSld>
+  <p:clrMapOvr>
+    <a:masterClrMapping/>
+  </p:clrMapOvr>
+</p:notes>
+</file>
+
+<file path=ppt/notesSlides/notesSlide2.xml><?xml version="1.0" encoding="utf-8"?>
+<p:notes xmlns:a="http://schemas.openxmlformats.org/drawingml/2006/main" xmlns:r="http://schemas.openxmlformats.org/officeDocument/2006/relationships" xmlns:p="http://schemas.openxmlformats.org/presentationml/2006/main">
+  <p:cSld>
+    <p:spTree>
+      <p:nvGrpSpPr>
+        <p:cNvPr id="1" name=""/>
+        <p:cNvGrpSpPr/>
+        <p:nvPr/>
+      </p:nvGrpSpPr>
+      <p:grpSpPr>
+        <a:xfrm>
+          <a:off x="0" y="0"/>
+          <a:ext cx="0" cy="0"/>
+          <a:chOff x="0" y="0"/>
+          <a:chExt cx="0" cy="0"/>
+        </a:xfrm>
+      </p:grpSpPr>
+      <p:sp>
+        <p:nvSpPr>
+          <p:cNvPr id="2" name="Symbol zastępczy obrazu slajdu 1"/>
+          <p:cNvSpPr>
+            <a:spLocks noGrp="1" noRot="1" noChangeAspect="1"/>
+          </p:cNvSpPr>
+          <p:nvPr>
+            <p:ph type="sldImg"/>
+          </p:nvPr>
+        </p:nvSpPr>
+        <p:spPr>
+          <a:xfrm>
+            <a:off x="381000" y="685800"/>
+            <a:ext cx="6096000" cy="3429000"/>
+          </a:xfrm>
+        </p:spPr>
+      </p:sp>
+      <p:sp>
+        <p:nvSpPr>
+          <p:cNvPr id="3" name="Symbol zastępczy notatek 2"/>
+          <p:cNvSpPr>
+            <a:spLocks noGrp="1"/>
+          </p:cNvSpPr>
+          <p:nvPr>
+            <p:ph type="body" idx="1"/>
+          </p:nvPr>
+        </p:nvSpPr>
+        <p:spPr/>
+        <p:txBody>
+          <a:bodyPr/>
+          <a:lstStyle/>
+          <a:p>
+            <a:pPr marL="457200" marR="0" lvl="0" indent="-457200" defTabSz="1087437" eaLnBrk="1" fontAlgn="auto" latinLnBrk="0" hangingPunct="1">
+              <a:lnSpc>
+                <a:spcPct val="100000"/>
+              </a:lnSpc>
+              <a:spcBef>
+                <a:spcPts val="900"/>
+              </a:spcBef>
+              <a:spcAft>
+                <a:spcPts val="0"/>
+              </a:spcAft>
+              <a:buClrTx/>
+              <a:buSzTx/>
+              <a:buFontTx/>
+              <a:buChar char="-"/>
+              <a:tabLst/>
+              <a:defRPr/>
+            </a:pPr>
+            <a:r>
+              <a:rPr lang="pl-PL" baseline="0" dirty="0" smtClean="0"/>
+              <a:t>części 1 inżynierska - aplikacyjna</a:t>
+            </a:r>
+          </a:p>
+          <a:p>
+            <a:pPr marL="457200" marR="0" lvl="0" indent="-457200" defTabSz="1087437" eaLnBrk="1" fontAlgn="auto" latinLnBrk="0" hangingPunct="1">
+              <a:lnSpc>
+                <a:spcPct val="100000"/>
+              </a:lnSpc>
+              <a:spcBef>
+                <a:spcPts val="900"/>
+              </a:spcBef>
+              <a:spcAft>
+                <a:spcPts val="0"/>
+              </a:spcAft>
+              <a:buClrTx/>
+              <a:buSzTx/>
+              <a:buFontTx/>
+              <a:buChar char="-"/>
+              <a:tabLst/>
+              <a:defRPr/>
+            </a:pPr>
+            <a:r>
+              <a:rPr lang="pl-PL" baseline="0" dirty="0" smtClean="0"/>
+              <a:t>przygotowanie aplikacji implementującej model sieci w paradygmacie obiektowym,</a:t>
+            </a:r>
+            <a:br>
+              <a:rPr lang="pl-PL" baseline="0" dirty="0" smtClean="0"/>
+            </a:br>
+            <a:r>
+              <a:rPr lang="pl-PL" baseline="0" dirty="0" smtClean="0"/>
+              <a:t>z wykorzystaniem testów jednostkowych. dziedziczenia, interfejsów.</a:t>
+            </a:r>
+            <a:br>
+              <a:rPr lang="pl-PL" baseline="0" dirty="0" smtClean="0"/>
+            </a:br>
+            <a:endParaRPr lang="pl-PL" baseline="0" dirty="0" smtClean="0"/>
+          </a:p>
+          <a:p>
+            <a:pPr marL="457200" marR="0" lvl="0" indent="-457200" defTabSz="1087437" eaLnBrk="1" fontAlgn="auto" latinLnBrk="0" hangingPunct="1">
+              <a:lnSpc>
+                <a:spcPct val="100000"/>
+              </a:lnSpc>
+              <a:spcBef>
+                <a:spcPts val="900"/>
+              </a:spcBef>
+              <a:spcAft>
+                <a:spcPts val="0"/>
+              </a:spcAft>
+              <a:buClrTx/>
+              <a:buSzTx/>
+              <a:buFontTx/>
+              <a:buChar char="-"/>
+              <a:tabLst/>
+              <a:defRPr/>
+            </a:pPr>
+            <a:r>
+              <a:rPr lang="pl-PL" baseline="0" dirty="0" smtClean="0"/>
+              <a:t/>
+            </a:r>
+            <a:br>
+              <a:rPr lang="pl-PL" baseline="0" dirty="0" smtClean="0"/>
+            </a:br>
+            <a:r>
+              <a:rPr lang="pl-PL" baseline="0" dirty="0" smtClean="0"/>
+              <a:t>– analiza sieci głębokich, - warstw splotowych jako detektor artefaktów</a:t>
+            </a:r>
+          </a:p>
+          <a:p>
+            <a:pPr marL="457200" marR="0" lvl="1" indent="-457200" defTabSz="1087437" eaLnBrk="1" fontAlgn="auto" latinLnBrk="0" hangingPunct="1">
+              <a:lnSpc>
+                <a:spcPct val="100000"/>
+              </a:lnSpc>
+              <a:spcBef>
+                <a:spcPts val="900"/>
+              </a:spcBef>
+              <a:spcAft>
+                <a:spcPts val="0"/>
+              </a:spcAft>
+              <a:buClrTx/>
+              <a:buSzTx/>
+              <a:buFontTx/>
+              <a:buChar char="-"/>
+              <a:tabLst/>
+              <a:defRPr/>
+            </a:pPr>
+            <a:r>
+              <a:rPr lang="pl-PL" baseline="0" dirty="0" smtClean="0"/>
+              <a:t>- analiza perceptronu i zastosowanie </a:t>
+            </a:r>
+          </a:p>
+          <a:p>
+            <a:pPr marL="457200" marR="0" lvl="0" indent="-457200" defTabSz="1087437" eaLnBrk="1" fontAlgn="auto" latinLnBrk="0" hangingPunct="1">
+              <a:lnSpc>
+                <a:spcPct val="100000"/>
+              </a:lnSpc>
+              <a:spcBef>
+                <a:spcPts val="900"/>
+              </a:spcBef>
+              <a:spcAft>
+                <a:spcPts val="0"/>
+              </a:spcAft>
+              <a:buClrTx/>
+              <a:buSzTx/>
+              <a:buFontTx/>
+              <a:buChar char="-"/>
+              <a:tabLst/>
+              <a:defRPr/>
+            </a:pPr>
+            <a:r>
+              <a:rPr lang="pl-PL" baseline="0" dirty="0" err="1" smtClean="0"/>
+              <a:t>MLP</a:t>
+            </a:r>
+            <a:r>
+              <a:rPr lang="pl-PL" baseline="0" dirty="0" smtClean="0"/>
+              <a:t> jako sterowanie położeniem ramki dla uzyskania najlepszej dokładności klasyfikacji</a:t>
+            </a:r>
+          </a:p>
+          <a:p>
+            <a:pPr marL="457200" marR="0" lvl="0" indent="-457200" defTabSz="1087437" eaLnBrk="1" fontAlgn="auto" latinLnBrk="0" hangingPunct="1">
+              <a:lnSpc>
+                <a:spcPct val="100000"/>
+              </a:lnSpc>
+              <a:spcBef>
+                <a:spcPts val="900"/>
+              </a:spcBef>
+              <a:spcAft>
+                <a:spcPts val="0"/>
+              </a:spcAft>
+              <a:buClrTx/>
+              <a:buSzTx/>
+              <a:buFontTx/>
+              <a:buChar char="-"/>
+              <a:tabLst/>
+              <a:defRPr/>
+            </a:pPr>
+            <a:r>
+              <a:rPr lang="pl-PL" dirty="0" smtClean="0"/>
+              <a:t>systemy rozpoznawania (klasyfikacji) obrazu</a:t>
+            </a:r>
+            <a:r>
+              <a:rPr lang="pl-PL" baseline="0" dirty="0" smtClean="0"/>
+              <a:t> </a:t>
+            </a:r>
+            <a:r>
+              <a:rPr lang="pl-PL" dirty="0" smtClean="0"/>
+              <a:t>jako systemy czasu</a:t>
+            </a:r>
+            <a:r>
+              <a:rPr lang="pl-PL" baseline="0" dirty="0" smtClean="0"/>
+              <a:t> (</a:t>
+            </a:r>
+            <a:r>
+              <a:rPr lang="pl-PL" baseline="0" dirty="0" err="1" smtClean="0"/>
+              <a:t>quazi</a:t>
+            </a:r>
+            <a:r>
+              <a:rPr lang="pl-PL" baseline="0" dirty="0" smtClean="0"/>
+              <a:t>) rzeczywistego </a:t>
+            </a:r>
+          </a:p>
+          <a:p>
+            <a:pPr marL="457200" indent="-457200">
+              <a:buFontTx/>
+              <a:buChar char="-"/>
+            </a:pPr>
+            <a:endParaRPr lang="pl-PL" baseline="0" dirty="0" smtClean="0"/>
+          </a:p>
+          <a:p>
+            <a:pPr marL="457200" indent="-457200">
+              <a:buFontTx/>
+              <a:buChar char="-"/>
+            </a:pPr>
+            <a:r>
+              <a:rPr lang="pl-PL" baseline="0" dirty="0" smtClean="0"/>
+              <a:t>realizacja wydajnego uczenia SIECI z wykorzystaniem procesorów strumieniowych w architekturze CUDA </a:t>
+            </a:r>
+          </a:p>
+          <a:p>
+            <a:pPr marL="457200" indent="-457200">
+              <a:buFontTx/>
+              <a:buChar char="-"/>
+            </a:pPr>
+            <a:r>
+              <a:rPr lang="pl-PL" baseline="0" dirty="0" smtClean="0"/>
+              <a:t>realizacja WYDAJNEGO UCZENIA z wykorzystaniem możliwości bibliotek </a:t>
+            </a:r>
+            <a:r>
+              <a:rPr lang="pl-PL" baseline="0" dirty="0" err="1" smtClean="0"/>
+              <a:t>cuDNN</a:t>
+            </a:r>
+            <a:r>
+              <a:rPr lang="pl-PL" baseline="0" dirty="0" smtClean="0"/>
+              <a:t> w </a:t>
+            </a:r>
+            <a:r>
+              <a:rPr lang="pl-PL" baseline="0" dirty="0" err="1" smtClean="0"/>
+              <a:t>PyTorch</a:t>
+            </a:r>
+            <a:r>
+              <a:rPr lang="pl-PL" baseline="0" dirty="0" smtClean="0"/>
+              <a:t> i hardware </a:t>
+            </a:r>
+            <a:r>
+              <a:rPr lang="pl-PL" baseline="0" dirty="0" err="1" smtClean="0"/>
+              <a:t>TensorCode</a:t>
+            </a:r>
+            <a:r>
+              <a:rPr lang="pl-PL" baseline="0" dirty="0" smtClean="0"/>
+              <a:t> </a:t>
+            </a:r>
+            <a:endParaRPr lang="pl-PL" baseline="0" dirty="0" smtClean="0"/>
+          </a:p>
+          <a:p>
+            <a:pPr marL="457200" indent="-457200">
+              <a:buFontTx/>
+              <a:buChar char="-"/>
+            </a:pPr>
+            <a:endParaRPr lang="pl-PL" baseline="0" dirty="0" smtClean="0"/>
+          </a:p>
+          <a:p>
+            <a:pPr marL="457200" indent="-457200">
+              <a:buFontTx/>
+              <a:buChar char="-"/>
+            </a:pPr>
+            <a:r>
+              <a:rPr lang="pl-PL" baseline="0" dirty="0" smtClean="0"/>
+              <a:t>Dlaczego uczyć ? bo nauczone działa z małym </a:t>
+            </a:r>
+            <a:r>
+              <a:rPr lang="pl-PL" baseline="0" dirty="0" err="1" smtClean="0"/>
+              <a:t>opóżnieniem</a:t>
+            </a:r>
+            <a:r>
+              <a:rPr lang="pl-PL" baseline="0" dirty="0" smtClean="0"/>
+              <a:t> jako system czasu rzeczywistego o małym zapotrzebowaniu </a:t>
+            </a:r>
+            <a:r>
+              <a:rPr lang="pl-PL" baseline="0" smtClean="0"/>
+              <a:t>na zasoby !</a:t>
+            </a:r>
+          </a:p>
+          <a:p>
+            <a:pPr marL="457200" indent="-457200">
+              <a:buFontTx/>
+              <a:buChar char="-"/>
+            </a:pPr>
+            <a:endParaRPr lang="pl-PL" baseline="0" dirty="0" smtClean="0"/>
+          </a:p>
+          <a:p>
+            <a:pPr marL="457200" indent="-457200">
+              <a:buFontTx/>
+              <a:buChar char="-"/>
+            </a:pPr>
+            <a:endParaRPr lang="pl-PL" dirty="0"/>
+          </a:p>
+        </p:txBody>
+      </p:sp>
+    </p:spTree>
+    <p:extLst>
+      <p:ext uri="{BB962C8B-B14F-4D97-AF65-F5344CB8AC3E}">
+        <p14:creationId xmlns:p14="http://schemas.microsoft.com/office/powerpoint/2010/main" val="3197585001"/>
+      </p:ext>
+    </p:extLst>
+  </p:cSld>
+  <p:clrMapOvr>
+    <a:masterClrMapping/>
+  </p:clrMapOvr>
+</p:notes>
 </file>
 
 <file path=ppt/slideLayouts/slideLayout1.xml><?xml version="1.0" encoding="utf-8"?>
@@ -2735,7 +3489,7 @@
           <p:nvPr/>
         </p:nvPicPr>
         <p:blipFill>
-          <a:blip r:embed="rId2"/>
+          <a:blip r:embed="rId3"/>
           <a:stretch>
             <a:fillRect/>
           </a:stretch>
@@ -2762,7 +3516,7 @@
           <p:nvPr/>
         </p:nvPicPr>
         <p:blipFill>
-          <a:blip r:embed="rId3"/>
+          <a:blip r:embed="rId4"/>
           <a:stretch>
             <a:fillRect/>
           </a:stretch>
@@ -2852,7 +3606,7 @@
           <p:nvPr/>
         </p:nvPicPr>
         <p:blipFill>
-          <a:blip r:embed="rId4"/>
+          <a:blip r:embed="rId5"/>
           <a:stretch>
             <a:fillRect/>
           </a:stretch>
@@ -2933,24 +3687,14 @@
               <a:tabLst/>
             </a:pPr>
             <a:r>
-              <a:rPr lang="pl-PL" i="1" dirty="0">
+              <a:rPr lang="pl-PL" i="1" dirty="0" smtClean="0">
                 <a:solidFill>
                   <a:schemeClr val="tx2">
                     <a:lumMod val="50000"/>
                   </a:schemeClr>
                 </a:solidFill>
               </a:rPr>
-              <a:t>Ola </a:t>
-            </a:r>
-            <a:r>
-              <a:rPr lang="pl-PL" i="1" dirty="0" err="1">
-                <a:solidFill>
-                  <a:schemeClr val="tx2">
-                    <a:lumMod val="50000"/>
-                  </a:schemeClr>
-                </a:solidFill>
-              </a:rPr>
-              <a:t>Olacka</a:t>
+              <a:t>Piotr Heinzelman</a:t>
             </a:r>
             <a:endParaRPr kumimoji="0" lang="pl-PL" sz="4000" b="0" i="1" u="none" strike="noStrike" cap="none" spc="0" normalizeH="0" baseline="0" dirty="0">
               <a:ln>
@@ -3041,24 +3785,14 @@
               <a:t>Promotor: </a:t>
             </a:r>
             <a:r>
-              <a:rPr lang="pl-PL" sz="3200" i="1" dirty="0">
+              <a:rPr lang="pl-PL" sz="3200" i="1" dirty="0" smtClean="0">
                 <a:solidFill>
                   <a:schemeClr val="tx2">
                     <a:lumMod val="50000"/>
                   </a:schemeClr>
                 </a:solidFill>
               </a:rPr>
-              <a:t>prof. dr hab. inż. Olgierd </a:t>
-            </a:r>
-            <a:r>
-              <a:rPr lang="pl-PL" sz="3200" i="1" dirty="0" err="1">
-                <a:solidFill>
-                  <a:schemeClr val="tx2">
-                    <a:lumMod val="50000"/>
-                  </a:schemeClr>
-                </a:solidFill>
-              </a:rPr>
-              <a:t>Krasnalny</a:t>
+              <a:t>dr. </a:t>
             </a:r>
             <a:endParaRPr kumimoji="0" lang="pl-PL" sz="3200" b="0" i="1" u="none" strike="noStrike" cap="none" spc="0" normalizeH="0" baseline="0" dirty="0">
               <a:ln>
@@ -3146,7 +3880,17 @@
                   </a:schemeClr>
                 </a:solidFill>
               </a:rPr>
-              <a:t>Praca magisterska</a:t>
+              <a:t>Praca </a:t>
+            </a:r>
+            <a:r>
+              <a:rPr lang="pl-PL" i="1" dirty="0" smtClean="0">
+                <a:solidFill>
+                  <a:schemeClr val="tx2">
+                    <a:lumMod val="50000"/>
+                  </a:schemeClr>
+                </a:solidFill>
+              </a:rPr>
+              <a:t>inżynierska</a:t>
             </a:r>
             <a:endParaRPr kumimoji="0" lang="pl-PL" sz="4000" b="0" i="1" u="none" strike="noStrike" cap="none" spc="0" normalizeH="0" baseline="0" dirty="0">
               <a:ln>
@@ -4541,7 +5285,7 @@
         </p:spPr>
         <p:txBody>
           <a:bodyPr>
-            <a:normAutofit lnSpcReduction="10000"/>
+            <a:normAutofit fontScale="92500"/>
           </a:bodyPr>
           <a:lstStyle/>
           <a:p>
@@ -5114,7 +5858,7 @@
         </p:spPr>
         <p:txBody>
           <a:bodyPr>
-            <a:normAutofit lnSpcReduction="10000"/>
+            <a:normAutofit fontScale="92500"/>
           </a:bodyPr>
           <a:lstStyle/>
           <a:p>

--- a/_Prezentacja_/PD_203 Prezentacja_obrona_pracy.pptx
+++ b/_Prezentacja_/PD_203 Prezentacja_obrona_pracy.pptx
@@ -5,22 +5,20 @@
     <p:sldMasterId id="2147483648" r:id="rId1"/>
   </p:sldMasterIdLst>
   <p:notesMasterIdLst>
-    <p:notesMasterId r:id="rId15"/>
+    <p:notesMasterId r:id="rId13"/>
   </p:notesMasterIdLst>
   <p:sldIdLst>
     <p:sldId id="257" r:id="rId2"/>
     <p:sldId id="258" r:id="rId3"/>
     <p:sldId id="259" r:id="rId4"/>
     <p:sldId id="271" r:id="rId5"/>
-    <p:sldId id="265" r:id="rId6"/>
-    <p:sldId id="266" r:id="rId7"/>
+    <p:sldId id="266" r:id="rId6"/>
+    <p:sldId id="273" r:id="rId7"/>
     <p:sldId id="267" r:id="rId8"/>
-    <p:sldId id="268" r:id="rId9"/>
-    <p:sldId id="261" r:id="rId10"/>
-    <p:sldId id="263" r:id="rId11"/>
-    <p:sldId id="269" r:id="rId12"/>
-    <p:sldId id="270" r:id="rId13"/>
-    <p:sldId id="272" r:id="rId14"/>
+    <p:sldId id="261" r:id="rId9"/>
+    <p:sldId id="269" r:id="rId10"/>
+    <p:sldId id="270" r:id="rId11"/>
+    <p:sldId id="272" r:id="rId12"/>
   </p:sldIdLst>
   <p:sldSz cx="24384000" cy="13716000"/>
   <p:notesSz cx="6858000" cy="9144000"/>
@@ -330,452 +328,6 @@
 </p:presentation>
 </file>
 
-<file path=ppt/charts/chart1.xml><?xml version="1.0" encoding="utf-8"?>
-<c:chartSpace xmlns:c="http://schemas.openxmlformats.org/drawingml/2006/chart" xmlns:a="http://schemas.openxmlformats.org/drawingml/2006/main" xmlns:r="http://schemas.openxmlformats.org/officeDocument/2006/relationships" xmlns:c16r2="http://schemas.microsoft.com/office/drawing/2015/06/chart">
-  <c:date1904 val="1"/>
-  <c:lang val="pl-PL"/>
-  <c:roundedCorners val="0"/>
-  <c:style val="2"/>
-  <c:chart>
-    <c:autoTitleDeleted val="1"/>
-    <c:plotArea>
-      <c:layout>
-        <c:manualLayout>
-          <c:layoutTarget val="inner"/>
-          <c:xMode val="edge"/>
-          <c:yMode val="edge"/>
-          <c:x val="5.0000000000000001E-3"/>
-          <c:y val="5.0000000000000001E-3"/>
-          <c:w val="0.99"/>
-          <c:h val="0.98750000000000004"/>
-        </c:manualLayout>
-      </c:layout>
-      <c:pieChart>
-        <c:varyColors val="0"/>
-        <c:ser>
-          <c:idx val="0"/>
-          <c:order val="0"/>
-          <c:tx>
-            <c:strRef>
-              <c:f>Sheet1!$A$2</c:f>
-              <c:strCache>
-                <c:ptCount val="1"/>
-                <c:pt idx="0">
-                  <c:v>Region 1</c:v>
-                </c:pt>
-              </c:strCache>
-            </c:strRef>
-          </c:tx>
-          <c:spPr>
-            <a:solidFill>
-              <a:srgbClr val="7896CF"/>
-            </a:solidFill>
-            <a:ln w="12700" cap="flat">
-              <a:noFill/>
-              <a:miter lim="400000"/>
-            </a:ln>
-            <a:effectLst>
-              <a:outerShdw dir="2700000" algn="tl">
-                <a:srgbClr val="000000">
-                  <a:alpha val="0"/>
-                </a:srgbClr>
-              </a:outerShdw>
-            </a:effectLst>
-          </c:spPr>
-          <c:dPt>
-            <c:idx val="0"/>
-            <c:bubble3D val="0"/>
-            <c:extLst>
-              <c:ext xmlns:c16="http://schemas.microsoft.com/office/drawing/2014/chart" uri="{C3380CC4-5D6E-409C-BE32-E72D297353CC}">
-                <c16:uniqueId val="{00000001-1AF3-48C8-B815-DFD2CD0FB836}"/>
-              </c:ext>
-            </c:extLst>
-          </c:dPt>
-          <c:dPt>
-            <c:idx val="1"/>
-            <c:bubble3D val="0"/>
-            <c:extLst>
-              <c:ext xmlns:c16="http://schemas.microsoft.com/office/drawing/2014/chart" uri="{C3380CC4-5D6E-409C-BE32-E72D297353CC}">
-                <c16:uniqueId val="{00000003-1AF3-48C8-B815-DFD2CD0FB836}"/>
-              </c:ext>
-            </c:extLst>
-          </c:dPt>
-          <c:dPt>
-            <c:idx val="2"/>
-            <c:bubble3D val="0"/>
-            <c:extLst>
-              <c:ext xmlns:c16="http://schemas.microsoft.com/office/drawing/2014/chart" uri="{C3380CC4-5D6E-409C-BE32-E72D297353CC}">
-                <c16:uniqueId val="{00000005-1AF3-48C8-B815-DFD2CD0FB836}"/>
-              </c:ext>
-            </c:extLst>
-          </c:dPt>
-          <c:dPt>
-            <c:idx val="3"/>
-            <c:bubble3D val="0"/>
-            <c:extLst>
-              <c:ext xmlns:c16="http://schemas.microsoft.com/office/drawing/2014/chart" uri="{C3380CC4-5D6E-409C-BE32-E72D297353CC}">
-                <c16:uniqueId val="{00000007-1AF3-48C8-B815-DFD2CD0FB836}"/>
-              </c:ext>
-            </c:extLst>
-          </c:dPt>
-          <c:dPt>
-            <c:idx val="4"/>
-            <c:bubble3D val="0"/>
-            <c:extLst>
-              <c:ext xmlns:c16="http://schemas.microsoft.com/office/drawing/2014/chart" uri="{C3380CC4-5D6E-409C-BE32-E72D297353CC}">
-                <c16:uniqueId val="{00000009-1AF3-48C8-B815-DFD2CD0FB836}"/>
-              </c:ext>
-            </c:extLst>
-          </c:dPt>
-          <c:dPt>
-            <c:idx val="5"/>
-            <c:bubble3D val="0"/>
-            <c:spPr>
-              <a:solidFill>
-                <a:srgbClr val="FED542"/>
-              </a:solidFill>
-              <a:ln w="12700" cap="flat">
-                <a:noFill/>
-                <a:miter lim="400000"/>
-              </a:ln>
-              <a:effectLst>
-                <a:outerShdw dir="2700000" algn="tl">
-                  <a:srgbClr val="000000">
-                    <a:alpha val="0"/>
-                  </a:srgbClr>
-                </a:outerShdw>
-              </a:effectLst>
-            </c:spPr>
-            <c:extLst>
-              <c:ext xmlns:c16="http://schemas.microsoft.com/office/drawing/2014/chart" uri="{C3380CC4-5D6E-409C-BE32-E72D297353CC}">
-                <c16:uniqueId val="{0000000B-1AF3-48C8-B815-DFD2CD0FB836}"/>
-              </c:ext>
-            </c:extLst>
-          </c:dPt>
-          <c:dLbls>
-            <c:dLbl>
-              <c:idx val="0"/>
-              <c:numFmt formatCode="#,##0%" sourceLinked="0"/>
-              <c:spPr/>
-              <c:txPr>
-                <a:bodyPr/>
-                <a:lstStyle/>
-                <a:p>
-                  <a:pPr>
-                    <a:defRPr sz="4200" b="0" i="0" u="none" strike="noStrike">
-                      <a:solidFill>
-                        <a:srgbClr val="7896CF"/>
-                      </a:solidFill>
-                      <a:latin typeface="Adagio_Slab"/>
-                    </a:defRPr>
-                  </a:pPr>
-                  <a:endParaRPr lang="pl-PL"/>
-                </a:p>
-              </c:txPr>
-              <c:dLblPos val="inEnd"/>
-              <c:showLegendKey val="0"/>
-              <c:showVal val="0"/>
-              <c:showCatName val="0"/>
-              <c:showSerName val="0"/>
-              <c:showPercent val="1"/>
-              <c:showBubbleSize val="0"/>
-              <c:extLst>
-                <c:ext xmlns:c16="http://schemas.microsoft.com/office/drawing/2014/chart" uri="{C3380CC4-5D6E-409C-BE32-E72D297353CC}">
-                  <c16:uniqueId val="{00000001-1AF3-48C8-B815-DFD2CD0FB836}"/>
-                </c:ext>
-              </c:extLst>
-            </c:dLbl>
-            <c:dLbl>
-              <c:idx val="1"/>
-              <c:numFmt formatCode="#,##0%" sourceLinked="0"/>
-              <c:spPr/>
-              <c:txPr>
-                <a:bodyPr/>
-                <a:lstStyle/>
-                <a:p>
-                  <a:pPr>
-                    <a:defRPr sz="4200" b="0" i="0" u="none" strike="noStrike">
-                      <a:solidFill>
-                        <a:srgbClr val="7896CF"/>
-                      </a:solidFill>
-                      <a:latin typeface="Adagio_Slab"/>
-                    </a:defRPr>
-                  </a:pPr>
-                  <a:endParaRPr lang="pl-PL"/>
-                </a:p>
-              </c:txPr>
-              <c:dLblPos val="inEnd"/>
-              <c:showLegendKey val="0"/>
-              <c:showVal val="0"/>
-              <c:showCatName val="0"/>
-              <c:showSerName val="0"/>
-              <c:showPercent val="1"/>
-              <c:showBubbleSize val="0"/>
-              <c:extLst>
-                <c:ext xmlns:c16="http://schemas.microsoft.com/office/drawing/2014/chart" uri="{C3380CC4-5D6E-409C-BE32-E72D297353CC}">
-                  <c16:uniqueId val="{00000003-1AF3-48C8-B815-DFD2CD0FB836}"/>
-                </c:ext>
-              </c:extLst>
-            </c:dLbl>
-            <c:dLbl>
-              <c:idx val="2"/>
-              <c:numFmt formatCode="#,##0%" sourceLinked="0"/>
-              <c:spPr/>
-              <c:txPr>
-                <a:bodyPr/>
-                <a:lstStyle/>
-                <a:p>
-                  <a:pPr>
-                    <a:defRPr sz="4200" b="0" i="0" u="none" strike="noStrike">
-                      <a:solidFill>
-                        <a:srgbClr val="7896CF"/>
-                      </a:solidFill>
-                      <a:latin typeface="Adagio_Slab"/>
-                    </a:defRPr>
-                  </a:pPr>
-                  <a:endParaRPr lang="pl-PL"/>
-                </a:p>
-              </c:txPr>
-              <c:dLblPos val="inEnd"/>
-              <c:showLegendKey val="0"/>
-              <c:showVal val="0"/>
-              <c:showCatName val="0"/>
-              <c:showSerName val="0"/>
-              <c:showPercent val="1"/>
-              <c:showBubbleSize val="0"/>
-              <c:extLst>
-                <c:ext xmlns:c16="http://schemas.microsoft.com/office/drawing/2014/chart" uri="{C3380CC4-5D6E-409C-BE32-E72D297353CC}">
-                  <c16:uniqueId val="{00000005-1AF3-48C8-B815-DFD2CD0FB836}"/>
-                </c:ext>
-              </c:extLst>
-            </c:dLbl>
-            <c:dLbl>
-              <c:idx val="3"/>
-              <c:numFmt formatCode="#,##0%" sourceLinked="0"/>
-              <c:spPr/>
-              <c:txPr>
-                <a:bodyPr/>
-                <a:lstStyle/>
-                <a:p>
-                  <a:pPr>
-                    <a:defRPr sz="4200" b="0" i="0" u="none" strike="noStrike">
-                      <a:solidFill>
-                        <a:srgbClr val="7896CF"/>
-                      </a:solidFill>
-                      <a:latin typeface="Adagio_Slab"/>
-                    </a:defRPr>
-                  </a:pPr>
-                  <a:endParaRPr lang="pl-PL"/>
-                </a:p>
-              </c:txPr>
-              <c:dLblPos val="inEnd"/>
-              <c:showLegendKey val="0"/>
-              <c:showVal val="0"/>
-              <c:showCatName val="0"/>
-              <c:showSerName val="0"/>
-              <c:showPercent val="1"/>
-              <c:showBubbleSize val="0"/>
-              <c:extLst>
-                <c:ext xmlns:c16="http://schemas.microsoft.com/office/drawing/2014/chart" uri="{C3380CC4-5D6E-409C-BE32-E72D297353CC}">
-                  <c16:uniqueId val="{00000007-1AF3-48C8-B815-DFD2CD0FB836}"/>
-                </c:ext>
-              </c:extLst>
-            </c:dLbl>
-            <c:dLbl>
-              <c:idx val="4"/>
-              <c:numFmt formatCode="#,##0%" sourceLinked="0"/>
-              <c:spPr/>
-              <c:txPr>
-                <a:bodyPr/>
-                <a:lstStyle/>
-                <a:p>
-                  <a:pPr>
-                    <a:defRPr sz="4200" b="0" i="0" u="none" strike="noStrike">
-                      <a:solidFill>
-                        <a:srgbClr val="7896CF"/>
-                      </a:solidFill>
-                      <a:latin typeface="Adagio_Slab"/>
-                    </a:defRPr>
-                  </a:pPr>
-                  <a:endParaRPr lang="pl-PL"/>
-                </a:p>
-              </c:txPr>
-              <c:dLblPos val="inEnd"/>
-              <c:showLegendKey val="0"/>
-              <c:showVal val="0"/>
-              <c:showCatName val="0"/>
-              <c:showSerName val="0"/>
-              <c:showPercent val="1"/>
-              <c:showBubbleSize val="0"/>
-              <c:extLst>
-                <c:ext xmlns:c16="http://schemas.microsoft.com/office/drawing/2014/chart" uri="{C3380CC4-5D6E-409C-BE32-E72D297353CC}">
-                  <c16:uniqueId val="{00000009-1AF3-48C8-B815-DFD2CD0FB836}"/>
-                </c:ext>
-              </c:extLst>
-            </c:dLbl>
-            <c:dLbl>
-              <c:idx val="5"/>
-              <c:numFmt formatCode="#,##0%" sourceLinked="0"/>
-              <c:spPr/>
-              <c:txPr>
-                <a:bodyPr/>
-                <a:lstStyle/>
-                <a:p>
-                  <a:pPr>
-                    <a:defRPr sz="4200" b="0" i="0" u="none" strike="noStrike">
-                      <a:solidFill>
-                        <a:srgbClr val="7896CF"/>
-                      </a:solidFill>
-                      <a:latin typeface="Adagio_Slab"/>
-                    </a:defRPr>
-                  </a:pPr>
-                  <a:endParaRPr lang="pl-PL"/>
-                </a:p>
-              </c:txPr>
-              <c:dLblPos val="inEnd"/>
-              <c:showLegendKey val="0"/>
-              <c:showVal val="0"/>
-              <c:showCatName val="0"/>
-              <c:showSerName val="0"/>
-              <c:showPercent val="1"/>
-              <c:showBubbleSize val="0"/>
-              <c:extLst>
-                <c:ext xmlns:c16="http://schemas.microsoft.com/office/drawing/2014/chart" uri="{C3380CC4-5D6E-409C-BE32-E72D297353CC}">
-                  <c16:uniqueId val="{0000000B-1AF3-48C8-B815-DFD2CD0FB836}"/>
-                </c:ext>
-              </c:extLst>
-            </c:dLbl>
-            <c:numFmt formatCode="#,##0%" sourceLinked="0"/>
-            <c:spPr>
-              <a:noFill/>
-              <a:ln>
-                <a:noFill/>
-              </a:ln>
-              <a:effectLst/>
-            </c:spPr>
-            <c:txPr>
-              <a:bodyPr/>
-              <a:lstStyle/>
-              <a:p>
-                <a:pPr>
-                  <a:defRPr sz="4200" b="0" i="0" u="none" strike="noStrike">
-                    <a:solidFill>
-                      <a:srgbClr val="7896CF"/>
-                    </a:solidFill>
-                    <a:latin typeface="Adagio_Slab"/>
-                  </a:defRPr>
-                </a:pPr>
-                <a:endParaRPr lang="pl-PL"/>
-              </a:p>
-            </c:txPr>
-            <c:dLblPos val="inEnd"/>
-            <c:showLegendKey val="0"/>
-            <c:showVal val="0"/>
-            <c:showCatName val="0"/>
-            <c:showSerName val="0"/>
-            <c:showPercent val="1"/>
-            <c:showBubbleSize val="0"/>
-            <c:showLeaderLines val="0"/>
-            <c:extLst>
-              <c:ext xmlns:c15="http://schemas.microsoft.com/office/drawing/2012/chart" uri="{CE6537A1-D6FC-4f65-9D91-7224C49458BB}"/>
-            </c:extLst>
-          </c:dLbls>
-          <c:cat>
-            <c:strRef>
-              <c:f>Sheet1!$B$1:$G$1</c:f>
-              <c:strCache>
-                <c:ptCount val="6"/>
-                <c:pt idx="0">
-                  <c:v>April</c:v>
-                </c:pt>
-                <c:pt idx="1">
-                  <c:v>May</c:v>
-                </c:pt>
-                <c:pt idx="2">
-                  <c:v>June</c:v>
-                </c:pt>
-                <c:pt idx="3">
-                  <c:v>July</c:v>
-                </c:pt>
-                <c:pt idx="4">
-                  <c:v>August</c:v>
-                </c:pt>
-                <c:pt idx="5">
-                  <c:v>September</c:v>
-                </c:pt>
-              </c:strCache>
-            </c:strRef>
-          </c:cat>
-          <c:val>
-            <c:numRef>
-              <c:f>Sheet1!$B$2:$G$2</c:f>
-              <c:numCache>
-                <c:formatCode>General</c:formatCode>
-                <c:ptCount val="6"/>
-                <c:pt idx="0">
-                  <c:v>91</c:v>
-                </c:pt>
-                <c:pt idx="1">
-                  <c:v>76</c:v>
-                </c:pt>
-                <c:pt idx="2">
-                  <c:v>28</c:v>
-                </c:pt>
-                <c:pt idx="3">
-                  <c:v>26</c:v>
-                </c:pt>
-                <c:pt idx="4">
-                  <c:v>21</c:v>
-                </c:pt>
-                <c:pt idx="5">
-                  <c:v>18</c:v>
-                </c:pt>
-              </c:numCache>
-            </c:numRef>
-          </c:val>
-          <c:extLst>
-            <c:ext xmlns:c16="http://schemas.microsoft.com/office/drawing/2014/chart" uri="{C3380CC4-5D6E-409C-BE32-E72D297353CC}">
-              <c16:uniqueId val="{0000000C-1AF3-48C8-B815-DFD2CD0FB836}"/>
-            </c:ext>
-          </c:extLst>
-        </c:ser>
-        <c:dLbls>
-          <c:showLegendKey val="0"/>
-          <c:showVal val="0"/>
-          <c:showCatName val="0"/>
-          <c:showSerName val="0"/>
-          <c:showPercent val="0"/>
-          <c:showBubbleSize val="0"/>
-          <c:showLeaderLines val="0"/>
-        </c:dLbls>
-        <c:firstSliceAng val="0"/>
-      </c:pieChart>
-      <c:spPr>
-        <a:noFill/>
-        <a:ln w="12700" cap="flat">
-          <a:noFill/>
-          <a:miter lim="400000"/>
-        </a:ln>
-        <a:effectLst/>
-      </c:spPr>
-    </c:plotArea>
-    <c:plotVisOnly val="1"/>
-    <c:dispBlanksAs val="gap"/>
-    <c:showDLblsOverMax val="1"/>
-  </c:chart>
-  <c:spPr>
-    <a:noFill/>
-    <a:ln>
-      <a:noFill/>
-    </a:ln>
-    <a:effectLst/>
-  </c:spPr>
-  <c:externalData r:id="rId1">
-    <c:autoUpdate val="0"/>
-  </c:externalData>
-</c:chartSpace>
-</file>
-
 <file path=ppt/notesMasters/notesMaster1.xml><?xml version="1.0" encoding="utf-8"?>
 <p:notesMaster xmlns:a="http://schemas.openxmlformats.org/drawingml/2006/main" xmlns:r="http://schemas.openxmlformats.org/officeDocument/2006/relationships" xmlns:p="http://schemas.openxmlformats.org/presentationml/2006/main">
   <p:cSld>
@@ -1009,7 +561,7 @@
           <a:lstStyle/>
           <a:p>
             <a:r>
-              <a:rPr lang="pl-PL" sz="2800" b="0" i="0" dirty="0" smtClean="0">
+              <a:rPr lang="pl-PL" sz="2800" b="0" i="0" dirty="0">
                 <a:effectLst/>
                 <a:latin typeface="+mn-lt"/>
                 <a:ea typeface="+mn-ea"/>
@@ -1019,7 +571,7 @@
               <a:t>Prezentacja pracy inżynierskiej powinna być zwięzła, wizualna i trwać ok. 10 minut (8–12 slajdów). </a:t>
             </a:r>
             <a:br>
-              <a:rPr lang="pl-PL" sz="2800" b="0" i="0" dirty="0" smtClean="0">
+              <a:rPr lang="pl-PL" sz="2800" b="0" i="0" dirty="0">
                 <a:effectLst/>
                 <a:latin typeface="+mn-lt"/>
                 <a:ea typeface="+mn-ea"/>
@@ -1028,7 +580,7 @@
               </a:rPr>
             </a:br>
             <a:r>
-              <a:rPr lang="pl-PL" sz="2800" b="0" i="0" dirty="0" smtClean="0">
+              <a:rPr lang="pl-PL" sz="2800" b="0" i="0" dirty="0">
                 <a:effectLst/>
                 <a:latin typeface="+mn-lt"/>
                 <a:ea typeface="+mn-ea"/>
@@ -1038,7 +590,7 @@
               <a:t>Skupia się na celu pracy, metodologii, najważniejszych wynikach oraz wnioskach, unikając długich bloków tekstu na rzecz wykresów i schematów. </a:t>
             </a:r>
             <a:br>
-              <a:rPr lang="pl-PL" sz="2800" b="0" i="0" dirty="0" smtClean="0">
+              <a:rPr lang="pl-PL" sz="2800" b="0" i="0" dirty="0">
                 <a:effectLst/>
                 <a:latin typeface="+mn-lt"/>
                 <a:ea typeface="+mn-ea"/>
@@ -1047,7 +599,7 @@
               </a:rPr>
             </a:br>
             <a:r>
-              <a:rPr lang="pl-PL" sz="2800" b="0" i="0" dirty="0" smtClean="0">
+              <a:rPr lang="pl-PL" sz="2800" b="0" i="0" dirty="0">
                 <a:effectLst/>
                 <a:latin typeface="+mn-lt"/>
                 <a:ea typeface="+mn-ea"/>
@@ -1059,7 +611,7 @@
           </a:p>
           <a:p>
             <a:r>
-              <a:rPr lang="pl-PL" sz="2800" b="1" i="0" dirty="0" smtClean="0">
+              <a:rPr lang="pl-PL" sz="2800" b="1" i="0" dirty="0">
                 <a:effectLst/>
                 <a:latin typeface="+mn-lt"/>
                 <a:ea typeface="+mn-ea"/>
@@ -1068,7 +620,7 @@
               </a:rPr>
               <a:t>Struktura prezentacji pracy inżynierskiej:</a:t>
             </a:r>
-            <a:endParaRPr lang="pl-PL" sz="2800" b="0" i="0" dirty="0" smtClean="0">
+            <a:endParaRPr lang="pl-PL" sz="2800" b="0" i="0" dirty="0">
               <a:effectLst/>
               <a:latin typeface="+mn-lt"/>
               <a:ea typeface="+mn-ea"/>
@@ -1078,7 +630,7 @@
           </a:p>
           <a:p>
             <a:r>
-              <a:rPr lang="pl-PL" sz="2800" b="1" i="0" dirty="0" smtClean="0">
+              <a:rPr lang="pl-PL" sz="2800" b="1" i="0" dirty="0">
                 <a:effectLst/>
                 <a:latin typeface="+mn-lt"/>
                 <a:ea typeface="+mn-ea"/>
@@ -1088,7 +640,7 @@
               <a:t>Slajd tytułowy:</a:t>
             </a:r>
             <a:r>
-              <a:rPr lang="pl-PL" sz="2800" b="0" i="0" dirty="0" smtClean="0">
+              <a:rPr lang="pl-PL" sz="2800" b="0" i="0" dirty="0">
                 <a:effectLst/>
                 <a:latin typeface="+mn-lt"/>
                 <a:ea typeface="+mn-ea"/>
@@ -1100,7 +652,7 @@
           </a:p>
           <a:p>
             <a:r>
-              <a:rPr lang="pl-PL" sz="2800" b="1" i="0" dirty="0" smtClean="0">
+              <a:rPr lang="pl-PL" sz="2800" b="1" i="0" dirty="0">
                 <a:effectLst/>
                 <a:latin typeface="+mn-lt"/>
                 <a:ea typeface="+mn-ea"/>
@@ -1110,7 +662,7 @@
               <a:t>Wstęp/Cel:</a:t>
             </a:r>
             <a:r>
-              <a:rPr lang="pl-PL" sz="2800" b="0" i="0" dirty="0" smtClean="0">
+              <a:rPr lang="pl-PL" sz="2800" b="0" i="0" dirty="0">
                 <a:effectLst/>
                 <a:latin typeface="+mn-lt"/>
                 <a:ea typeface="+mn-ea"/>
@@ -1122,7 +674,7 @@
           </a:p>
           <a:p>
             <a:r>
-              <a:rPr lang="pl-PL" sz="2800" b="1" i="0" dirty="0" smtClean="0">
+              <a:rPr lang="pl-PL" sz="2800" b="1" i="0" dirty="0">
                 <a:effectLst/>
                 <a:latin typeface="+mn-lt"/>
                 <a:ea typeface="+mn-ea"/>
@@ -1132,7 +684,7 @@
               <a:t>Metodyka/Narzędzia:</a:t>
             </a:r>
             <a:r>
-              <a:rPr lang="pl-PL" sz="2800" b="0" i="0" dirty="0" smtClean="0">
+              <a:rPr lang="pl-PL" sz="2800" b="0" i="0" dirty="0">
                 <a:effectLst/>
                 <a:latin typeface="+mn-lt"/>
                 <a:ea typeface="+mn-ea"/>
@@ -1144,7 +696,7 @@
           </a:p>
           <a:p>
             <a:r>
-              <a:rPr lang="pl-PL" sz="2800" b="1" i="0" dirty="0" smtClean="0">
+              <a:rPr lang="pl-PL" sz="2800" b="1" i="0" dirty="0">
                 <a:effectLst/>
                 <a:latin typeface="+mn-lt"/>
                 <a:ea typeface="+mn-ea"/>
@@ -1154,7 +706,7 @@
               <a:t>Realizacja projektu/Wyniki badań:</a:t>
             </a:r>
             <a:r>
-              <a:rPr lang="pl-PL" sz="2800" b="0" i="0" dirty="0" smtClean="0">
+              <a:rPr lang="pl-PL" sz="2800" b="0" i="0" dirty="0">
                 <a:effectLst/>
                 <a:latin typeface="+mn-lt"/>
                 <a:ea typeface="+mn-ea"/>
@@ -1166,7 +718,7 @@
           </a:p>
           <a:p>
             <a:r>
-              <a:rPr lang="pl-PL" sz="2800" b="1" i="0" dirty="0" smtClean="0">
+              <a:rPr lang="pl-PL" sz="2800" b="1" i="0" dirty="0">
                 <a:effectLst/>
                 <a:latin typeface="+mn-lt"/>
                 <a:ea typeface="+mn-ea"/>
@@ -1176,7 +728,7 @@
               <a:t>Podsumowanie i Wnioski:</a:t>
             </a:r>
             <a:r>
-              <a:rPr lang="pl-PL" sz="2800" b="0" i="0" dirty="0" smtClean="0">
+              <a:rPr lang="pl-PL" sz="2800" b="0" i="0" dirty="0">
                 <a:effectLst/>
                 <a:latin typeface="+mn-lt"/>
                 <a:ea typeface="+mn-ea"/>
@@ -1188,7 +740,7 @@
           </a:p>
           <a:p>
             <a:r>
-              <a:rPr lang="pl-PL" sz="2800" b="1" i="0" dirty="0" smtClean="0">
+              <a:rPr lang="pl-PL" sz="2800" b="1" i="0" dirty="0">
                 <a:effectLst/>
                 <a:latin typeface="+mn-lt"/>
                 <a:ea typeface="+mn-ea"/>
@@ -1198,7 +750,7 @@
               <a:t>Zakończenie:</a:t>
             </a:r>
             <a:r>
-              <a:rPr lang="pl-PL" sz="2800" b="0" i="0" dirty="0" smtClean="0">
+              <a:rPr lang="pl-PL" sz="2800" b="0" i="0" dirty="0">
                 <a:effectLst/>
                 <a:latin typeface="+mn-lt"/>
                 <a:ea typeface="+mn-ea"/>
@@ -1210,7 +762,7 @@
           </a:p>
           <a:p>
             <a:r>
-              <a:rPr lang="pl-PL" sz="2800" b="1" i="0" dirty="0" smtClean="0">
+              <a:rPr lang="pl-PL" sz="2800" b="1" i="0" dirty="0">
                 <a:effectLst/>
                 <a:latin typeface="+mn-lt"/>
                 <a:ea typeface="+mn-ea"/>
@@ -1219,7 +771,7 @@
               </a:rPr>
               <a:t>Wskazówki techniczne i merytoryczne:</a:t>
             </a:r>
-            <a:endParaRPr lang="pl-PL" sz="2800" b="0" i="0" dirty="0" smtClean="0">
+            <a:endParaRPr lang="pl-PL" sz="2800" b="0" i="0" dirty="0">
               <a:effectLst/>
               <a:latin typeface="+mn-lt"/>
               <a:ea typeface="+mn-ea"/>
@@ -1229,7 +781,7 @@
           </a:p>
           <a:p>
             <a:r>
-              <a:rPr lang="pl-PL" sz="2800" b="1" i="0" dirty="0" smtClean="0">
+              <a:rPr lang="pl-PL" sz="2800" b="1" i="0" dirty="0">
                 <a:effectLst/>
                 <a:latin typeface="+mn-lt"/>
                 <a:ea typeface="+mn-ea"/>
@@ -1239,7 +791,7 @@
               <a:t>Wizualizacja:</a:t>
             </a:r>
             <a:r>
-              <a:rPr lang="pl-PL" sz="2800" b="0" i="0" dirty="0" smtClean="0">
+              <a:rPr lang="pl-PL" sz="2800" b="0" i="0" dirty="0">
                 <a:effectLst/>
                 <a:latin typeface="+mn-lt"/>
                 <a:ea typeface="+mn-ea"/>
@@ -1251,7 +803,7 @@
           </a:p>
           <a:p>
             <a:r>
-              <a:rPr lang="pl-PL" sz="2800" b="1" i="0" dirty="0" smtClean="0">
+              <a:rPr lang="pl-PL" sz="2800" b="1" i="0" dirty="0">
                 <a:effectLst/>
                 <a:latin typeface="+mn-lt"/>
                 <a:ea typeface="+mn-ea"/>
@@ -1261,7 +813,7 @@
               <a:t>Zwięzłość:</a:t>
             </a:r>
             <a:r>
-              <a:rPr lang="pl-PL" sz="2800" b="0" i="0" dirty="0" smtClean="0">
+              <a:rPr lang="pl-PL" sz="2800" b="0" i="0" dirty="0">
                 <a:effectLst/>
                 <a:latin typeface="+mn-lt"/>
                 <a:ea typeface="+mn-ea"/>
@@ -1271,7 +823,7 @@
               <a:t> Unikaj przeładowania tekstem; stosuj </a:t>
             </a:r>
             <a:r>
-              <a:rPr lang="pl-PL" sz="2800" b="0" i="0" dirty="0" err="1" smtClean="0">
+              <a:rPr lang="pl-PL" sz="2800" b="0" i="0" dirty="0" err="1">
                 <a:effectLst/>
                 <a:latin typeface="+mn-lt"/>
                 <a:ea typeface="+mn-ea"/>
@@ -1281,7 +833,7 @@
               <a:t>punktory</a:t>
             </a:r>
             <a:r>
-              <a:rPr lang="pl-PL" sz="2800" b="0" i="0" dirty="0" smtClean="0">
+              <a:rPr lang="pl-PL" sz="2800" b="0" i="0" dirty="0">
                 <a:effectLst/>
                 <a:latin typeface="+mn-lt"/>
                 <a:ea typeface="+mn-ea"/>
@@ -1293,7 +845,7 @@
           </a:p>
           <a:p>
             <a:r>
-              <a:rPr lang="pl-PL" sz="2800" b="1" i="0" dirty="0" smtClean="0">
+              <a:rPr lang="pl-PL" sz="2800" b="1" i="0" dirty="0">
                 <a:effectLst/>
                 <a:latin typeface="+mn-lt"/>
                 <a:ea typeface="+mn-ea"/>
@@ -1303,7 +855,7 @@
               <a:t>Prezentacja ustna:</a:t>
             </a:r>
             <a:r>
-              <a:rPr lang="pl-PL" sz="2800" b="0" i="0" dirty="0" smtClean="0">
+              <a:rPr lang="pl-PL" sz="2800" b="0" i="0" dirty="0">
                 <a:effectLst/>
                 <a:latin typeface="+mn-lt"/>
                 <a:ea typeface="+mn-ea"/>
@@ -1315,7 +867,7 @@
           </a:p>
           <a:p>
             <a:r>
-              <a:rPr lang="pl-PL" sz="2800" b="1" i="0" dirty="0" smtClean="0">
+              <a:rPr lang="pl-PL" sz="2800" b="1" i="0" dirty="0">
                 <a:effectLst/>
                 <a:latin typeface="+mn-lt"/>
                 <a:ea typeface="+mn-ea"/>
@@ -1325,7 +877,7 @@
               <a:t>Przygotowanie:</a:t>
             </a:r>
             <a:r>
-              <a:rPr lang="pl-PL" sz="2800" b="0" i="0" dirty="0" smtClean="0">
+              <a:rPr lang="pl-PL" sz="2800" b="0" i="0" dirty="0">
                 <a:effectLst/>
                 <a:latin typeface="+mn-lt"/>
                 <a:ea typeface="+mn-ea"/>
@@ -1337,7 +889,7 @@
           </a:p>
           <a:p>
             <a:r>
-              <a:rPr lang="pl-PL" sz="2800" b="1" i="0" dirty="0" smtClean="0">
+              <a:rPr lang="pl-PL" sz="2800" b="1" i="0" dirty="0">
                 <a:effectLst/>
                 <a:latin typeface="+mn-lt"/>
                 <a:ea typeface="+mn-ea"/>
@@ -1347,7 +899,7 @@
               <a:t>Format:</a:t>
             </a:r>
             <a:r>
-              <a:rPr lang="pl-PL" sz="2800" b="0" i="0" dirty="0" smtClean="0">
+              <a:rPr lang="pl-PL" sz="2800" b="0" i="0" dirty="0">
                 <a:effectLst/>
                 <a:latin typeface="+mn-lt"/>
                 <a:ea typeface="+mn-ea"/>
@@ -1442,7 +994,7 @@
               <a:defRPr/>
             </a:pPr>
             <a:r>
-              <a:rPr lang="pl-PL" baseline="0" dirty="0" smtClean="0"/>
+              <a:rPr lang="pl-PL" baseline="0" dirty="0"/>
               <a:t>części 1 inżynierska - aplikacyjna</a:t>
             </a:r>
           </a:p>
@@ -1465,20 +1017,20 @@
               <a:defRPr/>
             </a:pPr>
             <a:r>
-              <a:rPr lang="pl-PL" baseline="0" dirty="0" smtClean="0"/>
+              <a:rPr lang="pl-PL" baseline="0" dirty="0"/>
               <a:t>przygotowanie aplikacji implementującej model sieci w paradygmacie obiektowym,</a:t>
             </a:r>
             <a:br>
-              <a:rPr lang="pl-PL" baseline="0" dirty="0" smtClean="0"/>
+              <a:rPr lang="pl-PL" baseline="0" dirty="0"/>
             </a:br>
             <a:r>
-              <a:rPr lang="pl-PL" baseline="0" dirty="0" smtClean="0"/>
+              <a:rPr lang="pl-PL" baseline="0" dirty="0"/>
               <a:t>z wykorzystaniem testów jednostkowych. dziedziczenia, interfejsów.</a:t>
             </a:r>
             <a:br>
-              <a:rPr lang="pl-PL" baseline="0" dirty="0" smtClean="0"/>
+              <a:rPr lang="pl-PL" baseline="0" dirty="0"/>
             </a:br>
-            <a:endParaRPr lang="pl-PL" baseline="0" dirty="0" smtClean="0"/>
+            <a:endParaRPr lang="pl-PL" baseline="0" dirty="0"/>
           </a:p>
           <a:p>
             <a:pPr marL="457200" marR="0" lvl="0" indent="-457200" defTabSz="1087437" eaLnBrk="1" fontAlgn="auto" latinLnBrk="0" hangingPunct="1">
@@ -1498,15 +1050,11 @@
               <a:tabLst/>
               <a:defRPr/>
             </a:pPr>
-            <a:r>
-              <a:rPr lang="pl-PL" baseline="0" dirty="0" smtClean="0"/>
-              <a:t/>
-            </a:r>
             <a:br>
-              <a:rPr lang="pl-PL" baseline="0" dirty="0" smtClean="0"/>
+              <a:rPr lang="pl-PL" baseline="0" dirty="0"/>
             </a:br>
             <a:r>
-              <a:rPr lang="pl-PL" baseline="0" dirty="0" smtClean="0"/>
+              <a:rPr lang="pl-PL" baseline="0" dirty="0"/>
               <a:t>– analiza sieci głębokich, - warstw splotowych jako detektor artefaktów</a:t>
             </a:r>
           </a:p>
@@ -1529,7 +1077,7 @@
               <a:defRPr/>
             </a:pPr>
             <a:r>
-              <a:rPr lang="pl-PL" baseline="0" dirty="0" smtClean="0"/>
+              <a:rPr lang="pl-PL" baseline="0" dirty="0"/>
               <a:t>- analiza perceptronu i zastosowanie </a:t>
             </a:r>
           </a:p>
@@ -1552,11 +1100,11 @@
               <a:defRPr/>
             </a:pPr>
             <a:r>
-              <a:rPr lang="pl-PL" baseline="0" dirty="0" err="1" smtClean="0"/>
+              <a:rPr lang="pl-PL" baseline="0" dirty="0" err="1"/>
               <a:t>MLP</a:t>
             </a:r>
             <a:r>
-              <a:rPr lang="pl-PL" baseline="0" dirty="0" smtClean="0"/>
+              <a:rPr lang="pl-PL" baseline="0" dirty="0"/>
               <a:t> jako sterowanie położeniem ramki dla uzyskania najlepszej dokładności klasyfikacji</a:t>
             </a:r>
           </a:p>
@@ -1579,27 +1127,27 @@
               <a:defRPr/>
             </a:pPr>
             <a:r>
-              <a:rPr lang="pl-PL" dirty="0" smtClean="0"/>
+              <a:rPr lang="pl-PL" dirty="0"/>
               <a:t>systemy rozpoznawania (klasyfikacji) obrazu</a:t>
             </a:r>
             <a:r>
-              <a:rPr lang="pl-PL" baseline="0" dirty="0" smtClean="0"/>
+              <a:rPr lang="pl-PL" baseline="0" dirty="0"/>
               <a:t> </a:t>
             </a:r>
             <a:r>
-              <a:rPr lang="pl-PL" dirty="0" smtClean="0"/>
+              <a:rPr lang="pl-PL" dirty="0"/>
               <a:t>jako systemy czasu</a:t>
             </a:r>
             <a:r>
-              <a:rPr lang="pl-PL" baseline="0" dirty="0" smtClean="0"/>
+              <a:rPr lang="pl-PL" baseline="0" dirty="0"/>
               <a:t> (</a:t>
             </a:r>
             <a:r>
-              <a:rPr lang="pl-PL" baseline="0" dirty="0" err="1" smtClean="0"/>
+              <a:rPr lang="pl-PL" baseline="0" dirty="0" err="1"/>
               <a:t>quazi</a:t>
             </a:r>
             <a:r>
-              <a:rPr lang="pl-PL" baseline="0" dirty="0" smtClean="0"/>
+              <a:rPr lang="pl-PL" baseline="0" dirty="0"/>
               <a:t>) rzeczywistego </a:t>
             </a:r>
           </a:p>
@@ -1608,7 +1156,7 @@
               <a:buFontTx/>
               <a:buChar char="-"/>
             </a:pPr>
-            <a:endParaRPr lang="pl-PL" baseline="0" dirty="0" smtClean="0"/>
+            <a:endParaRPr lang="pl-PL" baseline="0" dirty="0"/>
           </a:p>
           <a:p>
             <a:pPr marL="457200" indent="-457200">
@@ -1616,7 +1164,7 @@
               <a:buChar char="-"/>
             </a:pPr>
             <a:r>
-              <a:rPr lang="pl-PL" baseline="0" dirty="0" smtClean="0"/>
+              <a:rPr lang="pl-PL" baseline="0" dirty="0"/>
               <a:t>realizacja wydajnego uczenia SIECI z wykorzystaniem procesorów strumieniowych w architekturze CUDA </a:t>
             </a:r>
           </a:p>
@@ -1626,41 +1174,40 @@
               <a:buChar char="-"/>
             </a:pPr>
             <a:r>
-              <a:rPr lang="pl-PL" baseline="0" dirty="0" smtClean="0"/>
+              <a:rPr lang="pl-PL" baseline="0" dirty="0"/>
               <a:t>realizacja WYDAJNEGO UCZENIA z wykorzystaniem możliwości bibliotek </a:t>
             </a:r>
             <a:r>
-              <a:rPr lang="pl-PL" baseline="0" dirty="0" err="1" smtClean="0"/>
+              <a:rPr lang="pl-PL" baseline="0" dirty="0" err="1"/>
               <a:t>cuDNN</a:t>
             </a:r>
             <a:r>
-              <a:rPr lang="pl-PL" baseline="0" dirty="0" smtClean="0"/>
+              <a:rPr lang="pl-PL" baseline="0" dirty="0"/>
               <a:t> w </a:t>
             </a:r>
             <a:r>
-              <a:rPr lang="pl-PL" baseline="0" dirty="0" err="1" smtClean="0"/>
+              <a:rPr lang="pl-PL" baseline="0" dirty="0" err="1"/>
               <a:t>PyTorch</a:t>
             </a:r>
             <a:r>
-              <a:rPr lang="pl-PL" baseline="0" dirty="0" smtClean="0"/>
+              <a:rPr lang="pl-PL" baseline="0" dirty="0"/>
               <a:t> i hardware </a:t>
             </a:r>
             <a:r>
-              <a:rPr lang="pl-PL" baseline="0" dirty="0" err="1" smtClean="0"/>
+              <a:rPr lang="pl-PL" baseline="0" dirty="0" err="1"/>
               <a:t>TensorCode</a:t>
             </a:r>
             <a:r>
-              <a:rPr lang="pl-PL" baseline="0" dirty="0" smtClean="0"/>
+              <a:rPr lang="pl-PL" baseline="0" dirty="0"/>
               <a:t> </a:t>
             </a:r>
-            <a:endParaRPr lang="pl-PL" baseline="0" dirty="0" smtClean="0"/>
           </a:p>
           <a:p>
             <a:pPr marL="457200" indent="-457200">
               <a:buFontTx/>
               <a:buChar char="-"/>
             </a:pPr>
-            <a:endParaRPr lang="pl-PL" baseline="0" dirty="0" smtClean="0"/>
+            <a:endParaRPr lang="pl-PL" baseline="0" dirty="0"/>
           </a:p>
           <a:p>
             <a:pPr marL="457200" indent="-457200">
@@ -1668,20 +1215,8 @@
               <a:buChar char="-"/>
             </a:pPr>
             <a:r>
-              <a:rPr lang="pl-PL" baseline="0" dirty="0" smtClean="0"/>
-              <a:t>Dlaczego uczyć ? bo nauczone działa z małym </a:t>
-            </a:r>
-            <a:r>
-              <a:rPr lang="pl-PL" baseline="0" dirty="0" err="1" smtClean="0"/>
-              <a:t>opóżnieniem</a:t>
-            </a:r>
-            <a:r>
-              <a:rPr lang="pl-PL" baseline="0" dirty="0" smtClean="0"/>
-              <a:t> jako system czasu rzeczywistego o małym zapotrzebowaniu </a:t>
-            </a:r>
-            <a:r>
-              <a:rPr lang="pl-PL" baseline="0" smtClean="0"/>
-              <a:t>na zasoby !</a:t>
+              <a:rPr lang="pl-PL" baseline="0" dirty="0"/>
+              <a:t>Dlaczego uczyć ? bo nauczone działa z małym opóżnieniem jako system czasu rzeczywistego o małym zapotrzebowaniu na zasoby !</a:t>
             </a:r>
           </a:p>
           <a:p>
@@ -1689,7 +1224,7 @@
               <a:buFontTx/>
               <a:buChar char="-"/>
             </a:pPr>
-            <a:endParaRPr lang="pl-PL" baseline="0" dirty="0" smtClean="0"/>
+            <a:endParaRPr lang="pl-PL" baseline="0" dirty="0"/>
           </a:p>
           <a:p>
             <a:pPr marL="457200" indent="-457200">
@@ -1704,6 +1239,204 @@
     <p:extLst>
       <p:ext uri="{BB962C8B-B14F-4D97-AF65-F5344CB8AC3E}">
         <p14:creationId xmlns:p14="http://schemas.microsoft.com/office/powerpoint/2010/main" val="3197585001"/>
+      </p:ext>
+    </p:extLst>
+  </p:cSld>
+  <p:clrMapOvr>
+    <a:masterClrMapping/>
+  </p:clrMapOvr>
+</p:notes>
+</file>
+
+<file path=ppt/notesSlides/notesSlide3.xml><?xml version="1.0" encoding="utf-8"?>
+<p:notes xmlns:a="http://schemas.openxmlformats.org/drawingml/2006/main" xmlns:r="http://schemas.openxmlformats.org/officeDocument/2006/relationships" xmlns:p="http://schemas.openxmlformats.org/presentationml/2006/main">
+  <p:cSld>
+    <p:spTree>
+      <p:nvGrpSpPr>
+        <p:cNvPr id="1" name=""/>
+        <p:cNvGrpSpPr/>
+        <p:nvPr/>
+      </p:nvGrpSpPr>
+      <p:grpSpPr>
+        <a:xfrm>
+          <a:off x="0" y="0"/>
+          <a:ext cx="0" cy="0"/>
+          <a:chOff x="0" y="0"/>
+          <a:chExt cx="0" cy="0"/>
+        </a:xfrm>
+      </p:grpSpPr>
+      <p:sp>
+        <p:nvSpPr>
+          <p:cNvPr id="2" name="Slide Image Placeholder 1"/>
+          <p:cNvSpPr>
+            <a:spLocks noGrp="1" noRot="1" noChangeAspect="1"/>
+          </p:cNvSpPr>
+          <p:nvPr>
+            <p:ph type="sldImg"/>
+          </p:nvPr>
+        </p:nvSpPr>
+        <p:spPr>
+          <a:xfrm>
+            <a:off x="381000" y="685800"/>
+            <a:ext cx="6096000" cy="3429000"/>
+          </a:xfrm>
+        </p:spPr>
+      </p:sp>
+      <p:sp>
+        <p:nvSpPr>
+          <p:cNvPr id="3" name="Notes Placeholder 2"/>
+          <p:cNvSpPr>
+            <a:spLocks noGrp="1"/>
+          </p:cNvSpPr>
+          <p:nvPr>
+            <p:ph type="body" idx="1"/>
+          </p:nvPr>
+        </p:nvSpPr>
+        <p:spPr/>
+        <p:txBody>
+          <a:bodyPr/>
+          <a:lstStyle/>
+          <a:p>
+            <a:endParaRPr lang="en-US" dirty="0"/>
+          </a:p>
+        </p:txBody>
+      </p:sp>
+    </p:spTree>
+    <p:extLst>
+      <p:ext uri="{BB962C8B-B14F-4D97-AF65-F5344CB8AC3E}">
+        <p14:creationId xmlns:p14="http://schemas.microsoft.com/office/powerpoint/2010/main" val="2331844978"/>
+      </p:ext>
+    </p:extLst>
+  </p:cSld>
+  <p:clrMapOvr>
+    <a:masterClrMapping/>
+  </p:clrMapOvr>
+</p:notes>
+</file>
+
+<file path=ppt/notesSlides/notesSlide4.xml><?xml version="1.0" encoding="utf-8"?>
+<p:notes xmlns:a="http://schemas.openxmlformats.org/drawingml/2006/main" xmlns:r="http://schemas.openxmlformats.org/officeDocument/2006/relationships" xmlns:p="http://schemas.openxmlformats.org/presentationml/2006/main">
+  <p:cSld>
+    <p:spTree>
+      <p:nvGrpSpPr>
+        <p:cNvPr id="1" name=""/>
+        <p:cNvGrpSpPr/>
+        <p:nvPr/>
+      </p:nvGrpSpPr>
+      <p:grpSpPr>
+        <a:xfrm>
+          <a:off x="0" y="0"/>
+          <a:ext cx="0" cy="0"/>
+          <a:chOff x="0" y="0"/>
+          <a:chExt cx="0" cy="0"/>
+        </a:xfrm>
+      </p:grpSpPr>
+      <p:sp>
+        <p:nvSpPr>
+          <p:cNvPr id="2" name="Slide Image Placeholder 1"/>
+          <p:cNvSpPr>
+            <a:spLocks noGrp="1" noRot="1" noChangeAspect="1"/>
+          </p:cNvSpPr>
+          <p:nvPr>
+            <p:ph type="sldImg"/>
+          </p:nvPr>
+        </p:nvSpPr>
+        <p:spPr>
+          <a:xfrm>
+            <a:off x="381000" y="685800"/>
+            <a:ext cx="6096000" cy="3429000"/>
+          </a:xfrm>
+        </p:spPr>
+      </p:sp>
+      <p:sp>
+        <p:nvSpPr>
+          <p:cNvPr id="3" name="Notes Placeholder 2"/>
+          <p:cNvSpPr>
+            <a:spLocks noGrp="1"/>
+          </p:cNvSpPr>
+          <p:nvPr>
+            <p:ph type="body" idx="1"/>
+          </p:nvPr>
+        </p:nvSpPr>
+        <p:spPr/>
+        <p:txBody>
+          <a:bodyPr/>
+          <a:lstStyle/>
+          <a:p>
+            <a:endParaRPr lang="en-US" dirty="0"/>
+          </a:p>
+        </p:txBody>
+      </p:sp>
+    </p:spTree>
+    <p:extLst>
+      <p:ext uri="{BB962C8B-B14F-4D97-AF65-F5344CB8AC3E}">
+        <p14:creationId xmlns:p14="http://schemas.microsoft.com/office/powerpoint/2010/main" val="4105436241"/>
+      </p:ext>
+    </p:extLst>
+  </p:cSld>
+  <p:clrMapOvr>
+    <a:masterClrMapping/>
+  </p:clrMapOvr>
+</p:notes>
+</file>
+
+<file path=ppt/notesSlides/notesSlide5.xml><?xml version="1.0" encoding="utf-8"?>
+<p:notes xmlns:a="http://schemas.openxmlformats.org/drawingml/2006/main" xmlns:r="http://schemas.openxmlformats.org/officeDocument/2006/relationships" xmlns:p="http://schemas.openxmlformats.org/presentationml/2006/main">
+  <p:cSld>
+    <p:spTree>
+      <p:nvGrpSpPr>
+        <p:cNvPr id="1" name=""/>
+        <p:cNvGrpSpPr/>
+        <p:nvPr/>
+      </p:nvGrpSpPr>
+      <p:grpSpPr>
+        <a:xfrm>
+          <a:off x="0" y="0"/>
+          <a:ext cx="0" cy="0"/>
+          <a:chOff x="0" y="0"/>
+          <a:chExt cx="0" cy="0"/>
+        </a:xfrm>
+      </p:grpSpPr>
+      <p:sp>
+        <p:nvSpPr>
+          <p:cNvPr id="2" name="Slide Image Placeholder 1"/>
+          <p:cNvSpPr>
+            <a:spLocks noGrp="1" noRot="1" noChangeAspect="1"/>
+          </p:cNvSpPr>
+          <p:nvPr>
+            <p:ph type="sldImg"/>
+          </p:nvPr>
+        </p:nvSpPr>
+        <p:spPr>
+          <a:xfrm>
+            <a:off x="381000" y="685800"/>
+            <a:ext cx="6096000" cy="3429000"/>
+          </a:xfrm>
+        </p:spPr>
+      </p:sp>
+      <p:sp>
+        <p:nvSpPr>
+          <p:cNvPr id="3" name="Notes Placeholder 2"/>
+          <p:cNvSpPr>
+            <a:spLocks noGrp="1"/>
+          </p:cNvSpPr>
+          <p:nvPr>
+            <p:ph type="body" idx="1"/>
+          </p:nvPr>
+        </p:nvSpPr>
+        <p:spPr/>
+        <p:txBody>
+          <a:bodyPr/>
+          <a:lstStyle/>
+          <a:p>
+            <a:endParaRPr lang="en-US" dirty="0"/>
+          </a:p>
+        </p:txBody>
+      </p:sp>
+    </p:spTree>
+    <p:extLst>
+      <p:ext uri="{BB962C8B-B14F-4D97-AF65-F5344CB8AC3E}">
+        <p14:creationId xmlns:p14="http://schemas.microsoft.com/office/powerpoint/2010/main" val="806062652"/>
       </p:ext>
     </p:extLst>
   </p:cSld>
@@ -1970,7 +1703,7 @@
         <p:spPr>
           <a:xfrm>
             <a:off x="17784824" y="12662452"/>
-            <a:ext cx="5332351" cy="852983"/>
+            <a:ext cx="4944424" cy="852983"/>
           </a:xfrm>
           <a:prstGeom prst="rect">
             <a:avLst/>
@@ -2034,7 +1767,7 @@
                 <a:cs typeface="+mn-cs"/>
                 <a:sym typeface="Times New Roman"/>
               </a:rPr>
-              <a:t>Warszawa, 01 kwietnia 2099 r.</a:t>
+              <a:t>Warszawa, 01 lutego 2026 r.</a:t>
             </a:r>
           </a:p>
         </p:txBody>
@@ -2053,8 +1786,8 @@
         </p:nvSpPr>
         <p:spPr>
           <a:xfrm>
-            <a:off x="6738731" y="12662452"/>
-            <a:ext cx="10490490" cy="852983"/>
+            <a:off x="6738730" y="12662452"/>
+            <a:ext cx="10863469" cy="852983"/>
           </a:xfrm>
           <a:prstGeom prst="rect">
             <a:avLst/>
@@ -2118,45 +1851,7 @@
                 <a:cs typeface="+mn-cs"/>
                 <a:sym typeface="Times New Roman"/>
               </a:rPr>
-              <a:t>Ola </a:t>
-            </a:r>
-            <a:r>
-              <a:rPr kumimoji="0" lang="pl-PL" sz="3200" b="0" i="0" u="none" strike="noStrike" cap="none" spc="0" normalizeH="0" baseline="0" dirty="0" err="1">
-                <a:ln>
-                  <a:noFill/>
-                </a:ln>
-                <a:solidFill>
-                  <a:schemeClr val="bg2">
-                    <a:lumMod val="75000"/>
-                  </a:schemeClr>
-                </a:solidFill>
-                <a:effectLst/>
-                <a:uFillTx/>
-                <a:latin typeface="+mn-lt"/>
-                <a:ea typeface="+mn-ea"/>
-                <a:cs typeface="+mn-cs"/>
-                <a:sym typeface="Times New Roman"/>
-              </a:rPr>
-              <a:t>Olacka</a:t>
-            </a:r>
-            <a:r>
-              <a:rPr kumimoji="0" lang="pl-PL" sz="3200" b="0" i="0" u="none" strike="noStrike" cap="none" spc="0" normalizeH="0" baseline="0" dirty="0">
-                <a:ln>
-                  <a:noFill/>
-                </a:ln>
-                <a:solidFill>
-                  <a:schemeClr val="bg2">
-                    <a:lumMod val="75000"/>
-                  </a:schemeClr>
-                </a:solidFill>
-                <a:effectLst/>
-                <a:uFillTx/>
-                <a:latin typeface="+mn-lt"/>
-                <a:ea typeface="+mn-ea"/>
-                <a:cs typeface="+mn-cs"/>
-                <a:sym typeface="Times New Roman"/>
-              </a:rPr>
-              <a:t>, </a:t>
+              <a:t>Piotr Heinzelman, </a:t>
             </a:r>
             <a:r>
               <a:rPr kumimoji="0" lang="pl-PL" sz="3200" b="0" i="1" u="none" strike="noStrike" cap="none" spc="0" normalizeH="0" baseline="0" dirty="0">
@@ -2175,7 +1870,7 @@
                 <a:cs typeface="+mn-cs"/>
                 <a:sym typeface="Times New Roman"/>
               </a:rPr>
-              <a:t>Metody produkcji Krasnali Ogrodowych</a:t>
+              <a:t>Porównanie wydajności wybranych języków...</a:t>
             </a:r>
           </a:p>
         </p:txBody>
@@ -3542,8 +3237,8 @@
         </p:nvSpPr>
         <p:spPr>
           <a:xfrm>
-            <a:off x="2667000" y="5051945"/>
-            <a:ext cx="15459554" cy="2003625"/>
+            <a:off x="2667000" y="4391609"/>
+            <a:ext cx="15459554" cy="3005438"/>
           </a:xfrm>
           <a:prstGeom prst="rect">
             <a:avLst/>
@@ -3584,14 +3279,7 @@
             <a:pPr algn="ctr"/>
             <a:r>
               <a:rPr lang="pl-PL" i="1" dirty="0"/>
-              <a:t>Metody produkcji </a:t>
-            </a:r>
-            <a:br>
-              <a:rPr lang="pl-PL" i="1" dirty="0"/>
-            </a:br>
-            <a:r>
-              <a:rPr lang="pl-PL" i="1" dirty="0"/>
-              <a:t>Krasnali Ogrodowych</a:t>
+              <a:t>Porównanie wydajności wybranych języków programowania w realizacji sieci neuronowych do przetwarzania obrazu</a:t>
             </a:r>
             <a:endParaRPr i="1" dirty="0"/>
           </a:p>
@@ -3638,7 +3326,7 @@
         </p:nvSpPr>
         <p:spPr>
           <a:xfrm>
-            <a:off x="7288614" y="7010833"/>
+            <a:off x="7288614" y="7727472"/>
             <a:ext cx="6485206" cy="1000716"/>
           </a:xfrm>
           <a:prstGeom prst="rect">
@@ -3687,7 +3375,7 @@
               <a:tabLst/>
             </a:pPr>
             <a:r>
-              <a:rPr lang="pl-PL" i="1" dirty="0" smtClean="0">
+              <a:rPr lang="pl-PL" i="1" dirty="0">
                 <a:solidFill>
                   <a:schemeClr val="tx2">
                     <a:lumMod val="50000"/>
@@ -3726,7 +3414,7 @@
         </p:nvSpPr>
         <p:spPr>
           <a:xfrm>
-            <a:off x="5943780" y="8310501"/>
+            <a:off x="5943780" y="8633099"/>
             <a:ext cx="9069391" cy="852983"/>
           </a:xfrm>
           <a:prstGeom prst="rect">
@@ -3758,22 +3446,7 @@
           </a:bodyPr>
           <a:lstStyle/>
           <a:p>
-            <a:pPr marL="0" marR="0" indent="0" algn="ctr" defTabSz="1087437" rtl="0" fontAlgn="auto" latinLnBrk="0" hangingPunct="0">
-              <a:lnSpc>
-                <a:spcPct val="120000"/>
-              </a:lnSpc>
-              <a:spcBef>
-                <a:spcPts val="300"/>
-              </a:spcBef>
-              <a:spcAft>
-                <a:spcPts val="0"/>
-              </a:spcAft>
-              <a:buClrTx/>
-              <a:buSzTx/>
-              <a:buFontTx/>
-              <a:buNone/>
-              <a:tabLst/>
-            </a:pPr>
+            <a:pPr algn="ctr"/>
             <a:r>
               <a:rPr lang="pl-PL" sz="3200" dirty="0">
                 <a:solidFill>
@@ -3785,14 +3458,14 @@
               <a:t>Promotor: </a:t>
             </a:r>
             <a:r>
-              <a:rPr lang="pl-PL" sz="3200" i="1" dirty="0" smtClean="0">
+              <a:rPr lang="pl-PL" sz="3200" i="1" dirty="0">
                 <a:solidFill>
                   <a:schemeClr val="tx2">
                     <a:lumMod val="50000"/>
                   </a:schemeClr>
                 </a:solidFill>
               </a:rPr>
-              <a:t>dr. </a:t>
+              <a:t>dr inż. Witold Czajewski</a:t>
             </a:r>
             <a:endParaRPr kumimoji="0" lang="pl-PL" sz="3200" b="0" i="1" u="none" strike="noStrike" cap="none" spc="0" normalizeH="0" baseline="0" dirty="0">
               <a:ln>
@@ -3824,7 +3497,7 @@
         </p:nvSpPr>
         <p:spPr>
           <a:xfrm>
-            <a:off x="6893169" y="3756757"/>
+            <a:off x="6893169" y="3155557"/>
             <a:ext cx="7484012" cy="1000716"/>
           </a:xfrm>
           <a:prstGeom prst="rect">
@@ -3880,17 +3553,7 @@
                   </a:schemeClr>
                 </a:solidFill>
               </a:rPr>
-              <a:t>Praca </a:t>
-            </a:r>
-            <a:r>
-              <a:rPr lang="pl-PL" i="1" dirty="0" smtClean="0">
-                <a:solidFill>
-                  <a:schemeClr val="tx2">
-                    <a:lumMod val="50000"/>
-                  </a:schemeClr>
-                </a:solidFill>
-              </a:rPr>
-              <a:t>inżynierska</a:t>
+              <a:t>Praca inżynierska</a:t>
             </a:r>
             <a:endParaRPr kumimoji="0" lang="pl-PL" sz="4000" b="0" i="1" u="none" strike="noStrike" cap="none" spc="0" normalizeH="0" baseline="0" dirty="0">
               <a:ln>
@@ -3923,7 +3586,7 @@
         <p:spPr>
           <a:xfrm>
             <a:off x="15013172" y="12566637"/>
-            <a:ext cx="6720552" cy="1000716"/>
+            <a:ext cx="5638524" cy="1000716"/>
           </a:xfrm>
           <a:prstGeom prst="rect">
             <a:avLst/>
@@ -3985,7 +3648,7 @@
                 <a:cs typeface="+mn-cs"/>
                 <a:sym typeface="Times New Roman"/>
               </a:rPr>
-              <a:t>Warszawa, 01 kwietnia 2099 r.</a:t>
+              <a:t>Warszawa, 01 luty 2026 r.</a:t>
             </a:r>
           </a:p>
         </p:txBody>
@@ -4000,314 +3663,6 @@
 </file>
 
 <file path=ppt/slides/slide10.xml><?xml version="1.0" encoding="utf-8"?>
-<p:sld xmlns:a="http://schemas.openxmlformats.org/drawingml/2006/main" xmlns:r="http://schemas.openxmlformats.org/officeDocument/2006/relationships" xmlns:p="http://schemas.openxmlformats.org/presentationml/2006/main">
-  <p:cSld>
-    <p:bg>
-      <p:bgPr>
-        <a:solidFill>
-          <a:srgbClr val="FFFFFF"/>
-        </a:solidFill>
-        <a:effectLst/>
-      </p:bgPr>
-    </p:bg>
-    <p:spTree>
-      <p:nvGrpSpPr>
-        <p:cNvPr id="1" name=""/>
-        <p:cNvGrpSpPr/>
-        <p:nvPr/>
-      </p:nvGrpSpPr>
-      <p:grpSpPr>
-        <a:xfrm>
-          <a:off x="0" y="0"/>
-          <a:ext cx="0" cy="0"/>
-          <a:chOff x="0" y="0"/>
-          <a:chExt cx="0" cy="0"/>
-        </a:xfrm>
-      </p:grpSpPr>
-      <p:sp>
-        <p:nvSpPr>
-          <p:cNvPr id="101" name="Shape 101"/>
-          <p:cNvSpPr>
-            <a:spLocks noGrp="1"/>
-          </p:cNvSpPr>
-          <p:nvPr>
-            <p:ph type="title"/>
-          </p:nvPr>
-        </p:nvSpPr>
-        <p:spPr>
-          <a:xfrm>
-            <a:off x="1269997" y="898525"/>
-            <a:ext cx="20296194" cy="2301875"/>
-          </a:xfrm>
-          <a:prstGeom prst="rect">
-            <a:avLst/>
-          </a:prstGeom>
-        </p:spPr>
-        <p:txBody>
-          <a:bodyPr/>
-          <a:lstStyle>
-            <a:lvl1pPr>
-              <a:defRPr>
-                <a:latin typeface="Adagio_Slab"/>
-                <a:ea typeface="Adagio_Slab"/>
-                <a:cs typeface="Adagio_Slab"/>
-                <a:sym typeface="Adagio_Slab"/>
-              </a:defRPr>
-            </a:lvl1pPr>
-          </a:lstStyle>
-          <a:p>
-            <a:r>
-              <a:rPr lang="pl-PL" dirty="0"/>
-              <a:t>Wyniki – przykładowy w</a:t>
-            </a:r>
-            <a:r>
-              <a:rPr dirty="0" err="1"/>
-              <a:t>ykres</a:t>
-            </a:r>
-            <a:r>
-              <a:rPr dirty="0"/>
-              <a:t> z </a:t>
-            </a:r>
-            <a:r>
-              <a:rPr dirty="0" err="1"/>
-              <a:t>opisem</a:t>
-            </a:r>
-            <a:endParaRPr dirty="0"/>
-          </a:p>
-        </p:txBody>
-      </p:sp>
-      <p:graphicFrame>
-        <p:nvGraphicFramePr>
-          <p:cNvPr id="102" name="Chart 102"/>
-          <p:cNvGraphicFramePr/>
-          <p:nvPr/>
-        </p:nvGraphicFramePr>
-        <p:xfrm>
-          <a:off x="7508296" y="3667555"/>
-          <a:ext cx="7819594" cy="7819594"/>
-        </p:xfrm>
-        <a:graphic>
-          <a:graphicData uri="http://schemas.openxmlformats.org/drawingml/2006/chart">
-            <c:chart xmlns:c="http://schemas.openxmlformats.org/drawingml/2006/chart" xmlns:r="http://schemas.openxmlformats.org/officeDocument/2006/relationships" r:id="rId2"/>
-          </a:graphicData>
-        </a:graphic>
-      </p:graphicFrame>
-      <p:sp>
-        <p:nvSpPr>
-          <p:cNvPr id="103" name="Shape 103"/>
-          <p:cNvSpPr>
-            <a:spLocks noGrp="1"/>
-          </p:cNvSpPr>
-          <p:nvPr>
-            <p:ph type="body" sz="quarter" idx="1"/>
-          </p:nvPr>
-        </p:nvSpPr>
-        <p:spPr>
-          <a:xfrm>
-            <a:off x="720429" y="4566854"/>
-            <a:ext cx="5923065" cy="6020996"/>
-          </a:xfrm>
-          <a:prstGeom prst="rect">
-            <a:avLst/>
-          </a:prstGeom>
-        </p:spPr>
-        <p:txBody>
-          <a:bodyPr/>
-          <a:lstStyle/>
-          <a:p>
-            <a:pPr marL="342900" indent="-342900">
-              <a:spcBef>
-                <a:spcPts val="400"/>
-              </a:spcBef>
-              <a:buClr>
-                <a:srgbClr val="FED542"/>
-              </a:buClr>
-              <a:buSzPct val="300000"/>
-              <a:buChar char="•"/>
-              <a:defRPr sz="3500"/>
-            </a:pPr>
-            <a:r>
-              <a:rPr dirty="0"/>
-              <a:t> Lorem ipsum lorem ipsum </a:t>
-            </a:r>
-          </a:p>
-          <a:p>
-            <a:pPr marL="355600" indent="-355600">
-              <a:spcBef>
-                <a:spcPts val="400"/>
-              </a:spcBef>
-              <a:buClr>
-                <a:srgbClr val="7896CF"/>
-              </a:buClr>
-              <a:buSzPct val="300000"/>
-              <a:buChar char="•"/>
-              <a:defRPr sz="3500"/>
-            </a:pPr>
-            <a:r>
-              <a:rPr dirty="0"/>
-              <a:t> Lorem ipsum</a:t>
-            </a:r>
-          </a:p>
-        </p:txBody>
-      </p:sp>
-      <p:sp>
-        <p:nvSpPr>
-          <p:cNvPr id="6" name="pole tekstowe 5">
-            <a:extLst>
-              <a:ext uri="{FF2B5EF4-FFF2-40B4-BE49-F238E27FC236}">
-                <a16:creationId xmlns:a16="http://schemas.microsoft.com/office/drawing/2014/main" id="{E6670305-42C1-4D78-938D-79E694470C5C}"/>
-              </a:ext>
-            </a:extLst>
-          </p:cNvPr>
-          <p:cNvSpPr txBox="1"/>
-          <p:nvPr/>
-        </p:nvSpPr>
-        <p:spPr>
-          <a:xfrm>
-            <a:off x="6493166" y="11551025"/>
-            <a:ext cx="9849853" cy="926850"/>
-          </a:xfrm>
-          <a:prstGeom prst="rect">
-            <a:avLst/>
-          </a:prstGeom>
-          <a:noFill/>
-          <a:ln w="12700" cap="flat">
-            <a:noFill/>
-            <a:miter lim="400000"/>
-          </a:ln>
-          <a:effectLst/>
-          <a:sp3d/>
-        </p:spPr>
-        <p:style>
-          <a:lnRef idx="0">
-            <a:scrgbClr r="0" g="0" b="0"/>
-          </a:lnRef>
-          <a:fillRef idx="0">
-            <a:scrgbClr r="0" g="0" b="0"/>
-          </a:fillRef>
-          <a:effectRef idx="0">
-            <a:scrgbClr r="0" g="0" b="0"/>
-          </a:effectRef>
-          <a:fontRef idx="none"/>
-        </p:style>
-        <p:txBody>
-          <a:bodyPr rot="0" spcFirstLastPara="1" vertOverflow="overflow" horzOverflow="overflow" vert="horz" wrap="square" lIns="110709" tIns="110709" rIns="110709" bIns="110709" numCol="1" spcCol="38100" rtlCol="0" anchor="t">
-            <a:spAutoFit/>
-          </a:bodyPr>
-          <a:lstStyle/>
-          <a:p>
-            <a:pPr marL="0" marR="0" indent="0" algn="ctr" defTabSz="1087437" rtl="0" fontAlgn="auto" latinLnBrk="0" hangingPunct="0">
-              <a:lnSpc>
-                <a:spcPct val="120000"/>
-              </a:lnSpc>
-              <a:spcBef>
-                <a:spcPts val="300"/>
-              </a:spcBef>
-              <a:spcAft>
-                <a:spcPts val="0"/>
-              </a:spcAft>
-              <a:buClrTx/>
-              <a:buSzTx/>
-              <a:buFontTx/>
-              <a:buNone/>
-              <a:tabLst/>
-            </a:pPr>
-            <a:r>
-              <a:rPr kumimoji="0" lang="pl-PL" sz="3600" b="0" i="1" u="none" strike="noStrike" cap="none" spc="0" normalizeH="0" baseline="0" dirty="0" err="1">
-                <a:ln>
-                  <a:noFill/>
-                </a:ln>
-                <a:solidFill>
-                  <a:schemeClr val="tx2">
-                    <a:lumMod val="50000"/>
-                  </a:schemeClr>
-                </a:solidFill>
-                <a:effectLst/>
-                <a:uFillTx/>
-                <a:latin typeface="+mn-lt"/>
-                <a:ea typeface="+mn-ea"/>
-                <a:cs typeface="+mn-cs"/>
-                <a:sym typeface="Times New Roman"/>
-              </a:rPr>
-              <a:t>Rys.nr_rysunku</a:t>
-            </a:r>
-            <a:r>
-              <a:rPr kumimoji="0" lang="pl-PL" sz="3600" b="0" i="1" u="none" strike="noStrike" cap="none" spc="0" normalizeH="0" baseline="0" dirty="0">
-                <a:ln>
-                  <a:noFill/>
-                </a:ln>
-                <a:solidFill>
-                  <a:schemeClr val="tx2">
-                    <a:lumMod val="50000"/>
-                  </a:schemeClr>
-                </a:solidFill>
-                <a:effectLst/>
-                <a:uFillTx/>
-                <a:latin typeface="+mn-lt"/>
-                <a:ea typeface="+mn-ea"/>
-                <a:cs typeface="+mn-cs"/>
-                <a:sym typeface="Times New Roman"/>
-              </a:rPr>
-              <a:t>,  Nazwa rysunku</a:t>
-            </a:r>
-          </a:p>
-        </p:txBody>
-      </p:sp>
-      <p:sp>
-        <p:nvSpPr>
-          <p:cNvPr id="4" name="Symbol zastępczy numeru slajdu 3">
-            <a:extLst>
-              <a:ext uri="{FF2B5EF4-FFF2-40B4-BE49-F238E27FC236}">
-                <a16:creationId xmlns:a16="http://schemas.microsoft.com/office/drawing/2014/main" id="{22B9C7FC-FBEF-534C-9F3F-296FA098E6C5}"/>
-              </a:ext>
-            </a:extLst>
-          </p:cNvPr>
-          <p:cNvSpPr>
-            <a:spLocks noGrp="1"/>
-          </p:cNvSpPr>
-          <p:nvPr>
-            <p:ph type="sldNum" sz="quarter" idx="4294967295"/>
-          </p:nvPr>
-        </p:nvSpPr>
-        <p:spPr>
-          <a:xfrm>
-            <a:off x="22231133" y="371474"/>
-            <a:ext cx="882867" cy="1054101"/>
-          </a:xfrm>
-        </p:spPr>
-        <p:txBody>
-          <a:bodyPr/>
-          <a:lstStyle/>
-          <a:p>
-            <a:fld id="{86CB4B4D-7CA3-9044-876B-883B54F8677D}" type="slidenum">
-              <a:rPr lang="pl-PL" smtClean="0"/>
-              <a:t>9</a:t>
-            </a:fld>
-            <a:endParaRPr lang="pl-PL" dirty="0"/>
-          </a:p>
-        </p:txBody>
-      </p:sp>
-    </p:spTree>
-  </p:cSld>
-  <p:clrMapOvr>
-    <a:masterClrMapping/>
-  </p:clrMapOvr>
-  <mc:AlternateContent xmlns:mc="http://schemas.openxmlformats.org/markup-compatibility/2006" xmlns:p14="http://schemas.microsoft.com/office/powerpoint/2010/main">
-    <mc:Choice Requires="p14">
-      <p:transition spd="slow">
-        <p:dissolve/>
-      </p:transition>
-    </mc:Choice>
-    <mc:Fallback xmlns="">
-      <p:transition spd="med">
-        <p:fade/>
-      </p:transition>
-    </mc:Fallback>
-  </mc:AlternateContent>
-</p:sld>
-</file>
-
-<file path=ppt/slides/slide11.xml><?xml version="1.0" encoding="utf-8"?>
 <p:sld xmlns:a="http://schemas.openxmlformats.org/drawingml/2006/main" xmlns:r="http://schemas.openxmlformats.org/officeDocument/2006/relationships" xmlns:p="http://schemas.openxmlformats.org/presentationml/2006/main">
   <p:cSld>
     <p:bg>
@@ -4408,7 +3763,7 @@
                 <a:tabLst/>
                 <a:defRPr/>
               </a:pPr>
-              <a:t>10</a:t>
+              <a:t>9</a:t>
             </a:fld>
             <a:endParaRPr kumimoji="0" sz="6900" b="0" i="0" u="none" strike="noStrike" kern="0" cap="none" spc="0" normalizeH="0" baseline="0" noProof="0">
               <a:ln>
@@ -4438,7 +3793,7 @@
         </p:nvSpPr>
         <p:spPr>
           <a:xfrm>
-            <a:off x="1266825" y="3810000"/>
+            <a:off x="1266825" y="3837709"/>
             <a:ext cx="15875000" cy="6985000"/>
           </a:xfrm>
           <a:prstGeom prst="rect">
@@ -4451,6 +3806,60 @@
           </a:bodyPr>
           <a:lstStyle/>
           <a:p>
+            <a:pPr marL="514350" indent="-514350">
+              <a:buFont typeface="+mj-lt"/>
+              <a:buAutoNum type="arabicPeriod"/>
+              <a:defRPr sz="3500" i="1">
+                <a:solidFill>
+                  <a:srgbClr val="7896CF"/>
+                </a:solidFill>
+                <a:latin typeface="Adagio_Slab-Regular_italic"/>
+                <a:ea typeface="Adagio_Slab-Regular_italic"/>
+                <a:cs typeface="Adagio_Slab-Regular_italic"/>
+                <a:sym typeface="Adagio_Slab-Regular_italic"/>
+              </a:defRPr>
+            </a:pPr>
+            <a:r>
+              <a:rPr lang="pl-PL" dirty="0"/>
+              <a:t>Powtórzenie badań na podobnej karcie graficznej,</a:t>
+            </a:r>
+          </a:p>
+          <a:p>
+            <a:pPr marL="514350" indent="-514350">
+              <a:buFont typeface="+mj-lt"/>
+              <a:buAutoNum type="arabicPeriod"/>
+              <a:defRPr sz="3500" i="1">
+                <a:solidFill>
+                  <a:srgbClr val="7896CF"/>
+                </a:solidFill>
+                <a:latin typeface="Adagio_Slab-Regular_italic"/>
+                <a:ea typeface="Adagio_Slab-Regular_italic"/>
+                <a:cs typeface="Adagio_Slab-Regular_italic"/>
+                <a:sym typeface="Adagio_Slab-Regular_italic"/>
+              </a:defRPr>
+            </a:pPr>
+            <a:endParaRPr lang="pl-PL" dirty="0"/>
+          </a:p>
+          <a:p>
+            <a:pPr marL="514350" indent="-514350">
+              <a:buFont typeface="+mj-lt"/>
+              <a:buAutoNum type="arabicPeriod"/>
+              <a:defRPr sz="3500" i="1">
+                <a:solidFill>
+                  <a:srgbClr val="7896CF"/>
+                </a:solidFill>
+                <a:latin typeface="Adagio_Slab-Regular_italic"/>
+                <a:ea typeface="Adagio_Slab-Regular_italic"/>
+                <a:cs typeface="Adagio_Slab-Regular_italic"/>
+                <a:sym typeface="Adagio_Slab-Regular_italic"/>
+              </a:defRPr>
+            </a:pPr>
+            <a:r>
+              <a:rPr lang="pl-PL" dirty="0"/>
+              <a:t>Uzupełnienie badań o porównanie RTX Nvidia z AMD Radeon.</a:t>
+            </a:r>
+          </a:p>
+          <a:p>
             <a:pPr>
               <a:defRPr sz="3500" i="1">
                 <a:solidFill>
@@ -4464,7 +3873,7 @@
             </a:pPr>
             <a:r>
               <a:rPr lang="pl-PL" dirty="0"/>
-              <a:t>Odpowiadamy na pytanie:  </a:t>
+              <a:t>CUDA vs. Radeon Stream Processors</a:t>
             </a:r>
           </a:p>
           <a:p>
@@ -4481,15 +3890,7 @@
             </a:pPr>
             <a:r>
               <a:rPr lang="pl-PL" dirty="0"/>
-              <a:t>	- Co uważam za </a:t>
-            </a:r>
-            <a:r>
-              <a:rPr lang="pl-PL" u="sng" dirty="0"/>
-              <a:t>swoje</a:t>
-            </a:r>
-            <a:r>
-              <a:rPr lang="pl-PL" dirty="0"/>
-              <a:t> osiągnięcie, dokonanie w prezentowanej pracy? </a:t>
+              <a:t>TensorCode vs. WMMA (Wave Matrix Multiply-Accumulate)</a:t>
             </a:r>
           </a:p>
           <a:p>
@@ -4504,10 +3905,7 @@
                 <a:sym typeface="Adagio_Slab-Regular_italic"/>
               </a:defRPr>
             </a:pPr>
-            <a:r>
-              <a:rPr lang="pl-PL" dirty="0"/>
-              <a:t>	- Co zrobiłem sam, jakie prace, badania, próby, sukcesy i porażki zrealizowałem w czasie pracy nad dyplomem?</a:t>
-            </a:r>
+            <a:endParaRPr lang="pl-PL" dirty="0"/>
           </a:p>
           <a:p>
             <a:pPr>
@@ -4521,41 +3919,9 @@
                 <a:sym typeface="Adagio_Slab-Regular_italic"/>
               </a:defRPr>
             </a:pPr>
-            <a:endParaRPr dirty="0">
-              <a:solidFill>
-                <a:srgbClr val="965F77"/>
-              </a:solidFill>
-              <a:latin typeface="+mj-lt"/>
-              <a:ea typeface="+mj-ea"/>
-              <a:cs typeface="+mj-cs"/>
-              <a:sym typeface="Helvetica"/>
-            </a:endParaRPr>
-          </a:p>
-          <a:p>
-            <a:pPr>
-              <a:defRPr sz="3500"/>
-            </a:pPr>
-            <a:r>
-              <a:rPr dirty="0"/>
-              <a:t>Lorem ipsum lorem ipsum lorem ipsum Lorem ipsum lorem ipsum </a:t>
-            </a:r>
-          </a:p>
-          <a:p>
-            <a:pPr>
-              <a:defRPr sz="3500"/>
-            </a:pPr>
-            <a:r>
-              <a:rPr dirty="0"/>
-              <a:t>lorem ipsum  Lorem ipsum lorem ipsum lorem ipsum Lorem ipsum lorem ipsum lorem ipsum Lorem ipsum lorem ipsum lorem ipsum Lorem ipsum lorem </a:t>
-            </a:r>
-          </a:p>
-          <a:p>
-            <a:pPr>
-              <a:defRPr sz="3500"/>
-            </a:pPr>
-            <a:r>
-              <a:rPr dirty="0"/>
-              <a:t>ipsum lorem ipsum Lorem ipsum lorem ipsum lorem ipsum</a:t>
+            <a:r>
+              <a:rPr lang="pl-PL" dirty="0"/>
+              <a:t>Obie technologie wspiera Python PyTorch</a:t>
             </a:r>
           </a:p>
         </p:txBody>
@@ -4625,325 +3991,6 @@
               <a:defRPr sz="3500"/>
             </a:pPr>
             <a:r>
-              <a:rPr kumimoji="0" lang="pl-PL" sz="7200" b="0" i="0" u="none" strike="noStrike" kern="0" cap="none" spc="0" normalizeH="0" baseline="0" noProof="0" dirty="0">
-                <a:ln>
-                  <a:noFill/>
-                </a:ln>
-                <a:solidFill>
-                  <a:srgbClr val="3C3C4C"/>
-                </a:solidFill>
-                <a:effectLst/>
-                <a:uLnTx/>
-                <a:uFillTx/>
-                <a:latin typeface="Adagio_Slab"/>
-                <a:sym typeface="Adagio_Slab"/>
-              </a:rPr>
-              <a:t>Podsumowanie</a:t>
-            </a:r>
-          </a:p>
-        </p:txBody>
-      </p:sp>
-    </p:spTree>
-    <p:extLst>
-      <p:ext uri="{BB962C8B-B14F-4D97-AF65-F5344CB8AC3E}">
-        <p14:creationId xmlns:p14="http://schemas.microsoft.com/office/powerpoint/2010/main" val="3991348220"/>
-      </p:ext>
-    </p:extLst>
-  </p:cSld>
-  <p:clrMapOvr>
-    <a:masterClrMapping/>
-  </p:clrMapOvr>
-  <mc:AlternateContent xmlns:mc="http://schemas.openxmlformats.org/markup-compatibility/2006" xmlns:p14="http://schemas.microsoft.com/office/powerpoint/2010/main">
-    <mc:Choice Requires="p14">
-      <p:transition spd="slow">
-        <p:dissolve/>
-      </p:transition>
-    </mc:Choice>
-    <mc:Fallback xmlns="">
-      <p:transition spd="med">
-        <p:fade/>
-      </p:transition>
-    </mc:Fallback>
-  </mc:AlternateContent>
-</p:sld>
-</file>
-
-<file path=ppt/slides/slide12.xml><?xml version="1.0" encoding="utf-8"?>
-<p:sld xmlns:a="http://schemas.openxmlformats.org/drawingml/2006/main" xmlns:r="http://schemas.openxmlformats.org/officeDocument/2006/relationships" xmlns:p="http://schemas.openxmlformats.org/presentationml/2006/main">
-  <p:cSld>
-    <p:bg>
-      <p:bgPr>
-        <a:solidFill>
-          <a:srgbClr val="FFFFFF"/>
-        </a:solidFill>
-        <a:effectLst/>
-      </p:bgPr>
-    </p:bg>
-    <p:spTree>
-      <p:nvGrpSpPr>
-        <p:cNvPr id="1" name=""/>
-        <p:cNvGrpSpPr/>
-        <p:nvPr/>
-      </p:nvGrpSpPr>
-      <p:grpSpPr>
-        <a:xfrm>
-          <a:off x="0" y="0"/>
-          <a:ext cx="0" cy="0"/>
-          <a:chOff x="0" y="0"/>
-          <a:chExt cx="0" cy="0"/>
-        </a:xfrm>
-      </p:grpSpPr>
-      <p:sp>
-        <p:nvSpPr>
-          <p:cNvPr id="80" name="Shape 80"/>
-          <p:cNvSpPr>
-            <a:spLocks noGrp="1"/>
-          </p:cNvSpPr>
-          <p:nvPr>
-            <p:ph type="sldNum" sz="quarter" idx="4294967295"/>
-          </p:nvPr>
-        </p:nvSpPr>
-        <p:spPr>
-          <a:xfrm>
-            <a:off x="22644719" y="906463"/>
-            <a:ext cx="520079" cy="1054101"/>
-          </a:xfrm>
-          <a:prstGeom prst="rect">
-            <a:avLst/>
-          </a:prstGeom>
-          <a:extLst>
-            <a:ext uri="{C572A759-6A51-4108-AA02-DFA0A04FC94B}">
-              <ma14:wrappingTextBoxFlag xmlns="" xmlns:ma14="http://schemas.microsoft.com/office/mac/drawingml/2011/main" val="1"/>
-            </a:ext>
-          </a:extLst>
-        </p:spPr>
-        <p:txBody>
-          <a:bodyPr/>
-          <a:lstStyle/>
-          <a:p>
-            <a:pPr marL="0" marR="0" lvl="0" indent="0" algn="r" defTabSz="1087437" rtl="0" eaLnBrk="1" fontAlgn="auto" latinLnBrk="0" hangingPunct="0">
-              <a:lnSpc>
-                <a:spcPct val="93000"/>
-              </a:lnSpc>
-              <a:spcBef>
-                <a:spcPts val="400"/>
-              </a:spcBef>
-              <a:spcAft>
-                <a:spcPts val="0"/>
-              </a:spcAft>
-              <a:buClrTx/>
-              <a:buSzTx/>
-              <a:buFontTx/>
-              <a:buNone/>
-              <a:tabLst/>
-              <a:defRPr/>
-            </a:pPr>
-            <a:fld id="{86CB4B4D-7CA3-9044-876B-883B54F8677D}" type="slidenum">
-              <a:rPr kumimoji="0" sz="6900" b="0" i="0" u="none" strike="noStrike" kern="0" cap="none" spc="0" normalizeH="0" baseline="0" noProof="0">
-                <a:ln>
-                  <a:noFill/>
-                </a:ln>
-                <a:solidFill>
-                  <a:srgbClr val="3C3C4C"/>
-                </a:solidFill>
-                <a:effectLst/>
-                <a:uLnTx/>
-                <a:uFillTx/>
-                <a:latin typeface="Radikal WUT"/>
-                <a:sym typeface="Radikal WUT"/>
-              </a:rPr>
-              <a:pPr marL="0" marR="0" lvl="0" indent="0" algn="r" defTabSz="1087437" rtl="0" eaLnBrk="1" fontAlgn="auto" latinLnBrk="0" hangingPunct="0">
-                <a:lnSpc>
-                  <a:spcPct val="93000"/>
-                </a:lnSpc>
-                <a:spcBef>
-                  <a:spcPts val="400"/>
-                </a:spcBef>
-                <a:spcAft>
-                  <a:spcPts val="0"/>
-                </a:spcAft>
-                <a:buClrTx/>
-                <a:buSzTx/>
-                <a:buFontTx/>
-                <a:buNone/>
-                <a:tabLst/>
-                <a:defRPr/>
-              </a:pPr>
-              <a:t>11</a:t>
-            </a:fld>
-            <a:endParaRPr kumimoji="0" sz="6900" b="0" i="0" u="none" strike="noStrike" kern="0" cap="none" spc="0" normalizeH="0" baseline="0" noProof="0">
-              <a:ln>
-                <a:noFill/>
-              </a:ln>
-              <a:solidFill>
-                <a:srgbClr val="3C3C4C"/>
-              </a:solidFill>
-              <a:effectLst/>
-              <a:uLnTx/>
-              <a:uFillTx/>
-              <a:latin typeface="Radikal WUT"/>
-              <a:sym typeface="Radikal WUT"/>
-            </a:endParaRPr>
-          </a:p>
-        </p:txBody>
-      </p:sp>
-      <p:sp>
-        <p:nvSpPr>
-          <p:cNvPr id="81" name="Shape 81"/>
-          <p:cNvSpPr>
-            <a:spLocks noGrp="1"/>
-          </p:cNvSpPr>
-          <p:nvPr>
-            <p:ph type="body" sz="half" idx="1"/>
-          </p:nvPr>
-        </p:nvSpPr>
-        <p:spPr>
-          <a:xfrm>
-            <a:off x="1266825" y="3810000"/>
-            <a:ext cx="15875000" cy="6985000"/>
-          </a:xfrm>
-          <a:prstGeom prst="rect">
-            <a:avLst/>
-          </a:prstGeom>
-        </p:spPr>
-        <p:txBody>
-          <a:bodyPr>
-            <a:normAutofit/>
-          </a:bodyPr>
-          <a:lstStyle/>
-          <a:p>
-            <a:pPr>
-              <a:defRPr sz="3500" i="1">
-                <a:solidFill>
-                  <a:srgbClr val="7896CF"/>
-                </a:solidFill>
-                <a:latin typeface="Adagio_Slab-Regular_italic"/>
-                <a:ea typeface="Adagio_Slab-Regular_italic"/>
-                <a:cs typeface="Adagio_Slab-Regular_italic"/>
-                <a:sym typeface="Adagio_Slab-Regular_italic"/>
-              </a:defRPr>
-            </a:pPr>
-            <a:r>
-              <a:rPr lang="pl-PL" dirty="0"/>
-              <a:t>Wskazujemy możliwe dalsze kierunki badań/rozwoju projektu.</a:t>
-            </a:r>
-          </a:p>
-          <a:p>
-            <a:pPr>
-              <a:defRPr sz="3500" i="1">
-                <a:solidFill>
-                  <a:srgbClr val="7896CF"/>
-                </a:solidFill>
-                <a:latin typeface="Adagio_Slab-Regular_italic"/>
-                <a:ea typeface="Adagio_Slab-Regular_italic"/>
-                <a:cs typeface="Adagio_Slab-Regular_italic"/>
-                <a:sym typeface="Adagio_Slab-Regular_italic"/>
-              </a:defRPr>
-            </a:pPr>
-            <a:endParaRPr dirty="0">
-              <a:solidFill>
-                <a:srgbClr val="965F77"/>
-              </a:solidFill>
-              <a:latin typeface="+mj-lt"/>
-              <a:ea typeface="+mj-ea"/>
-              <a:cs typeface="+mj-cs"/>
-              <a:sym typeface="Helvetica"/>
-            </a:endParaRPr>
-          </a:p>
-          <a:p>
-            <a:pPr>
-              <a:defRPr sz="3500"/>
-            </a:pPr>
-            <a:r>
-              <a:rPr dirty="0"/>
-              <a:t>Lorem ipsum lorem ipsum lorem ipsum Lorem ipsum lorem ipsum </a:t>
-            </a:r>
-          </a:p>
-          <a:p>
-            <a:pPr>
-              <a:defRPr sz="3500"/>
-            </a:pPr>
-            <a:r>
-              <a:rPr dirty="0"/>
-              <a:t>lorem ipsum  Lorem ipsum lorem ipsum lorem ipsum Lorem ipsum lorem ipsum lorem ipsum Lorem ipsum lorem ipsum lorem ipsum Lorem ipsum lorem </a:t>
-            </a:r>
-          </a:p>
-          <a:p>
-            <a:pPr>
-              <a:defRPr sz="3500"/>
-            </a:pPr>
-            <a:r>
-              <a:rPr dirty="0"/>
-              <a:t>ipsum lorem ipsum Lorem ipsum lorem ipsum lorem ipsum</a:t>
-            </a:r>
-          </a:p>
-        </p:txBody>
-      </p:sp>
-      <p:sp>
-        <p:nvSpPr>
-          <p:cNvPr id="82" name="Shape 82"/>
-          <p:cNvSpPr/>
-          <p:nvPr/>
-        </p:nvSpPr>
-        <p:spPr>
-          <a:xfrm>
-            <a:off x="1266824" y="898525"/>
-            <a:ext cx="17348202" cy="1030410"/>
-          </a:xfrm>
-          <a:prstGeom prst="rect">
-            <a:avLst/>
-          </a:prstGeom>
-          <a:ln w="12700">
-            <a:miter lim="400000"/>
-          </a:ln>
-          <a:extLst>
-            <a:ext uri="{C572A759-6A51-4108-AA02-DFA0A04FC94B}">
-              <ma14:wrappingTextBoxFlag xmlns="" xmlns:ma14="http://schemas.microsoft.com/office/mac/drawingml/2011/main" val="1"/>
-            </a:ext>
-          </a:extLst>
-        </p:spPr>
-        <p:txBody>
-          <a:bodyPr lIns="0" tIns="0" rIns="0" bIns="0">
-            <a:spAutoFit/>
-          </a:bodyPr>
-          <a:lstStyle>
-            <a:lvl1pPr>
-              <a:lnSpc>
-                <a:spcPct val="93000"/>
-              </a:lnSpc>
-              <a:spcBef>
-                <a:spcPts val="0"/>
-              </a:spcBef>
-              <a:defRPr sz="7000">
-                <a:solidFill>
-                  <a:srgbClr val="3C3C4C"/>
-                </a:solidFill>
-                <a:latin typeface="Adagio_Slab"/>
-                <a:ea typeface="Adagio_Slab"/>
-                <a:cs typeface="Adagio_Slab"/>
-                <a:sym typeface="Adagio_Slab"/>
-              </a:defRPr>
-            </a:lvl1pPr>
-          </a:lstStyle>
-          <a:p>
-            <a:pPr marL="0" marR="0" lvl="0" indent="0" algn="l" defTabSz="1087437" rtl="0" eaLnBrk="1" fontAlgn="auto" latinLnBrk="0" hangingPunct="0">
-              <a:lnSpc>
-                <a:spcPct val="93000"/>
-              </a:lnSpc>
-              <a:spcBef>
-                <a:spcPts val="0"/>
-              </a:spcBef>
-              <a:spcAft>
-                <a:spcPts val="0"/>
-              </a:spcAft>
-              <a:buClrTx/>
-              <a:buSzTx/>
-              <a:buFontTx/>
-              <a:buNone/>
-              <a:tabLst/>
-              <a:defRPr sz="3500"/>
-            </a:pPr>
-            <a:r>
               <a:rPr lang="pl-PL" sz="7200" dirty="0"/>
               <a:t>Możliwości dalszego rozwoju</a:t>
             </a:r>
@@ -4988,7 +4035,7 @@
 </p:sld>
 </file>
 
-<file path=ppt/slides/slide13.xml><?xml version="1.0" encoding="utf-8"?>
+<file path=ppt/slides/slide11.xml><?xml version="1.0" encoding="utf-8"?>
 <p:sld xmlns:a="http://schemas.openxmlformats.org/drawingml/2006/main" xmlns:r="http://schemas.openxmlformats.org/officeDocument/2006/relationships" xmlns:p="http://schemas.openxmlformats.org/presentationml/2006/main">
   <p:cSld>
     <p:bg>
@@ -5258,6 +4305,7 @@
           <a:lstStyle/>
           <a:p>
             <a:fld id="{86CB4B4D-7CA3-9044-876B-883B54F8677D}" type="slidenum">
+              <a:rPr/>
               <a:t>1</a:t>
             </a:fld>
             <a:endParaRPr dirty="0"/>
@@ -5276,8 +4324,8 @@
         </p:nvSpPr>
         <p:spPr>
           <a:xfrm>
-            <a:off x="1266825" y="3810000"/>
-            <a:ext cx="15875000" cy="6985000"/>
+            <a:off x="1266824" y="2800722"/>
+            <a:ext cx="15875000" cy="8252759"/>
           </a:xfrm>
           <a:prstGeom prst="rect">
             <a:avLst/>
@@ -5285,7 +4333,7 @@
         </p:spPr>
         <p:txBody>
           <a:bodyPr>
-            <a:normAutofit fontScale="92500"/>
+            <a:noAutofit/>
           </a:bodyPr>
           <a:lstStyle/>
           <a:p>
@@ -5302,23 +4350,64 @@
             </a:pPr>
             <a:r>
               <a:rPr lang="pl-PL" dirty="0"/>
-              <a:t>Ten szablon </a:t>
-            </a:r>
-            <a:r>
-              <a:rPr lang="pl-PL" b="1" dirty="0"/>
-              <a:t>NIE JEST </a:t>
-            </a:r>
+              <a:t>Systemy czasu rzeczywistego RTOS realizowane są głownie w:</a:t>
+            </a:r>
+          </a:p>
+          <a:p>
+            <a:pPr marL="457200" indent="-457200">
+              <a:buFont typeface="Arial" panose="020B0604020202020204" pitchFamily="34" charset="0"/>
+              <a:buChar char="•"/>
+              <a:defRPr sz="3500" i="1">
+                <a:solidFill>
+                  <a:srgbClr val="7896CF"/>
+                </a:solidFill>
+                <a:latin typeface="Adagio_Slab-Regular_italic"/>
+                <a:ea typeface="Adagio_Slab-Regular_italic"/>
+                <a:cs typeface="Adagio_Slab-Regular_italic"/>
+                <a:sym typeface="Adagio_Slab-Regular_italic"/>
+              </a:defRPr>
+            </a:pPr>
             <a:r>
               <a:rPr lang="pl-PL" dirty="0"/>
-              <a:t>obowiązującym na Wydziale </a:t>
-            </a:r>
-            <a:r>
-              <a:rPr lang="pl-PL" b="1" dirty="0"/>
-              <a:t>standardem</a:t>
-            </a:r>
+              <a:t>ASM,</a:t>
+            </a:r>
+          </a:p>
+          <a:p>
+            <a:pPr marL="457200" indent="-457200">
+              <a:buFont typeface="Arial" panose="020B0604020202020204" pitchFamily="34" charset="0"/>
+              <a:buChar char="•"/>
+              <a:defRPr sz="3500" i="1">
+                <a:solidFill>
+                  <a:srgbClr val="7896CF"/>
+                </a:solidFill>
+                <a:latin typeface="Adagio_Slab-Regular_italic"/>
+                <a:ea typeface="Adagio_Slab-Regular_italic"/>
+                <a:cs typeface="Adagio_Slab-Regular_italic"/>
+                <a:sym typeface="Adagio_Slab-Regular_italic"/>
+              </a:defRPr>
+            </a:pPr>
             <a:r>
               <a:rPr lang="pl-PL" dirty="0"/>
-              <a:t> prezentacji na obronę pracy dyplomowej.</a:t>
+              <a:t>C,</a:t>
+            </a:r>
+          </a:p>
+          <a:p>
+            <a:pPr marL="457200" indent="-457200">
+              <a:buFont typeface="Arial" panose="020B0604020202020204" pitchFamily="34" charset="0"/>
+              <a:buChar char="•"/>
+              <a:defRPr sz="3500" i="1">
+                <a:solidFill>
+                  <a:srgbClr val="7896CF"/>
+                </a:solidFill>
+                <a:latin typeface="Adagio_Slab-Regular_italic"/>
+                <a:ea typeface="Adagio_Slab-Regular_italic"/>
+                <a:cs typeface="Adagio_Slab-Regular_italic"/>
+                <a:sym typeface="Adagio_Slab-Regular_italic"/>
+              </a:defRPr>
+            </a:pPr>
+            <a:r>
+              <a:rPr lang="pl-PL" dirty="0"/>
+              <a:t>C++.</a:t>
             </a:r>
           </a:p>
           <a:p>
@@ -5333,18 +4422,7 @@
                 <a:sym typeface="Adagio_Slab-Regular_italic"/>
               </a:defRPr>
             </a:pPr>
-            <a:r>
-              <a:rPr lang="pl-PL" dirty="0"/>
-              <a:t>Ten szablon jest </a:t>
-            </a:r>
-            <a:r>
-              <a:rPr lang="pl-PL" b="1" dirty="0"/>
-              <a:t>przykładowym</a:t>
-            </a:r>
-            <a:r>
-              <a:rPr lang="pl-PL" dirty="0"/>
-              <a:t> szablonem prezentacji, może podlegać zmianom i dostosowaniom do wymogów Komisji egzaminacyjnej, fantazji dyplomanta, pogody itd.</a:t>
-            </a:r>
+            <a:endParaRPr lang="pl-PL" dirty="0"/>
           </a:p>
           <a:p>
             <a:pPr>
@@ -5360,8 +4438,62 @@
             </a:pPr>
             <a:r>
               <a:rPr lang="pl-PL" dirty="0"/>
-              <a:t>Zawarte w szablonie punkty należy traktować jako zalecane punkty, które warto przedstawić na obronie.</a:t>
-            </a:r>
+              <a:t>Głębokie sieci neuronowe:</a:t>
+            </a:r>
+          </a:p>
+          <a:p>
+            <a:pPr marL="457200" indent="-457200">
+              <a:buFont typeface="Arial" panose="020B0604020202020204" pitchFamily="34" charset="0"/>
+              <a:buChar char="•"/>
+              <a:defRPr sz="3500" i="1">
+                <a:solidFill>
+                  <a:srgbClr val="7896CF"/>
+                </a:solidFill>
+                <a:latin typeface="Adagio_Slab-Regular_italic"/>
+                <a:ea typeface="Adagio_Slab-Regular_italic"/>
+                <a:cs typeface="Adagio_Slab-Regular_italic"/>
+                <a:sym typeface="Adagio_Slab-Regular_italic"/>
+              </a:defRPr>
+            </a:pPr>
+            <a:r>
+              <a:rPr lang="pl-PL" dirty="0"/>
+              <a:t>Python !</a:t>
+            </a:r>
+          </a:p>
+          <a:p>
+            <a:pPr marL="457200" indent="-457200">
+              <a:buFont typeface="Arial" panose="020B0604020202020204" pitchFamily="34" charset="0"/>
+              <a:buChar char="•"/>
+              <a:defRPr sz="3500" i="1">
+                <a:solidFill>
+                  <a:srgbClr val="7896CF"/>
+                </a:solidFill>
+                <a:latin typeface="Adagio_Slab-Regular_italic"/>
+                <a:ea typeface="Adagio_Slab-Regular_italic"/>
+                <a:cs typeface="Adagio_Slab-Regular_italic"/>
+                <a:sym typeface="Adagio_Slab-Regular_italic"/>
+              </a:defRPr>
+            </a:pPr>
+            <a:r>
+              <a:rPr lang="pl-PL" dirty="0"/>
+              <a:t>C++.</a:t>
+            </a:r>
+          </a:p>
+          <a:p>
+            <a:pPr marL="457200" indent="-457200">
+              <a:buFont typeface="Arial" panose="020B0604020202020204" pitchFamily="34" charset="0"/>
+              <a:buChar char="•"/>
+              <a:defRPr sz="3500" i="1">
+                <a:solidFill>
+                  <a:srgbClr val="7896CF"/>
+                </a:solidFill>
+                <a:latin typeface="Adagio_Slab-Regular_italic"/>
+                <a:ea typeface="Adagio_Slab-Regular_italic"/>
+                <a:cs typeface="Adagio_Slab-Regular_italic"/>
+                <a:sym typeface="Adagio_Slab-Regular_italic"/>
+              </a:defRPr>
+            </a:pPr>
+            <a:endParaRPr lang="pl-PL" dirty="0"/>
           </a:p>
           <a:p>
             <a:pPr>
@@ -5375,10 +4507,15 @@
                 <a:sym typeface="Adagio_Slab-Regular_italic"/>
               </a:defRPr>
             </a:pPr>
-            <a:endParaRPr lang="pl-PL" dirty="0"/>
-          </a:p>
-          <a:p>
-            <a:pPr>
+            <a:r>
+              <a:rPr lang="pl-PL" dirty="0"/>
+              <a:t>Nvidia cuDNN dosarcza API dla:</a:t>
+            </a:r>
+          </a:p>
+          <a:p>
+            <a:pPr marL="457200" indent="-457200">
+              <a:buFont typeface="Arial" panose="020B0604020202020204" pitchFamily="34" charset="0"/>
+              <a:buChar char="•"/>
               <a:defRPr sz="3500" i="1">
                 <a:solidFill>
                   <a:srgbClr val="7896CF"/>
@@ -5391,11 +4528,13 @@
             </a:pPr>
             <a:r>
               <a:rPr lang="pl-PL" dirty="0"/>
-              <a:t>Zalecany czas trwania prezentacji – 10 minut!!</a:t>
-            </a:r>
-          </a:p>
-          <a:p>
-            <a:pPr>
+              <a:t>Python,</a:t>
+            </a:r>
+          </a:p>
+          <a:p>
+            <a:pPr marL="457200" indent="-457200">
+              <a:buFont typeface="Arial" panose="020B0604020202020204" pitchFamily="34" charset="0"/>
+              <a:buChar char="•"/>
               <a:defRPr sz="3500" i="1">
                 <a:solidFill>
                   <a:srgbClr val="7896CF"/>
@@ -5406,23 +4545,9 @@
                 <a:sym typeface="Adagio_Slab-Regular_italic"/>
               </a:defRPr>
             </a:pPr>
-            <a:endParaRPr lang="pl-PL" dirty="0"/>
-          </a:p>
-          <a:p>
-            <a:pPr>
-              <a:defRPr sz="3500" i="1">
-                <a:solidFill>
-                  <a:srgbClr val="7896CF"/>
-                </a:solidFill>
-                <a:latin typeface="Adagio_Slab-Regular_italic"/>
-                <a:ea typeface="Adagio_Slab-Regular_italic"/>
-                <a:cs typeface="Adagio_Slab-Regular_italic"/>
-                <a:sym typeface="Adagio_Slab-Regular_italic"/>
-              </a:defRPr>
-            </a:pPr>
-            <a:r>
-              <a:rPr lang="pl-PL" sz="2800" dirty="0"/>
-              <a:t>W szablonie zastosowano kolory i identyfikację wizualną Wydziału oraz obowiązujące na PW kroje czcionek.</a:t>
+            <a:r>
+              <a:rPr lang="pl-PL" dirty="0"/>
+              <a:t>C++.</a:t>
             </a:r>
           </a:p>
         </p:txBody>
@@ -5545,6 +4670,7 @@
           <a:lstStyle/>
           <a:p>
             <a:fld id="{86CB4B4D-7CA3-9044-876B-883B54F8677D}" type="slidenum">
+              <a:rPr/>
               <a:t>2</a:t>
             </a:fld>
             <a:endParaRPr/>
@@ -5588,8 +4714,15 @@
               </a:defRPr>
             </a:pPr>
             <a:r>
-              <a:rPr lang="pl-PL" dirty="0"/>
-              <a:t>Tutaj należy zaprezentować motywację do podjęcia tematu pracy i wprowadzić komisję do poruszanej tematyki i przedstawić problem którym się zajmujemy w pracy</a:t>
+              <a:rPr lang="pl-PL" sz="4400" dirty="0"/>
+              <a:t>Określenie realnego mierzalnego i porównywalnego wpływu </a:t>
+            </a:r>
+            <a:br>
+              <a:rPr lang="pl-PL" sz="4400" dirty="0"/>
+            </a:br>
+            <a:r>
+              <a:rPr lang="pl-PL" sz="4400" dirty="0"/>
+              <a:t>decyzji projektowej dotyczącej wyboru środowiska </a:t>
             </a:r>
           </a:p>
           <a:p>
@@ -5604,6 +4737,31 @@
                 <a:sym typeface="Adagio_Slab-Regular_italic"/>
               </a:defRPr>
             </a:pPr>
+            <a:r>
+              <a:rPr lang="pl-PL" sz="4400" dirty="0"/>
+              <a:t>na szybkość </a:t>
+            </a:r>
+            <a:r>
+              <a:rPr lang="pl-PL" sz="4400" b="1" dirty="0"/>
+              <a:t>uczenia</a:t>
+            </a:r>
+            <a:r>
+              <a:rPr lang="pl-PL" sz="4400" dirty="0"/>
+              <a:t> dużych sieci.</a:t>
+            </a:r>
+          </a:p>
+          <a:p>
+            <a:pPr>
+              <a:defRPr sz="3500" i="1">
+                <a:solidFill>
+                  <a:srgbClr val="7896CF"/>
+                </a:solidFill>
+                <a:latin typeface="Adagio_Slab-Regular_italic"/>
+                <a:ea typeface="Adagio_Slab-Regular_italic"/>
+                <a:cs typeface="Adagio_Slab-Regular_italic"/>
+                <a:sym typeface="Adagio_Slab-Regular_italic"/>
+              </a:defRPr>
+            </a:pPr>
             <a:endParaRPr dirty="0">
               <a:solidFill>
                 <a:srgbClr val="965F77"/>
@@ -5619,27 +4777,45 @@
               <a:defRPr sz="3500"/>
             </a:pPr>
             <a:r>
-              <a:rPr dirty="0"/>
-              <a:t>Lorem ipsum lorem ipsum lorem ipsum Lorem ipsum lorem ipsum </a:t>
-            </a:r>
-          </a:p>
-          <a:p>
-            <a:pPr>
-              <a:defRPr sz="3500"/>
-            </a:pPr>
-            <a:r>
-              <a:rPr dirty="0"/>
-              <a:t>lorem ipsum  Lorem ipsum lorem ipsum lorem ipsum Lorem ipsum lorem ipsum lorem ipsum Lorem ipsum lorem ipsum lorem ipsum Lorem ipsum lorem </a:t>
-            </a:r>
-          </a:p>
-          <a:p>
-            <a:pPr>
-              <a:defRPr sz="3500"/>
-            </a:pPr>
-            <a:r>
-              <a:rPr dirty="0"/>
-              <a:t>ipsum lorem ipsum Lorem ipsum lorem ipsum lorem ipsum</a:t>
-            </a:r>
+              <a:rPr lang="pl-PL" dirty="0">
+                <a:solidFill>
+                  <a:schemeClr val="bg2">
+                    <a:lumMod val="40000"/>
+                    <a:lumOff val="60000"/>
+                  </a:schemeClr>
+                </a:solidFill>
+              </a:rPr>
+              <a:t>Zwłaszcza w kontekście wyścigu technologicznych gigantów </a:t>
+            </a:r>
+            <a:br>
+              <a:rPr lang="pl-PL" dirty="0">
+                <a:solidFill>
+                  <a:schemeClr val="bg2">
+                    <a:lumMod val="40000"/>
+                    <a:lumOff val="60000"/>
+                  </a:schemeClr>
+                </a:solidFill>
+              </a:rPr>
+            </a:br>
+            <a:r>
+              <a:rPr lang="pl-PL" dirty="0">
+                <a:solidFill>
+                  <a:schemeClr val="bg2">
+                    <a:lumMod val="40000"/>
+                    <a:lumOff val="60000"/>
+                  </a:schemeClr>
+                </a:solidFill>
+              </a:rPr>
+              <a:t>o osiągnięcie dominacji w dziedzinie ML.</a:t>
+            </a:r>
+            <a:endParaRPr lang="en-US" dirty="0">
+              <a:solidFill>
+                <a:schemeClr val="bg2">
+                  <a:lumMod val="40000"/>
+                  <a:lumOff val="60000"/>
+                </a:schemeClr>
+              </a:solidFill>
+            </a:endParaRPr>
           </a:p>
         </p:txBody>
       </p:sp>
@@ -5849,7 +5025,7 @@
         </p:nvSpPr>
         <p:spPr>
           <a:xfrm>
-            <a:off x="1266825" y="3810000"/>
+            <a:off x="1266824" y="2545977"/>
             <a:ext cx="15875000" cy="6985000"/>
           </a:xfrm>
           <a:prstGeom prst="rect">
@@ -5858,7 +5034,7 @@
         </p:spPr>
         <p:txBody>
           <a:bodyPr>
-            <a:normAutofit fontScale="92500"/>
+            <a:normAutofit/>
           </a:bodyPr>
           <a:lstStyle/>
           <a:p>
@@ -5874,9 +5050,59 @@
               </a:defRPr>
             </a:pPr>
             <a:r>
+              <a:rPr lang="pl-PL" sz="4400" dirty="0"/>
+              <a:t>Uruchomienie modeli sieci konwolucyjnej w warunkach </a:t>
+            </a:r>
+            <a:r>
+              <a:rPr lang="pl-PL" sz="4400" b="1" dirty="0"/>
+              <a:t>porównywalnych </a:t>
+            </a:r>
+            <a:r>
+              <a:rPr lang="pl-PL" sz="4400" dirty="0"/>
+              <a:t>w wybranych środowiskach</a:t>
+            </a:r>
+          </a:p>
+          <a:p>
+            <a:pPr marL="457200" indent="-457200">
+              <a:buFont typeface="Arial" panose="020B0604020202020204" pitchFamily="34" charset="0"/>
+              <a:buChar char="•"/>
+              <a:defRPr sz="3500" i="1">
+                <a:solidFill>
+                  <a:srgbClr val="7896CF"/>
+                </a:solidFill>
+                <a:latin typeface="Adagio_Slab-Regular_italic"/>
+                <a:ea typeface="Adagio_Slab-Regular_italic"/>
+                <a:cs typeface="Adagio_Slab-Regular_italic"/>
+                <a:sym typeface="Adagio_Slab-Regular_italic"/>
+              </a:defRPr>
+            </a:pPr>
+            <a:r>
               <a:rPr lang="pl-PL" dirty="0"/>
-              <a:t>Tutaj trzeba sformułować cel główny pracy i zdefiniować cele poboczne.</a:t>
-            </a:r>
+              <a:t>wybór algorytmów i strategii </a:t>
+            </a:r>
+          </a:p>
+          <a:p>
+            <a:pPr marL="457200" indent="-457200">
+              <a:buFont typeface="Arial" panose="020B0604020202020204" pitchFamily="34" charset="0"/>
+              <a:buChar char="•"/>
+              <a:defRPr sz="3500" i="1">
+                <a:solidFill>
+                  <a:srgbClr val="7896CF"/>
+                </a:solidFill>
+                <a:latin typeface="Adagio_Slab-Regular_italic"/>
+                <a:ea typeface="Adagio_Slab-Regular_italic"/>
+                <a:cs typeface="Adagio_Slab-Regular_italic"/>
+                <a:sym typeface="Adagio_Slab-Regular_italic"/>
+              </a:defRPr>
+            </a:pPr>
+            <a:r>
+              <a:rPr lang="pl-PL" dirty="0"/>
+              <a:t>wykorzystanie tych samych danych uczących</a:t>
+            </a:r>
+            <a:br>
+              <a:rPr lang="pl-PL" dirty="0"/>
+            </a:br>
+            <a:endParaRPr lang="pl-PL" dirty="0"/>
           </a:p>
           <a:p>
             <a:pPr>
@@ -5890,91 +5116,6 @@
                 <a:sym typeface="Adagio_Slab-Regular_italic"/>
               </a:defRPr>
             </a:pPr>
-            <a:r>
-              <a:rPr lang="pl-PL" dirty="0"/>
-              <a:t>Cel powinien być:</a:t>
-            </a:r>
-          </a:p>
-          <a:p>
-            <a:pPr>
-              <a:defRPr sz="3500" i="1">
-                <a:solidFill>
-                  <a:srgbClr val="7896CF"/>
-                </a:solidFill>
-                <a:latin typeface="Adagio_Slab-Regular_italic"/>
-                <a:ea typeface="Adagio_Slab-Regular_italic"/>
-                <a:cs typeface="Adagio_Slab-Regular_italic"/>
-                <a:sym typeface="Adagio_Slab-Regular_italic"/>
-              </a:defRPr>
-            </a:pPr>
-            <a:r>
-              <a:rPr lang="pl-PL" dirty="0"/>
-              <a:t>	- zrozumiały</a:t>
-            </a:r>
-          </a:p>
-          <a:p>
-            <a:pPr>
-              <a:defRPr sz="3500" i="1">
-                <a:solidFill>
-                  <a:srgbClr val="7896CF"/>
-                </a:solidFill>
-                <a:latin typeface="Adagio_Slab-Regular_italic"/>
-                <a:ea typeface="Adagio_Slab-Regular_italic"/>
-                <a:cs typeface="Adagio_Slab-Regular_italic"/>
-                <a:sym typeface="Adagio_Slab-Regular_italic"/>
-              </a:defRPr>
-            </a:pPr>
-            <a:r>
-              <a:rPr lang="pl-PL" dirty="0"/>
-              <a:t>	- osiągalny</a:t>
-            </a:r>
-          </a:p>
-          <a:p>
-            <a:pPr>
-              <a:defRPr sz="3500" i="1">
-                <a:solidFill>
-                  <a:srgbClr val="7896CF"/>
-                </a:solidFill>
-                <a:latin typeface="Adagio_Slab-Regular_italic"/>
-                <a:ea typeface="Adagio_Slab-Regular_italic"/>
-                <a:cs typeface="Adagio_Slab-Regular_italic"/>
-                <a:sym typeface="Adagio_Slab-Regular_italic"/>
-              </a:defRPr>
-            </a:pPr>
-            <a:r>
-              <a:rPr lang="pl-PL" dirty="0"/>
-              <a:t>	- mierzalny</a:t>
-            </a:r>
-          </a:p>
-          <a:p>
-            <a:pPr>
-              <a:defRPr sz="3500" i="1">
-                <a:solidFill>
-                  <a:srgbClr val="7896CF"/>
-                </a:solidFill>
-                <a:latin typeface="Adagio_Slab-Regular_italic"/>
-                <a:ea typeface="Adagio_Slab-Regular_italic"/>
-                <a:cs typeface="Adagio_Slab-Regular_italic"/>
-                <a:sym typeface="Adagio_Slab-Regular_italic"/>
-              </a:defRPr>
-            </a:pPr>
-            <a:r>
-              <a:rPr lang="pl-PL" dirty="0"/>
-              <a:t>	- krótko i jasno sformułowany</a:t>
-            </a:r>
-          </a:p>
-          <a:p>
-            <a:pPr>
-              <a:defRPr sz="3500" i="1">
-                <a:solidFill>
-                  <a:srgbClr val="7896CF"/>
-                </a:solidFill>
-                <a:latin typeface="Adagio_Slab-Regular_italic"/>
-                <a:ea typeface="Adagio_Slab-Regular_italic"/>
-                <a:cs typeface="Adagio_Slab-Regular_italic"/>
-                <a:sym typeface="Adagio_Slab-Regular_italic"/>
-              </a:defRPr>
-            </a:pPr>
             <a:endParaRPr dirty="0">
               <a:solidFill>
                 <a:srgbClr val="965F77"/>
@@ -5990,27 +5131,41 @@
               <a:defRPr sz="3500"/>
             </a:pPr>
             <a:r>
-              <a:rPr dirty="0"/>
-              <a:t>Lorem ipsum lorem ipsum lorem ipsum Lorem ipsum lorem ipsum </a:t>
-            </a:r>
+              <a:rPr lang="pl-PL" dirty="0"/>
+              <a:t>Cel uzupełniający: </a:t>
+            </a:r>
+          </a:p>
+          <a:p>
+            <a:pPr marL="457200" indent="-457200">
+              <a:buFont typeface="Arial" panose="020B0604020202020204" pitchFamily="34" charset="0"/>
+              <a:buChar char="•"/>
+              <a:defRPr sz="3500"/>
+            </a:pPr>
+            <a:r>
+              <a:rPr lang="pl-PL" dirty="0"/>
+              <a:t>badanie wybranych elementów sieci</a:t>
+            </a:r>
+          </a:p>
+          <a:p>
+            <a:pPr marL="457200" indent="-457200">
+              <a:buFont typeface="Arial" panose="020B0604020202020204" pitchFamily="34" charset="0"/>
+              <a:buChar char="•"/>
+              <a:defRPr sz="3500"/>
+            </a:pPr>
+            <a:r>
+              <a:rPr lang="pl-PL" dirty="0"/>
+              <a:t>Wykorzystanie bezpośrednie interfejsu CUDA</a:t>
+            </a:r>
+            <a:br>
+              <a:rPr lang="pl-PL" dirty="0"/>
+            </a:br>
+            <a:endParaRPr lang="pl-PL" dirty="0"/>
           </a:p>
           <a:p>
             <a:pPr>
               <a:defRPr sz="3500"/>
             </a:pPr>
-            <a:r>
-              <a:rPr dirty="0"/>
-              <a:t>lorem ipsum  Lorem ipsum lorem ipsum lorem ipsum Lorem ipsum lorem ipsum lorem ipsum Lorem ipsum lorem ipsum lorem ipsum Lorem ipsum lorem </a:t>
-            </a:r>
-          </a:p>
-          <a:p>
-            <a:pPr>
-              <a:defRPr sz="3500"/>
-            </a:pPr>
-            <a:r>
-              <a:rPr dirty="0"/>
-              <a:t>ipsum lorem ipsum Lorem ipsum lorem ipsum lorem ipsum</a:t>
-            </a:r>
+            <a:endParaRPr dirty="0"/>
           </a:p>
         </p:txBody>
       </p:sp>
@@ -6266,7 +5421,7 @@
         </p:nvSpPr>
         <p:spPr>
           <a:xfrm>
-            <a:off x="1266825" y="3810000"/>
+            <a:off x="1266824" y="2935194"/>
             <a:ext cx="15875000" cy="6985000"/>
           </a:xfrm>
           <a:prstGeom prst="rect">
@@ -6275,7 +5430,7 @@
         </p:spPr>
         <p:txBody>
           <a:bodyPr>
-            <a:normAutofit/>
+            <a:normAutofit lnSpcReduction="10000"/>
           </a:bodyPr>
           <a:lstStyle/>
           <a:p>
@@ -6292,7 +5447,64 @@
             </a:pPr>
             <a:r>
               <a:rPr lang="pl-PL" dirty="0"/>
-              <a:t>Tu prezentujemy KRÓTKO dziedzinę problemową i  stan wiedzy / znane np. w literaturze sposoby rozwiązania problemów, którymi się zajmujemy</a:t>
+              <a:t>Hardware:</a:t>
+            </a:r>
+          </a:p>
+          <a:p>
+            <a:pPr marL="457200" indent="-457200">
+              <a:buFont typeface="Arial" panose="020B0604020202020204" pitchFamily="34" charset="0"/>
+              <a:buChar char="•"/>
+              <a:defRPr sz="3500" i="1">
+                <a:solidFill>
+                  <a:srgbClr val="7896CF"/>
+                </a:solidFill>
+                <a:latin typeface="Adagio_Slab-Regular_italic"/>
+                <a:ea typeface="Adagio_Slab-Regular_italic"/>
+                <a:cs typeface="Adagio_Slab-Regular_italic"/>
+                <a:sym typeface="Adagio_Slab-Regular_italic"/>
+              </a:defRPr>
+            </a:pPr>
+            <a:r>
+              <a:rPr lang="pl-PL" dirty="0"/>
+              <a:t>CPU</a:t>
+            </a:r>
+          </a:p>
+          <a:p>
+            <a:pPr marL="457200" indent="-457200">
+              <a:buFont typeface="Arial" panose="020B0604020202020204" pitchFamily="34" charset="0"/>
+              <a:buChar char="•"/>
+              <a:defRPr sz="3500" i="1">
+                <a:solidFill>
+                  <a:srgbClr val="7896CF"/>
+                </a:solidFill>
+                <a:latin typeface="Adagio_Slab-Regular_italic"/>
+                <a:ea typeface="Adagio_Slab-Regular_italic"/>
+                <a:cs typeface="Adagio_Slab-Regular_italic"/>
+                <a:sym typeface="Adagio_Slab-Regular_italic"/>
+              </a:defRPr>
+            </a:pPr>
+            <a:r>
+              <a:rPr lang="pl-PL" dirty="0"/>
+              <a:t>GPU CUDA</a:t>
+            </a:r>
+          </a:p>
+          <a:p>
+            <a:pPr marL="457200" indent="-457200">
+              <a:buFont typeface="Arial" panose="020B0604020202020204" pitchFamily="34" charset="0"/>
+              <a:buChar char="•"/>
+              <a:defRPr sz="3500" i="1">
+                <a:solidFill>
+                  <a:srgbClr val="7896CF"/>
+                </a:solidFill>
+                <a:latin typeface="Adagio_Slab-Regular_italic"/>
+                <a:ea typeface="Adagio_Slab-Regular_italic"/>
+                <a:cs typeface="Adagio_Slab-Regular_italic"/>
+                <a:sym typeface="Adagio_Slab-Regular_italic"/>
+              </a:defRPr>
+            </a:pPr>
+            <a:r>
+              <a:rPr lang="pl-PL" dirty="0"/>
+              <a:t>GPU TensorCore ?</a:t>
             </a:r>
           </a:p>
           <a:p>
@@ -6307,41 +5519,118 @@
                 <a:sym typeface="Adagio_Slab-Regular_italic"/>
               </a:defRPr>
             </a:pPr>
-            <a:endParaRPr dirty="0">
-              <a:solidFill>
-                <a:srgbClr val="965F77"/>
-              </a:solidFill>
-              <a:latin typeface="+mj-lt"/>
-              <a:ea typeface="+mj-ea"/>
-              <a:cs typeface="+mj-cs"/>
-              <a:sym typeface="Helvetica"/>
-            </a:endParaRPr>
+            <a:endParaRPr lang="pl-PL" dirty="0"/>
           </a:p>
           <a:p>
             <a:pPr>
-              <a:defRPr sz="3500"/>
-            </a:pPr>
-            <a:r>
-              <a:rPr dirty="0"/>
-              <a:t>Lorem ipsum lorem ipsum lorem ipsum Lorem ipsum lorem ipsum </a:t>
-            </a:r>
-          </a:p>
-          <a:p>
-            <a:pPr>
-              <a:defRPr sz="3500"/>
-            </a:pPr>
-            <a:r>
-              <a:rPr dirty="0"/>
-              <a:t>lorem ipsum  Lorem ipsum lorem ipsum lorem ipsum Lorem ipsum lorem ipsum lorem ipsum Lorem ipsum lorem ipsum lorem ipsum Lorem ipsum lorem </a:t>
-            </a:r>
-          </a:p>
-          <a:p>
-            <a:pPr>
-              <a:defRPr sz="3500"/>
-            </a:pPr>
-            <a:r>
-              <a:rPr dirty="0"/>
-              <a:t>ipsum lorem ipsum Lorem ipsum lorem ipsum lorem ipsum</a:t>
+              <a:defRPr sz="3500" i="1">
+                <a:solidFill>
+                  <a:srgbClr val="7896CF"/>
+                </a:solidFill>
+                <a:latin typeface="Adagio_Slab-Regular_italic"/>
+                <a:ea typeface="Adagio_Slab-Regular_italic"/>
+                <a:cs typeface="Adagio_Slab-Regular_italic"/>
+                <a:sym typeface="Adagio_Slab-Regular_italic"/>
+              </a:defRPr>
+            </a:pPr>
+            <a:r>
+              <a:rPr lang="pl-PL" dirty="0"/>
+              <a:t>Software:</a:t>
+            </a:r>
+          </a:p>
+          <a:p>
+            <a:pPr marL="457200" indent="-457200">
+              <a:buFont typeface="Arial" panose="020B0604020202020204" pitchFamily="34" charset="0"/>
+              <a:buChar char="•"/>
+              <a:defRPr sz="3500" i="1">
+                <a:solidFill>
+                  <a:srgbClr val="7896CF"/>
+                </a:solidFill>
+                <a:latin typeface="Adagio_Slab-Regular_italic"/>
+                <a:ea typeface="Adagio_Slab-Regular_italic"/>
+                <a:cs typeface="Adagio_Slab-Regular_italic"/>
+                <a:sym typeface="Adagio_Slab-Regular_italic"/>
+              </a:defRPr>
+            </a:pPr>
+            <a:r>
+              <a:rPr lang="pl-PL" dirty="0"/>
+              <a:t>Java (CPU) - własna implementacja w paradygmacie obiektowym</a:t>
+            </a:r>
+          </a:p>
+          <a:p>
+            <a:pPr marL="457200" indent="-457200">
+              <a:buFont typeface="Arial" panose="020B0604020202020204" pitchFamily="34" charset="0"/>
+              <a:buChar char="•"/>
+              <a:defRPr sz="3500" i="1">
+                <a:solidFill>
+                  <a:srgbClr val="7896CF"/>
+                </a:solidFill>
+                <a:latin typeface="Adagio_Slab-Regular_italic"/>
+                <a:ea typeface="Adagio_Slab-Regular_italic"/>
+                <a:cs typeface="Adagio_Slab-Regular_italic"/>
+                <a:sym typeface="Adagio_Slab-Regular_italic"/>
+              </a:defRPr>
+            </a:pPr>
+            <a:r>
+              <a:rPr lang="pl-PL" dirty="0"/>
+              <a:t>Matlab (CUDA)</a:t>
+            </a:r>
+          </a:p>
+          <a:p>
+            <a:pPr marL="457200" indent="-457200">
+              <a:buFont typeface="Arial" panose="020B0604020202020204" pitchFamily="34" charset="0"/>
+              <a:buChar char="•"/>
+              <a:defRPr sz="3500" i="1">
+                <a:solidFill>
+                  <a:srgbClr val="7896CF"/>
+                </a:solidFill>
+                <a:latin typeface="Adagio_Slab-Regular_italic"/>
+                <a:ea typeface="Adagio_Slab-Regular_italic"/>
+                <a:cs typeface="Adagio_Slab-Regular_italic"/>
+                <a:sym typeface="Adagio_Slab-Regular_italic"/>
+              </a:defRPr>
+            </a:pPr>
+            <a:r>
+              <a:rPr lang="pl-PL" dirty="0"/>
+              <a:t>Python –TensorFlow (?)</a:t>
+            </a:r>
+          </a:p>
+          <a:p>
+            <a:pPr marL="457200" indent="-457200">
+              <a:buFont typeface="Arial" panose="020B0604020202020204" pitchFamily="34" charset="0"/>
+              <a:buChar char="•"/>
+              <a:defRPr sz="3500" i="1">
+                <a:solidFill>
+                  <a:srgbClr val="7896CF"/>
+                </a:solidFill>
+                <a:latin typeface="Adagio_Slab-Regular_italic"/>
+                <a:ea typeface="Adagio_Slab-Regular_italic"/>
+                <a:cs typeface="Adagio_Slab-Regular_italic"/>
+                <a:sym typeface="Adagio_Slab-Regular_italic"/>
+              </a:defRPr>
+            </a:pPr>
+            <a:r>
+              <a:rPr lang="pl-PL" dirty="0"/>
+              <a:t>PyTorch (TC)</a:t>
+            </a:r>
+          </a:p>
+          <a:p>
+            <a:pPr marL="457200" indent="-457200">
+              <a:buFont typeface="Arial" panose="020B0604020202020204" pitchFamily="34" charset="0"/>
+              <a:buChar char="•"/>
+              <a:defRPr sz="3500" i="1">
+                <a:solidFill>
+                  <a:srgbClr val="7896CF"/>
+                </a:solidFill>
+                <a:latin typeface="Adagio_Slab-Regular_italic"/>
+                <a:ea typeface="Adagio_Slab-Regular_italic"/>
+                <a:cs typeface="Adagio_Slab-Regular_italic"/>
+                <a:sym typeface="Adagio_Slab-Regular_italic"/>
+              </a:defRPr>
+            </a:pPr>
+            <a:r>
+              <a:rPr lang="pl-PL" dirty="0"/>
+              <a:t>C++ (CPU, CUDA)</a:t>
             </a:r>
           </a:p>
         </p:txBody>
@@ -6393,20 +5682,33 @@
             </a:lvl1pPr>
           </a:lstStyle>
           <a:p>
-            <a:pPr>
+            <a:pPr lvl="0">
               <a:defRPr sz="3500"/>
             </a:pPr>
             <a:r>
               <a:rPr lang="pl-PL" sz="7200" dirty="0"/>
-              <a:t>Przeanalizowane metody i narzędzia</a:t>
-            </a:r>
+              <a:t>Wykorzystane środowiska</a:t>
+            </a:r>
+            <a:endParaRPr kumimoji="0" lang="pl-PL" sz="7200" b="0" i="0" u="none" strike="noStrike" kern="0" cap="none" spc="0" normalizeH="0" baseline="0" noProof="0" dirty="0">
+              <a:ln>
+                <a:noFill/>
+              </a:ln>
+              <a:solidFill>
+                <a:srgbClr val="3C3C4C"/>
+              </a:solidFill>
+              <a:effectLst/>
+              <a:uLnTx/>
+              <a:uFillTx/>
+              <a:latin typeface="Adagio_Slab"/>
+              <a:sym typeface="Adagio_Slab"/>
+            </a:endParaRPr>
           </a:p>
         </p:txBody>
       </p:sp>
     </p:spTree>
     <p:extLst>
       <p:ext uri="{BB962C8B-B14F-4D97-AF65-F5344CB8AC3E}">
-        <p14:creationId xmlns:p14="http://schemas.microsoft.com/office/powerpoint/2010/main" val="3940799484"/>
+        <p14:creationId xmlns:p14="http://schemas.microsoft.com/office/powerpoint/2010/main" val="606568774"/>
       </p:ext>
     </p:extLst>
   </p:cSld>
@@ -6441,7 +5743,13 @@
     </p:bg>
     <p:spTree>
       <p:nvGrpSpPr>
-        <p:cNvPr id="1" name=""/>
+        <p:cNvPr id="1" name="">
+          <a:extLst>
+            <a:ext uri="{FF2B5EF4-FFF2-40B4-BE49-F238E27FC236}">
+              <a16:creationId xmlns:a16="http://schemas.microsoft.com/office/drawing/2014/main" id="{6830DE23-F165-442C-6FAC-72F9A821AC42}"/>
+            </a:ext>
+          </a:extLst>
+        </p:cNvPr>
         <p:cNvGrpSpPr/>
         <p:nvPr/>
       </p:nvGrpSpPr>
@@ -6455,7 +5763,13 @@
       </p:grpSpPr>
       <p:sp>
         <p:nvSpPr>
-          <p:cNvPr id="80" name="Shape 80"/>
+          <p:cNvPr id="80" name="Shape 80">
+            <a:extLst>
+              <a:ext uri="{FF2B5EF4-FFF2-40B4-BE49-F238E27FC236}">
+                <a16:creationId xmlns:a16="http://schemas.microsoft.com/office/drawing/2014/main" id="{2B529FD0-EAC7-1B12-7B7F-24CF75241211}"/>
+              </a:ext>
+            </a:extLst>
+          </p:cNvPr>
           <p:cNvSpPr>
             <a:spLocks noGrp="1"/>
           </p:cNvSpPr>
@@ -6473,7 +5787,7 @@
           </a:prstGeom>
           <a:extLst>
             <a:ext uri="{C572A759-6A51-4108-AA02-DFA0A04FC94B}">
-              <ma14:wrappingTextBoxFlag xmlns="" xmlns:ma14="http://schemas.microsoft.com/office/mac/drawingml/2011/main" val="1"/>
+              <ma14:wrappingTextBoxFlag xmlns:ma14="http://schemas.microsoft.com/office/mac/drawingml/2011/main" xmlns="" val="1"/>
             </a:ext>
           </a:extLst>
         </p:spPr>
@@ -6549,7 +5863,13 @@
       </p:sp>
       <p:sp>
         <p:nvSpPr>
-          <p:cNvPr id="81" name="Shape 81"/>
+          <p:cNvPr id="81" name="Shape 81">
+            <a:extLst>
+              <a:ext uri="{FF2B5EF4-FFF2-40B4-BE49-F238E27FC236}">
+                <a16:creationId xmlns:a16="http://schemas.microsoft.com/office/drawing/2014/main" id="{C1790EC6-7F1C-7F34-3CDC-5FCC9F39AFA3}"/>
+              </a:ext>
+            </a:extLst>
+          </p:cNvPr>
           <p:cNvSpPr>
             <a:spLocks noGrp="1"/>
           </p:cNvSpPr>
@@ -6559,7 +5879,7 @@
         </p:nvSpPr>
         <p:spPr>
           <a:xfrm>
-            <a:off x="1266825" y="3810000"/>
+            <a:off x="1266824" y="3365500"/>
             <a:ext cx="15875000" cy="6985000"/>
           </a:xfrm>
           <a:prstGeom prst="rect">
@@ -6584,12 +5904,14 @@
               </a:defRPr>
             </a:pPr>
             <a:r>
-              <a:rPr lang="pl-PL" dirty="0"/>
-              <a:t>Charakteryzujemy najważniejsze metody i narzędzia użyte w pracy do osiągnięcia postawionych celów.</a:t>
-            </a:r>
-          </a:p>
-          <a:p>
-            <a:pPr>
+              <a:rPr lang="pl-PL" sz="4400" dirty="0"/>
+              <a:t>Analizowane struktury sieci:</a:t>
+            </a:r>
+          </a:p>
+          <a:p>
+            <a:pPr marL="457200" indent="-457200">
+              <a:buFont typeface="Arial" panose="020B0604020202020204" pitchFamily="34" charset="0"/>
+              <a:buChar char="•"/>
               <a:defRPr sz="3500" i="1">
                 <a:solidFill>
                   <a:srgbClr val="7896CF"/>
@@ -6600,48 +5922,83 @@
                 <a:sym typeface="Adagio_Slab-Regular_italic"/>
               </a:defRPr>
             </a:pPr>
-            <a:endParaRPr dirty="0">
-              <a:solidFill>
-                <a:srgbClr val="965F77"/>
-              </a:solidFill>
-              <a:latin typeface="+mj-lt"/>
-              <a:ea typeface="+mj-ea"/>
-              <a:cs typeface="+mj-cs"/>
-              <a:sym typeface="Helvetica"/>
-            </a:endParaRPr>
-          </a:p>
-          <a:p>
-            <a:pPr>
-              <a:defRPr sz="3500"/>
-            </a:pPr>
-            <a:r>
-              <a:rPr dirty="0"/>
-              <a:t>Lorem ipsum lorem ipsum lorem ipsum Lorem ipsum lorem ipsum </a:t>
-            </a:r>
-          </a:p>
-          <a:p>
-            <a:pPr>
-              <a:defRPr sz="3500"/>
-            </a:pPr>
-            <a:r>
-              <a:rPr dirty="0"/>
-              <a:t>lorem ipsum  Lorem ipsum lorem ipsum lorem ipsum Lorem ipsum lorem ipsum lorem ipsum Lorem ipsum lorem ipsum lorem ipsum Lorem ipsum lorem </a:t>
-            </a:r>
-          </a:p>
-          <a:p>
-            <a:pPr>
-              <a:defRPr sz="3500"/>
-            </a:pPr>
-            <a:r>
-              <a:rPr dirty="0"/>
-              <a:t>ipsum lorem ipsum Lorem ipsum lorem ipsum lorem ipsum</a:t>
+            <a:r>
+              <a:rPr lang="pl-PL" sz="4400" dirty="0"/>
+              <a:t>regresja liniowa ( tylko CPU )</a:t>
+            </a:r>
+          </a:p>
+          <a:p>
+            <a:pPr marL="457200" indent="-457200">
+              <a:buFont typeface="Arial" panose="020B0604020202020204" pitchFamily="34" charset="0"/>
+              <a:buChar char="•"/>
+              <a:defRPr sz="3500" i="1">
+                <a:solidFill>
+                  <a:srgbClr val="7896CF"/>
+                </a:solidFill>
+                <a:latin typeface="Adagio_Slab-Regular_italic"/>
+                <a:ea typeface="Adagio_Slab-Regular_italic"/>
+                <a:cs typeface="Adagio_Slab-Regular_italic"/>
+                <a:sym typeface="Adagio_Slab-Regular_italic"/>
+              </a:defRPr>
+            </a:pPr>
+            <a:r>
+              <a:rPr lang="pl-PL" sz="4400" dirty="0"/>
+              <a:t>prosty klasyfikator MLP, CNN</a:t>
+            </a:r>
+          </a:p>
+          <a:p>
+            <a:pPr marL="457200" indent="-457200">
+              <a:buFont typeface="Arial" panose="020B0604020202020204" pitchFamily="34" charset="0"/>
+              <a:buChar char="•"/>
+              <a:defRPr sz="3500" i="1">
+                <a:solidFill>
+                  <a:srgbClr val="7896CF"/>
+                </a:solidFill>
+                <a:latin typeface="Adagio_Slab-Regular_italic"/>
+                <a:ea typeface="Adagio_Slab-Regular_italic"/>
+                <a:cs typeface="Adagio_Slab-Regular_italic"/>
+                <a:sym typeface="Adagio_Slab-Regular_italic"/>
+              </a:defRPr>
+            </a:pPr>
+            <a:r>
+              <a:rPr lang="pl-PL" sz="4400" dirty="0"/>
+              <a:t>głęboka CNN</a:t>
+            </a:r>
+          </a:p>
+          <a:p>
+            <a:pPr marL="457200" indent="-457200">
+              <a:buFont typeface="Arial" panose="020B0604020202020204" pitchFamily="34" charset="0"/>
+              <a:buChar char="•"/>
+              <a:defRPr sz="3500" i="1">
+                <a:solidFill>
+                  <a:srgbClr val="7896CF"/>
+                </a:solidFill>
+                <a:latin typeface="Adagio_Slab-Regular_italic"/>
+                <a:ea typeface="Adagio_Slab-Regular_italic"/>
+                <a:cs typeface="Adagio_Slab-Regular_italic"/>
+                <a:sym typeface="Adagio_Slab-Regular_italic"/>
+              </a:defRPr>
+            </a:pPr>
+            <a:r>
+              <a:rPr lang="pl-PL" sz="4400" b="1" dirty="0"/>
+              <a:t>YOLO</a:t>
+            </a:r>
+            <a:r>
+              <a:rPr lang="pl-PL" sz="4400" dirty="0"/>
+              <a:t> ( tylko predykcja )</a:t>
             </a:r>
           </a:p>
         </p:txBody>
       </p:sp>
       <p:sp>
         <p:nvSpPr>
-          <p:cNvPr id="82" name="Shape 82"/>
+          <p:cNvPr id="82" name="Shape 82">
+            <a:extLst>
+              <a:ext uri="{FF2B5EF4-FFF2-40B4-BE49-F238E27FC236}">
+                <a16:creationId xmlns:a16="http://schemas.microsoft.com/office/drawing/2014/main" id="{71B16133-9FE2-320B-13C4-58875A77EFA8}"/>
+              </a:ext>
+            </a:extLst>
+          </p:cNvPr>
           <p:cNvSpPr/>
           <p:nvPr/>
         </p:nvSpPr>
@@ -6658,7 +6015,7 @@
           </a:ln>
           <a:extLst>
             <a:ext uri="{C572A759-6A51-4108-AA02-DFA0A04FC94B}">
-              <ma14:wrappingTextBoxFlag xmlns="" xmlns:ma14="http://schemas.microsoft.com/office/mac/drawingml/2011/main" val="1"/>
+              <ma14:wrappingTextBoxFlag xmlns:ma14="http://schemas.microsoft.com/office/mac/drawingml/2011/main" xmlns="" val="1"/>
             </a:ext>
           </a:extLst>
         </p:spPr>
@@ -6691,7 +6048,7 @@
             </a:pPr>
             <a:r>
               <a:rPr lang="pl-PL" sz="7200" dirty="0"/>
-              <a:t>Wykorzystane metody i narzędzia</a:t>
+              <a:t>Wykorzystane modele</a:t>
             </a:r>
             <a:endParaRPr kumimoji="0" lang="pl-PL" sz="7200" b="0" i="0" u="none" strike="noStrike" kern="0" cap="none" spc="0" normalizeH="0" baseline="0" noProof="0" dirty="0">
               <a:ln>
@@ -6712,25 +6069,16 @@
     </p:spTree>
     <p:extLst>
       <p:ext uri="{BB962C8B-B14F-4D97-AF65-F5344CB8AC3E}">
-        <p14:creationId xmlns:p14="http://schemas.microsoft.com/office/powerpoint/2010/main" val="606568774"/>
+        <p14:creationId xmlns:p14="http://schemas.microsoft.com/office/powerpoint/2010/main" val="1622606150"/>
       </p:ext>
     </p:extLst>
   </p:cSld>
   <p:clrMapOvr>
     <a:masterClrMapping/>
   </p:clrMapOvr>
-  <mc:AlternateContent xmlns:mc="http://schemas.openxmlformats.org/markup-compatibility/2006" xmlns:p14="http://schemas.microsoft.com/office/powerpoint/2010/main">
-    <mc:Choice Requires="p14">
-      <p:transition spd="slow">
-        <p:dissolve/>
-      </p:transition>
-    </mc:Choice>
-    <mc:Fallback xmlns="">
-      <p:transition spd="med">
-        <p:fade/>
-      </p:transition>
-    </mc:Fallback>
-  </mc:AlternateContent>
+  <p:transition spd="slow">
+    <p:dissolve/>
+  </p:transition>
 </p:sld>
 </file>
 
@@ -6865,7 +6213,7 @@
         </p:nvSpPr>
         <p:spPr>
           <a:xfrm>
-            <a:off x="1266825" y="3810000"/>
+            <a:off x="1266824" y="3365500"/>
             <a:ext cx="15875000" cy="6985000"/>
           </a:xfrm>
           <a:prstGeom prst="rect">
@@ -6874,7 +6222,7 @@
         </p:spPr>
         <p:txBody>
           <a:bodyPr>
-            <a:normAutofit/>
+            <a:normAutofit lnSpcReduction="10000"/>
           </a:bodyPr>
           <a:lstStyle/>
           <a:p>
@@ -6890,8 +6238,46 @@
               </a:defRPr>
             </a:pPr>
             <a:r>
-              <a:rPr lang="pl-PL" dirty="0"/>
-              <a:t>Przedstawiamy sposób rozwiązania problemu i drogę dojścia do zdefiniowanego celu.</a:t>
+              <a:rPr lang="pl-PL" sz="4400" dirty="0"/>
+              <a:t>zapotrzebowanie:</a:t>
+            </a:r>
+          </a:p>
+          <a:p>
+            <a:pPr marL="457200" indent="-457200">
+              <a:buFontTx/>
+              <a:buChar char="-"/>
+              <a:defRPr sz="3500" i="1">
+                <a:solidFill>
+                  <a:srgbClr val="7896CF"/>
+                </a:solidFill>
+                <a:latin typeface="Adagio_Slab-Regular_italic"/>
+                <a:ea typeface="Adagio_Slab-Regular_italic"/>
+                <a:cs typeface="Adagio_Slab-Regular_italic"/>
+                <a:sym typeface="Adagio_Slab-Regular_italic"/>
+              </a:defRPr>
+            </a:pPr>
+            <a:r>
+              <a:rPr lang="pl-PL" sz="4400" dirty="0"/>
+              <a:t>bardzo duża liczba mnożeń.</a:t>
+            </a:r>
+          </a:p>
+          <a:p>
+            <a:pPr marL="457200" indent="-457200">
+              <a:buFontTx/>
+              <a:buChar char="-"/>
+              <a:defRPr sz="3500" i="1">
+                <a:solidFill>
+                  <a:srgbClr val="7896CF"/>
+                </a:solidFill>
+                <a:latin typeface="Adagio_Slab-Regular_italic"/>
+                <a:ea typeface="Adagio_Slab-Regular_italic"/>
+                <a:cs typeface="Adagio_Slab-Regular_italic"/>
+                <a:sym typeface="Adagio_Slab-Regular_italic"/>
+              </a:defRPr>
+            </a:pPr>
+            <a:r>
+              <a:rPr lang="pl-PL" sz="4400" dirty="0"/>
+              <a:t>duża liczba wieloskładnikowych dodawań.</a:t>
             </a:r>
           </a:p>
           <a:p>
@@ -6906,42 +6292,85 @@
                 <a:sym typeface="Adagio_Slab-Regular_italic"/>
               </a:defRPr>
             </a:pPr>
-            <a:endParaRPr dirty="0">
-              <a:solidFill>
-                <a:srgbClr val="965F77"/>
-              </a:solidFill>
-              <a:latin typeface="+mj-lt"/>
-              <a:ea typeface="+mj-ea"/>
-              <a:cs typeface="+mj-cs"/>
-              <a:sym typeface="Helvetica"/>
-            </a:endParaRPr>
+            <a:br>
+              <a:rPr lang="pl-PL" sz="4400" dirty="0"/>
+            </a:br>
+            <a:r>
+              <a:rPr lang="pl-PL" sz="4400" dirty="0"/>
+              <a:t>ograniczenia:</a:t>
+            </a:r>
+          </a:p>
+          <a:p>
+            <a:pPr marL="457200" indent="-457200">
+              <a:buFont typeface="Arial" panose="020B0604020202020204" pitchFamily="34" charset="0"/>
+              <a:buChar char="•"/>
+              <a:defRPr sz="3500" i="1">
+                <a:solidFill>
+                  <a:srgbClr val="7896CF"/>
+                </a:solidFill>
+                <a:latin typeface="Adagio_Slab-Regular_italic"/>
+                <a:ea typeface="Adagio_Slab-Regular_italic"/>
+                <a:cs typeface="Adagio_Slab-Regular_italic"/>
+                <a:sym typeface="Adagio_Slab-Regular_italic"/>
+              </a:defRPr>
+            </a:pPr>
+            <a:r>
+              <a:rPr lang="pl-PL" sz="4400" dirty="0"/>
+              <a:t>liczba jednostek obliczeniowych,</a:t>
+            </a:r>
+          </a:p>
+          <a:p>
+            <a:pPr marL="457200" indent="-457200">
+              <a:buFont typeface="Arial" panose="020B0604020202020204" pitchFamily="34" charset="0"/>
+              <a:buChar char="•"/>
+              <a:defRPr sz="3500" i="1">
+                <a:solidFill>
+                  <a:srgbClr val="7896CF"/>
+                </a:solidFill>
+                <a:latin typeface="Adagio_Slab-Regular_italic"/>
+                <a:ea typeface="Adagio_Slab-Regular_italic"/>
+                <a:cs typeface="Adagio_Slab-Regular_italic"/>
+                <a:sym typeface="Adagio_Slab-Regular_italic"/>
+              </a:defRPr>
+            </a:pPr>
+            <a:r>
+              <a:rPr lang="pl-PL" sz="4400" dirty="0"/>
+              <a:t>dostęp do pamięci.</a:t>
+            </a:r>
+          </a:p>
+          <a:p>
+            <a:pPr marL="457200" indent="-457200">
+              <a:buFont typeface="Arial" panose="020B0604020202020204" pitchFamily="34" charset="0"/>
+              <a:buChar char="•"/>
+              <a:defRPr sz="3500" i="1">
+                <a:solidFill>
+                  <a:srgbClr val="7896CF"/>
+                </a:solidFill>
+                <a:latin typeface="Adagio_Slab-Regular_italic"/>
+                <a:ea typeface="Adagio_Slab-Regular_italic"/>
+                <a:cs typeface="Adagio_Slab-Regular_italic"/>
+                <a:sym typeface="Adagio_Slab-Regular_italic"/>
+              </a:defRPr>
+            </a:pPr>
+            <a:endParaRPr lang="pl-PL" sz="4400" dirty="0"/>
           </a:p>
           <a:p>
             <a:pPr>
-              <a:defRPr sz="3500"/>
-            </a:pPr>
-            <a:r>
-              <a:rPr dirty="0"/>
-              <a:t>Lorem ipsum lorem ipsum lorem ipsum Lorem ipsum lorem ipsum </a:t>
-            </a:r>
-          </a:p>
-          <a:p>
-            <a:pPr>
-              <a:defRPr sz="3500"/>
-            </a:pPr>
-            <a:r>
-              <a:rPr dirty="0"/>
-              <a:t>lorem ipsum  Lorem ipsum lorem ipsum lorem ipsum Lorem ipsum lorem ipsum lorem ipsum Lorem ipsum lorem ipsum lorem ipsum Lorem ipsum lorem </a:t>
-            </a:r>
-          </a:p>
-          <a:p>
-            <a:pPr>
-              <a:defRPr sz="3500"/>
-            </a:pPr>
-            <a:r>
-              <a:rPr dirty="0"/>
-              <a:t>ipsum lorem ipsum Lorem ipsum lorem ipsum lorem ipsum</a:t>
-            </a:r>
+              <a:defRPr sz="3500" i="1">
+                <a:solidFill>
+                  <a:srgbClr val="7896CF"/>
+                </a:solidFill>
+                <a:latin typeface="Adagio_Slab-Regular_italic"/>
+                <a:ea typeface="Adagio_Slab-Regular_italic"/>
+                <a:cs typeface="Adagio_Slab-Regular_italic"/>
+                <a:sym typeface="Adagio_Slab-Regular_italic"/>
+              </a:defRPr>
+            </a:pPr>
+            <a:r>
+              <a:rPr lang="pl-PL" sz="4400" dirty="0"/>
+              <a:t>(sekwencyjne TC i równoległe CUDA)</a:t>
+            </a:r>
+            <a:endParaRPr sz="4400" dirty="0"/>
           </a:p>
         </p:txBody>
       </p:sp>
@@ -6997,7 +6426,7 @@
             </a:pPr>
             <a:r>
               <a:rPr lang="pl-PL" sz="7200" dirty="0"/>
-              <a:t>Sposób rozwiązania problemu</a:t>
+              <a:t>Istota problemu</a:t>
             </a:r>
             <a:endParaRPr kumimoji="0" lang="pl-PL" sz="7200" b="0" i="0" u="none" strike="noStrike" kern="0" cap="none" spc="0" normalizeH="0" baseline="0" noProof="0" dirty="0">
               <a:ln>
@@ -7015,6 +6444,42 @@
           </a:p>
         </p:txBody>
       </p:sp>
+      <p:pic>
+        <p:nvPicPr>
+          <p:cNvPr id="3" name="Picture 2">
+            <a:extLst>
+              <a:ext uri="{FF2B5EF4-FFF2-40B4-BE49-F238E27FC236}">
+                <a16:creationId xmlns:a16="http://schemas.microsoft.com/office/drawing/2014/main" id="{B754CB4B-9DB5-3689-0A4C-4395824F5CE0}"/>
+              </a:ext>
+            </a:extLst>
+          </p:cNvPr>
+          <p:cNvPicPr>
+            <a:picLocks noChangeAspect="1"/>
+          </p:cNvPicPr>
+          <p:nvPr/>
+        </p:nvPicPr>
+        <p:blipFill>
+          <a:blip r:embed="rId3">
+            <a:extLst>
+              <a:ext uri="{28A0092B-C50C-407E-A947-70E740481C1C}">
+                <a14:useLocalDpi xmlns:a14="http://schemas.microsoft.com/office/drawing/2010/main" val="0"/>
+              </a:ext>
+            </a:extLst>
+          </a:blip>
+          <a:stretch>
+            <a:fillRect/>
+          </a:stretch>
+        </p:blipFill>
+        <p:spPr>
+          <a:xfrm flipH="1">
+            <a:off x="9940924" y="5735782"/>
+            <a:ext cx="10081834" cy="5424465"/>
+          </a:xfrm>
+          <a:prstGeom prst="rect">
+            <a:avLst/>
+          </a:prstGeom>
+        </p:spPr>
+      </p:pic>
     </p:spTree>
     <p:extLst>
       <p:ext uri="{BB962C8B-B14F-4D97-AF65-F5344CB8AC3E}">
@@ -7067,6 +6532,247 @@
       </p:grpSpPr>
       <p:sp>
         <p:nvSpPr>
+          <p:cNvPr id="91" name="Shape 91"/>
+          <p:cNvSpPr>
+            <a:spLocks noGrp="1"/>
+          </p:cNvSpPr>
+          <p:nvPr>
+            <p:ph type="sldNum" sz="quarter" idx="4294967295"/>
+          </p:nvPr>
+        </p:nvSpPr>
+        <p:spPr>
+          <a:xfrm>
+            <a:off x="22658740" y="906463"/>
+            <a:ext cx="506058" cy="1054101"/>
+          </a:xfrm>
+          <a:prstGeom prst="rect">
+            <a:avLst/>
+          </a:prstGeom>
+          <a:extLst>
+            <a:ext uri="{C572A759-6A51-4108-AA02-DFA0A04FC94B}">
+              <ma14:wrappingTextBoxFlag xmlns="" xmlns:ma14="http://schemas.microsoft.com/office/mac/drawingml/2011/main" val="1"/>
+            </a:ext>
+          </a:extLst>
+        </p:spPr>
+        <p:txBody>
+          <a:bodyPr/>
+          <a:lstStyle/>
+          <a:p>
+            <a:fld id="{86CB4B4D-7CA3-9044-876B-883B54F8677D}" type="slidenum">
+              <a:rPr/>
+              <a:t>7</a:t>
+            </a:fld>
+            <a:endParaRPr dirty="0"/>
+          </a:p>
+        </p:txBody>
+      </p:sp>
+      <p:sp>
+        <p:nvSpPr>
+          <p:cNvPr id="92" name="Shape 92"/>
+          <p:cNvSpPr>
+            <a:spLocks noGrp="1"/>
+          </p:cNvSpPr>
+          <p:nvPr>
+            <p:ph type="title"/>
+          </p:nvPr>
+        </p:nvSpPr>
+        <p:spPr>
+          <a:xfrm>
+            <a:off x="1269997" y="898525"/>
+            <a:ext cx="20296194" cy="2301875"/>
+          </a:xfrm>
+          <a:prstGeom prst="rect">
+            <a:avLst/>
+          </a:prstGeom>
+        </p:spPr>
+        <p:txBody>
+          <a:bodyPr/>
+          <a:lstStyle>
+            <a:lvl1pPr>
+              <a:defRPr>
+                <a:latin typeface="Adagio_Slab"/>
+                <a:ea typeface="Adagio_Slab"/>
+                <a:cs typeface="Adagio_Slab"/>
+                <a:sym typeface="Adagio_Slab"/>
+              </a:defRPr>
+            </a:lvl1pPr>
+          </a:lstStyle>
+          <a:p>
+            <a:r>
+              <a:rPr lang="pl-PL" dirty="0"/>
+              <a:t>Zestawienie wyników</a:t>
+            </a:r>
+            <a:endParaRPr dirty="0"/>
+          </a:p>
+        </p:txBody>
+      </p:sp>
+      <p:sp>
+        <p:nvSpPr>
+          <p:cNvPr id="3" name="pole tekstowe 2">
+            <a:extLst>
+              <a:ext uri="{FF2B5EF4-FFF2-40B4-BE49-F238E27FC236}">
+                <a16:creationId xmlns:a16="http://schemas.microsoft.com/office/drawing/2014/main" id="{FC5489B7-3D07-4165-8261-25E9C25CAD4A}"/>
+              </a:ext>
+            </a:extLst>
+          </p:cNvPr>
+          <p:cNvSpPr txBox="1"/>
+          <p:nvPr/>
+        </p:nvSpPr>
+        <p:spPr>
+          <a:xfrm>
+            <a:off x="5616713" y="3233072"/>
+            <a:ext cx="9849853" cy="926850"/>
+          </a:xfrm>
+          <a:prstGeom prst="rect">
+            <a:avLst/>
+          </a:prstGeom>
+          <a:noFill/>
+          <a:ln w="12700" cap="flat">
+            <a:noFill/>
+            <a:miter lim="400000"/>
+          </a:ln>
+          <a:effectLst/>
+          <a:sp3d/>
+        </p:spPr>
+        <p:style>
+          <a:lnRef idx="0">
+            <a:scrgbClr r="0" g="0" b="0"/>
+          </a:lnRef>
+          <a:fillRef idx="0">
+            <a:scrgbClr r="0" g="0" b="0"/>
+          </a:fillRef>
+          <a:effectRef idx="0">
+            <a:scrgbClr r="0" g="0" b="0"/>
+          </a:effectRef>
+          <a:fontRef idx="none"/>
+        </p:style>
+        <p:txBody>
+          <a:bodyPr rot="0" spcFirstLastPara="1" vertOverflow="overflow" horzOverflow="overflow" vert="horz" wrap="square" lIns="110709" tIns="110709" rIns="110709" bIns="110709" numCol="1" spcCol="38100" rtlCol="0" anchor="t">
+            <a:spAutoFit/>
+          </a:bodyPr>
+          <a:lstStyle/>
+          <a:p>
+            <a:pPr marL="0" marR="0" indent="0" algn="ctr" defTabSz="1087437" rtl="0" fontAlgn="auto" latinLnBrk="0" hangingPunct="0">
+              <a:lnSpc>
+                <a:spcPct val="120000"/>
+              </a:lnSpc>
+              <a:spcBef>
+                <a:spcPts val="300"/>
+              </a:spcBef>
+              <a:spcAft>
+                <a:spcPts val="0"/>
+              </a:spcAft>
+              <a:buClrTx/>
+              <a:buSzTx/>
+              <a:buFontTx/>
+              <a:buNone/>
+              <a:tabLst/>
+            </a:pPr>
+            <a:r>
+              <a:rPr kumimoji="0" lang="pl-PL" sz="3600" b="0" i="1" u="none" strike="noStrike" cap="none" spc="0" normalizeH="0" baseline="0" dirty="0">
+                <a:ln>
+                  <a:noFill/>
+                </a:ln>
+                <a:solidFill>
+                  <a:schemeClr val="tx2">
+                    <a:lumMod val="50000"/>
+                  </a:schemeClr>
+                </a:solidFill>
+                <a:effectLst/>
+                <a:uFillTx/>
+                <a:latin typeface="+mn-lt"/>
+                <a:ea typeface="+mn-ea"/>
+                <a:cs typeface="+mn-cs"/>
+                <a:sym typeface="Times New Roman"/>
+              </a:rPr>
+              <a:t>Wpływ wyboru software na czas uczenia</a:t>
+            </a:r>
+          </a:p>
+        </p:txBody>
+      </p:sp>
+      <p:pic>
+        <p:nvPicPr>
+          <p:cNvPr id="6" name="Picture 5">
+            <a:extLst>
+              <a:ext uri="{FF2B5EF4-FFF2-40B4-BE49-F238E27FC236}">
+                <a16:creationId xmlns:a16="http://schemas.microsoft.com/office/drawing/2014/main" id="{F0DB3BF9-0C41-CE50-80D3-B69541C977D1}"/>
+              </a:ext>
+            </a:extLst>
+          </p:cNvPr>
+          <p:cNvPicPr>
+            <a:picLocks noChangeAspect="1"/>
+          </p:cNvPicPr>
+          <p:nvPr/>
+        </p:nvPicPr>
+        <p:blipFill>
+          <a:blip r:embed="rId3">
+            <a:extLst>
+              <a:ext uri="{28A0092B-C50C-407E-A947-70E740481C1C}">
+                <a14:useLocalDpi xmlns:a14="http://schemas.microsoft.com/office/drawing/2010/main" val="0"/>
+              </a:ext>
+            </a:extLst>
+          </a:blip>
+          <a:stretch>
+            <a:fillRect/>
+          </a:stretch>
+        </p:blipFill>
+        <p:spPr>
+          <a:xfrm>
+            <a:off x="3799222" y="4589415"/>
+            <a:ext cx="13484833" cy="4966664"/>
+          </a:xfrm>
+          <a:prstGeom prst="rect">
+            <a:avLst/>
+          </a:prstGeom>
+        </p:spPr>
+      </p:pic>
+    </p:spTree>
+  </p:cSld>
+  <p:clrMapOvr>
+    <a:masterClrMapping/>
+  </p:clrMapOvr>
+  <mc:AlternateContent xmlns:mc="http://schemas.openxmlformats.org/markup-compatibility/2006" xmlns:p14="http://schemas.microsoft.com/office/powerpoint/2010/main">
+    <mc:Choice Requires="p14">
+      <p:transition spd="slow">
+        <p:dissolve/>
+      </p:transition>
+    </mc:Choice>
+    <mc:Fallback xmlns="">
+      <p:transition spd="med">
+        <p:fade/>
+      </p:transition>
+    </mc:Fallback>
+  </mc:AlternateContent>
+</p:sld>
+</file>
+
+<file path=ppt/slides/slide9.xml><?xml version="1.0" encoding="utf-8"?>
+<p:sld xmlns:a="http://schemas.openxmlformats.org/drawingml/2006/main" xmlns:r="http://schemas.openxmlformats.org/officeDocument/2006/relationships" xmlns:p="http://schemas.openxmlformats.org/presentationml/2006/main">
+  <p:cSld>
+    <p:bg>
+      <p:bgPr>
+        <a:solidFill>
+          <a:srgbClr val="FFFFFF"/>
+        </a:solidFill>
+        <a:effectLst/>
+      </p:bgPr>
+    </p:bg>
+    <p:spTree>
+      <p:nvGrpSpPr>
+        <p:cNvPr id="1" name=""/>
+        <p:cNvGrpSpPr/>
+        <p:nvPr/>
+      </p:nvGrpSpPr>
+      <p:grpSpPr>
+        <a:xfrm>
+          <a:off x="0" y="0"/>
+          <a:ext cx="0" cy="0"/>
+          <a:chOff x="0" y="0"/>
+          <a:chExt cx="0" cy="0"/>
+        </a:xfrm>
+      </p:grpSpPr>
+      <p:sp>
+        <p:nvSpPr>
           <p:cNvPr id="80" name="Shape 80"/>
           <p:cNvSpPr>
             <a:spLocks noGrp="1"/>
@@ -7141,7 +6847,7 @@
                 <a:tabLst/>
                 <a:defRPr/>
               </a:pPr>
-              <a:t>7</a:t>
+              <a:t>8</a:t>
             </a:fld>
             <a:endParaRPr kumimoji="0" sz="6900" b="0" i="0" u="none" strike="noStrike" kern="0" cap="none" spc="0" normalizeH="0" baseline="0" noProof="0">
               <a:ln>
@@ -7171,7 +6877,7 @@
         </p:nvSpPr>
         <p:spPr>
           <a:xfrm>
-            <a:off x="1266825" y="3810000"/>
+            <a:off x="2292062" y="2811318"/>
             <a:ext cx="15875000" cy="6985000"/>
           </a:xfrm>
           <a:prstGeom prst="rect">
@@ -7197,7 +6903,62 @@
             </a:pPr>
             <a:r>
               <a:rPr lang="pl-PL" dirty="0"/>
-              <a:t>Przedstawiamy najważniejsze rezultaty pracy, badań, testów, itp.</a:t>
+              <a:t>Moje osiągnięcia:</a:t>
+            </a:r>
+          </a:p>
+          <a:p>
+            <a:pPr marL="514350" indent="-514350">
+              <a:buAutoNum type="arabicParenR"/>
+              <a:defRPr sz="3500" i="1">
+                <a:solidFill>
+                  <a:srgbClr val="7896CF"/>
+                </a:solidFill>
+                <a:latin typeface="Adagio_Slab-Regular_italic"/>
+                <a:ea typeface="Adagio_Slab-Regular_italic"/>
+                <a:cs typeface="Adagio_Slab-Regular_italic"/>
+                <a:sym typeface="Adagio_Slab-Regular_italic"/>
+              </a:defRPr>
+            </a:pPr>
+            <a:r>
+              <a:rPr lang="pl-PL" dirty="0"/>
+              <a:t>Działający kod pracujący w CUDA C++ (nvcc)</a:t>
+            </a:r>
+          </a:p>
+          <a:p>
+            <a:pPr marL="514350" indent="-514350">
+              <a:buAutoNum type="arabicParenR"/>
+              <a:defRPr sz="3500" i="1">
+                <a:solidFill>
+                  <a:srgbClr val="7896CF"/>
+                </a:solidFill>
+                <a:latin typeface="Adagio_Slab-Regular_italic"/>
+                <a:ea typeface="Adagio_Slab-Regular_italic"/>
+                <a:cs typeface="Adagio_Slab-Regular_italic"/>
+                <a:sym typeface="Adagio_Slab-Regular_italic"/>
+              </a:defRPr>
+            </a:pPr>
+            <a:r>
+              <a:rPr lang="pl-PL" dirty="0"/>
+              <a:t>Zrozumienie działania CNN i MLP na poziomie pojedynczych operacji matematycznych</a:t>
+            </a:r>
+          </a:p>
+          <a:p>
+            <a:pPr marL="514350" indent="-514350">
+              <a:buFontTx/>
+              <a:buAutoNum type="arabicParenR"/>
+              <a:defRPr sz="3500" i="1">
+                <a:solidFill>
+                  <a:srgbClr val="7896CF"/>
+                </a:solidFill>
+                <a:latin typeface="Adagio_Slab-Regular_italic"/>
+                <a:ea typeface="Adagio_Slab-Regular_italic"/>
+                <a:cs typeface="Adagio_Slab-Regular_italic"/>
+                <a:sym typeface="Adagio_Slab-Regular_italic"/>
+              </a:defRPr>
+            </a:pPr>
+            <a:r>
+              <a:rPr lang="pl-PL" dirty="0"/>
+              <a:t>Budowa krok po kroku detektora w Matlab</a:t>
             </a:r>
           </a:p>
           <a:p>
@@ -7212,10 +6973,7 @@
                 <a:sym typeface="Adagio_Slab-Regular_italic"/>
               </a:defRPr>
             </a:pPr>
-            <a:r>
-              <a:rPr lang="pl-PL" dirty="0"/>
-              <a:t>Podkreślamy i koncentrujemy się na SWOICH osiągnięciach.</a:t>
-            </a:r>
+            <a:endParaRPr lang="pl-PL" dirty="0"/>
           </a:p>
           <a:p>
             <a:pPr>
@@ -7229,42 +6987,62 @@
                 <a:sym typeface="Adagio_Slab-Regular_italic"/>
               </a:defRPr>
             </a:pPr>
-            <a:endParaRPr dirty="0">
-              <a:solidFill>
-                <a:srgbClr val="965F77"/>
-              </a:solidFill>
-              <a:latin typeface="+mj-lt"/>
-              <a:ea typeface="+mj-ea"/>
-              <a:cs typeface="+mj-cs"/>
-              <a:sym typeface="Helvetica"/>
-            </a:endParaRPr>
-          </a:p>
-          <a:p>
-            <a:pPr>
-              <a:defRPr sz="3500"/>
-            </a:pPr>
-            <a:r>
-              <a:rPr dirty="0"/>
-              <a:t>Lorem ipsum lorem ipsum lorem ipsum Lorem ipsum lorem ipsum </a:t>
-            </a:r>
-          </a:p>
-          <a:p>
-            <a:pPr>
-              <a:defRPr sz="3500"/>
-            </a:pPr>
-            <a:r>
-              <a:rPr dirty="0"/>
-              <a:t>lorem ipsum  Lorem ipsum lorem ipsum lorem ipsum Lorem ipsum lorem ipsum lorem ipsum Lorem ipsum lorem ipsum lorem ipsum Lorem ipsum lorem </a:t>
-            </a:r>
-          </a:p>
-          <a:p>
-            <a:pPr>
-              <a:defRPr sz="3500"/>
-            </a:pPr>
-            <a:r>
-              <a:rPr dirty="0"/>
-              <a:t>ipsum lorem ipsum Lorem ipsum lorem ipsum lorem ipsum</a:t>
-            </a:r>
+            <a:r>
+              <a:rPr lang="pl-PL" dirty="0"/>
+              <a:t>Niepowodzenia:</a:t>
+            </a:r>
+          </a:p>
+          <a:p>
+            <a:pPr marL="514350" indent="-514350">
+              <a:buAutoNum type="arabicParenR"/>
+              <a:defRPr sz="3500" i="1">
+                <a:solidFill>
+                  <a:srgbClr val="7896CF"/>
+                </a:solidFill>
+                <a:latin typeface="Adagio_Slab-Regular_italic"/>
+                <a:ea typeface="Adagio_Slab-Regular_italic"/>
+                <a:cs typeface="Adagio_Slab-Regular_italic"/>
+                <a:sym typeface="Adagio_Slab-Regular_italic"/>
+              </a:defRPr>
+            </a:pPr>
+            <a:r>
+              <a:rPr lang="pl-PL" dirty="0"/>
+              <a:t>Nieudana próba napisania kodu dla TensorCode w C++</a:t>
+            </a:r>
+          </a:p>
+          <a:p>
+            <a:pPr marL="514350" indent="-514350">
+              <a:buFontTx/>
+              <a:buAutoNum type="arabicParenR"/>
+              <a:defRPr sz="3500" i="1">
+                <a:solidFill>
+                  <a:srgbClr val="7896CF"/>
+                </a:solidFill>
+                <a:latin typeface="Adagio_Slab-Regular_italic"/>
+                <a:ea typeface="Adagio_Slab-Regular_italic"/>
+                <a:cs typeface="Adagio_Slab-Regular_italic"/>
+                <a:sym typeface="Adagio_Slab-Regular_italic"/>
+              </a:defRPr>
+            </a:pPr>
+            <a:r>
+              <a:rPr lang="pl-PL" dirty="0"/>
+              <a:t>Problemy z uruchomieniem biblioteki TensorFlow</a:t>
+            </a:r>
+          </a:p>
+          <a:p>
+            <a:pPr marL="514350" indent="-514350">
+              <a:buAutoNum type="arabicParenR"/>
+              <a:defRPr sz="3500" i="1">
+                <a:solidFill>
+                  <a:srgbClr val="7896CF"/>
+                </a:solidFill>
+                <a:latin typeface="Adagio_Slab-Regular_italic"/>
+                <a:ea typeface="Adagio_Slab-Regular_italic"/>
+                <a:cs typeface="Adagio_Slab-Regular_italic"/>
+                <a:sym typeface="Adagio_Slab-Regular_italic"/>
+              </a:defRPr>
+            </a:pPr>
+            <a:endParaRPr dirty="0"/>
           </a:p>
         </p:txBody>
       </p:sp>
@@ -7333,1725 +7111,30 @@
               <a:defRPr sz="3500"/>
             </a:pPr>
             <a:r>
-              <a:rPr lang="pl-PL" sz="7200" dirty="0"/>
-              <a:t>Osiągnięte rezultaty</a:t>
-            </a:r>
-            <a:endParaRPr kumimoji="0" lang="pl-PL" sz="7200" b="0" i="0" u="none" strike="noStrike" kern="0" cap="none" spc="0" normalizeH="0" baseline="0" noProof="0" dirty="0">
-              <a:ln>
-                <a:noFill/>
-              </a:ln>
-              <a:solidFill>
-                <a:srgbClr val="3C3C4C"/>
-              </a:solidFill>
-              <a:effectLst/>
-              <a:uLnTx/>
-              <a:uFillTx/>
-              <a:latin typeface="Adagio_Slab"/>
-              <a:sym typeface="Adagio_Slab"/>
-            </a:endParaRPr>
+              <a:rPr kumimoji="0" lang="pl-PL" sz="7200" b="0" i="0" u="none" strike="noStrike" kern="0" cap="none" spc="0" normalizeH="0" baseline="0" noProof="0" dirty="0">
+                <a:ln>
+                  <a:noFill/>
+                </a:ln>
+                <a:solidFill>
+                  <a:srgbClr val="3C3C4C"/>
+                </a:solidFill>
+                <a:effectLst/>
+                <a:uLnTx/>
+                <a:uFillTx/>
+                <a:latin typeface="Adagio_Slab"/>
+                <a:sym typeface="Adagio_Slab"/>
+              </a:rPr>
+              <a:t>Podsumowanie</a:t>
+            </a:r>
           </a:p>
         </p:txBody>
       </p:sp>
     </p:spTree>
     <p:extLst>
       <p:ext uri="{BB962C8B-B14F-4D97-AF65-F5344CB8AC3E}">
-        <p14:creationId xmlns:p14="http://schemas.microsoft.com/office/powerpoint/2010/main" val="4194511592"/>
+        <p14:creationId xmlns:p14="http://schemas.microsoft.com/office/powerpoint/2010/main" val="3991348220"/>
       </p:ext>
     </p:extLst>
-  </p:cSld>
-  <p:clrMapOvr>
-    <a:masterClrMapping/>
-  </p:clrMapOvr>
-  <mc:AlternateContent xmlns:mc="http://schemas.openxmlformats.org/markup-compatibility/2006" xmlns:p14="http://schemas.microsoft.com/office/powerpoint/2010/main">
-    <mc:Choice Requires="p14">
-      <p:transition spd="slow">
-        <p:dissolve/>
-      </p:transition>
-    </mc:Choice>
-    <mc:Fallback xmlns="">
-      <p:transition spd="med">
-        <p:fade/>
-      </p:transition>
-    </mc:Fallback>
-  </mc:AlternateContent>
-</p:sld>
-</file>
-
-<file path=ppt/slides/slide9.xml><?xml version="1.0" encoding="utf-8"?>
-<p:sld xmlns:a="http://schemas.openxmlformats.org/drawingml/2006/main" xmlns:r="http://schemas.openxmlformats.org/officeDocument/2006/relationships" xmlns:p="http://schemas.openxmlformats.org/presentationml/2006/main">
-  <p:cSld>
-    <p:bg>
-      <p:bgPr>
-        <a:solidFill>
-          <a:srgbClr val="FFFFFF"/>
-        </a:solidFill>
-        <a:effectLst/>
-      </p:bgPr>
-    </p:bg>
-    <p:spTree>
-      <p:nvGrpSpPr>
-        <p:cNvPr id="1" name=""/>
-        <p:cNvGrpSpPr/>
-        <p:nvPr/>
-      </p:nvGrpSpPr>
-      <p:grpSpPr>
-        <a:xfrm>
-          <a:off x="0" y="0"/>
-          <a:ext cx="0" cy="0"/>
-          <a:chOff x="0" y="0"/>
-          <a:chExt cx="0" cy="0"/>
-        </a:xfrm>
-      </p:grpSpPr>
-      <p:sp>
-        <p:nvSpPr>
-          <p:cNvPr id="91" name="Shape 91"/>
-          <p:cNvSpPr>
-            <a:spLocks noGrp="1"/>
-          </p:cNvSpPr>
-          <p:nvPr>
-            <p:ph type="sldNum" sz="quarter" idx="4294967295"/>
-          </p:nvPr>
-        </p:nvSpPr>
-        <p:spPr>
-          <a:xfrm>
-            <a:off x="22658740" y="906463"/>
-            <a:ext cx="506058" cy="1054101"/>
-          </a:xfrm>
-          <a:prstGeom prst="rect">
-            <a:avLst/>
-          </a:prstGeom>
-          <a:extLst>
-            <a:ext uri="{C572A759-6A51-4108-AA02-DFA0A04FC94B}">
-              <ma14:wrappingTextBoxFlag xmlns="" xmlns:ma14="http://schemas.microsoft.com/office/mac/drawingml/2011/main" val="1"/>
-            </a:ext>
-          </a:extLst>
-        </p:spPr>
-        <p:txBody>
-          <a:bodyPr/>
-          <a:lstStyle/>
-          <a:p>
-            <a:fld id="{86CB4B4D-7CA3-9044-876B-883B54F8677D}" type="slidenum">
-              <a:t>8</a:t>
-            </a:fld>
-            <a:endParaRPr dirty="0"/>
-          </a:p>
-        </p:txBody>
-      </p:sp>
-      <p:sp>
-        <p:nvSpPr>
-          <p:cNvPr id="92" name="Shape 92"/>
-          <p:cNvSpPr>
-            <a:spLocks noGrp="1"/>
-          </p:cNvSpPr>
-          <p:nvPr>
-            <p:ph type="title"/>
-          </p:nvPr>
-        </p:nvSpPr>
-        <p:spPr>
-          <a:xfrm>
-            <a:off x="1269997" y="898525"/>
-            <a:ext cx="20296194" cy="2301875"/>
-          </a:xfrm>
-          <a:prstGeom prst="rect">
-            <a:avLst/>
-          </a:prstGeom>
-        </p:spPr>
-        <p:txBody>
-          <a:bodyPr/>
-          <a:lstStyle>
-            <a:lvl1pPr>
-              <a:defRPr>
-                <a:latin typeface="Adagio_Slab"/>
-                <a:ea typeface="Adagio_Slab"/>
-                <a:cs typeface="Adagio_Slab"/>
-                <a:sym typeface="Adagio_Slab"/>
-              </a:defRPr>
-            </a:lvl1pPr>
-          </a:lstStyle>
-          <a:p>
-            <a:r>
-              <a:rPr lang="pl-PL" dirty="0"/>
-              <a:t>Wyniki - p</a:t>
-            </a:r>
-            <a:r>
-              <a:rPr dirty="0" err="1"/>
-              <a:t>rzykładowa</a:t>
-            </a:r>
-            <a:r>
-              <a:rPr dirty="0"/>
-              <a:t> </a:t>
-            </a:r>
-            <a:r>
-              <a:rPr dirty="0" err="1"/>
-              <a:t>tabela</a:t>
-            </a:r>
-            <a:endParaRPr dirty="0"/>
-          </a:p>
-        </p:txBody>
-      </p:sp>
-      <p:graphicFrame>
-        <p:nvGraphicFramePr>
-          <p:cNvPr id="93" name="Table 93"/>
-          <p:cNvGraphicFramePr/>
-          <p:nvPr>
-            <p:extLst>
-              <p:ext uri="{D42A27DB-BD31-4B8C-83A1-F6EECF244321}">
-                <p14:modId xmlns:p14="http://schemas.microsoft.com/office/powerpoint/2010/main" val="564584249"/>
-              </p:ext>
-            </p:extLst>
-          </p:nvPr>
-        </p:nvGraphicFramePr>
-        <p:xfrm>
-          <a:off x="5340350" y="3704160"/>
-          <a:ext cx="13703300" cy="7897810"/>
-        </p:xfrm>
-        <a:graphic>
-          <a:graphicData uri="http://schemas.openxmlformats.org/drawingml/2006/table">
-            <a:tbl>
-              <a:tblPr firstRow="1">
-                <a:tableStyleId>{4C3C2611-4C71-4FC5-86AE-919BDF0F9419}</a:tableStyleId>
-              </a:tblPr>
-              <a:tblGrid>
-                <a:gridCol w="3425825">
-                  <a:extLst>
-                    <a:ext uri="{9D8B030D-6E8A-4147-A177-3AD203B41FA5}">
-                      <a16:colId xmlns:a16="http://schemas.microsoft.com/office/drawing/2014/main" val="20000"/>
-                    </a:ext>
-                  </a:extLst>
-                </a:gridCol>
-                <a:gridCol w="3425825">
-                  <a:extLst>
-                    <a:ext uri="{9D8B030D-6E8A-4147-A177-3AD203B41FA5}">
-                      <a16:colId xmlns:a16="http://schemas.microsoft.com/office/drawing/2014/main" val="20001"/>
-                    </a:ext>
-                  </a:extLst>
-                </a:gridCol>
-                <a:gridCol w="3425825">
-                  <a:extLst>
-                    <a:ext uri="{9D8B030D-6E8A-4147-A177-3AD203B41FA5}">
-                      <a16:colId xmlns:a16="http://schemas.microsoft.com/office/drawing/2014/main" val="20002"/>
-                    </a:ext>
-                  </a:extLst>
-                </a:gridCol>
-                <a:gridCol w="3425825">
-                  <a:extLst>
-                    <a:ext uri="{9D8B030D-6E8A-4147-A177-3AD203B41FA5}">
-                      <a16:colId xmlns:a16="http://schemas.microsoft.com/office/drawing/2014/main" val="20003"/>
-                    </a:ext>
-                  </a:extLst>
-                </a:gridCol>
-              </a:tblGrid>
-              <a:tr h="1579562">
-                <a:tc>
-                  <a:txBody>
-                    <a:bodyPr/>
-                    <a:lstStyle/>
-                    <a:p>
-                      <a:pPr indent="1106487" algn="l">
-                        <a:spcBef>
-                          <a:spcPts val="0"/>
-                        </a:spcBef>
-                        <a:tabLst>
-                          <a:tab pos="1066800" algn="l"/>
-                          <a:tab pos="2146300" algn="l"/>
-                          <a:tab pos="3251200" algn="l"/>
-                          <a:tab pos="4330700" algn="l"/>
-                          <a:tab pos="5410200" algn="l"/>
-                          <a:tab pos="6515100" algn="l"/>
-                          <a:tab pos="7594600" algn="l"/>
-                          <a:tab pos="8661400" algn="l"/>
-                          <a:tab pos="9779000" algn="l"/>
-                          <a:tab pos="10845800" algn="l"/>
-                          <a:tab pos="11950700" algn="l"/>
-                          <a:tab pos="13030200" algn="l"/>
-                          <a:tab pos="14109700" algn="l"/>
-                          <a:tab pos="15214600" algn="l"/>
-                          <a:tab pos="16294100" algn="l"/>
-                          <a:tab pos="17373600" algn="l"/>
-                          <a:tab pos="18478500" algn="l"/>
-                          <a:tab pos="19558000" algn="l"/>
-                          <a:tab pos="20662900" algn="l"/>
-                          <a:tab pos="21742400" algn="l"/>
-                        </a:tabLst>
-                        <a:defRPr sz="1800" b="0">
-                          <a:solidFill>
-                            <a:srgbClr val="000000"/>
-                          </a:solidFill>
-                        </a:defRPr>
-                      </a:pPr>
-                      <a:r>
-                        <a:rPr sz="2800" b="1">
-                          <a:solidFill>
-                            <a:srgbClr val="3C3C4C"/>
-                          </a:solidFill>
-                          <a:latin typeface="Adagio_Slab-SemiBold"/>
-                          <a:ea typeface="Adagio_Slab-SemiBold"/>
-                          <a:cs typeface="Adagio_Slab-SemiBold"/>
-                          <a:sym typeface="Adagio_Slab-SemiBold"/>
-                        </a:rPr>
-                        <a:t>temat</a:t>
-                      </a:r>
-                    </a:p>
-                  </a:txBody>
-                  <a:tcPr marL="0" marR="0" marT="0" marB="0" anchor="ctr" horzOverflow="overflow">
-                    <a:lnL w="25400">
-                      <a:solidFill>
-                        <a:srgbClr val="7896CF"/>
-                      </a:solidFill>
-                    </a:lnL>
-                    <a:lnR w="25400">
-                      <a:solidFill>
-                        <a:srgbClr val="7896CF"/>
-                      </a:solidFill>
-                    </a:lnR>
-                    <a:lnT w="25400">
-                      <a:solidFill>
-                        <a:srgbClr val="7896CF"/>
-                      </a:solidFill>
-                    </a:lnT>
-                    <a:lnB w="25400">
-                      <a:solidFill>
-                        <a:srgbClr val="7896CF"/>
-                      </a:solidFill>
-                    </a:lnB>
-                    <a:noFill/>
-                  </a:tcPr>
-                </a:tc>
-                <a:tc>
-                  <a:txBody>
-                    <a:bodyPr/>
-                    <a:lstStyle/>
-                    <a:p>
-                      <a:pPr indent="1106487" algn="l">
-                        <a:spcBef>
-                          <a:spcPts val="0"/>
-                        </a:spcBef>
-                        <a:tabLst>
-                          <a:tab pos="1066800" algn="l"/>
-                          <a:tab pos="2146300" algn="l"/>
-                          <a:tab pos="3251200" algn="l"/>
-                          <a:tab pos="4330700" algn="l"/>
-                          <a:tab pos="5410200" algn="l"/>
-                          <a:tab pos="6515100" algn="l"/>
-                          <a:tab pos="7594600" algn="l"/>
-                          <a:tab pos="8661400" algn="l"/>
-                          <a:tab pos="9779000" algn="l"/>
-                          <a:tab pos="10845800" algn="l"/>
-                          <a:tab pos="11950700" algn="l"/>
-                          <a:tab pos="13030200" algn="l"/>
-                          <a:tab pos="14109700" algn="l"/>
-                          <a:tab pos="15214600" algn="l"/>
-                          <a:tab pos="16294100" algn="l"/>
-                          <a:tab pos="17373600" algn="l"/>
-                          <a:tab pos="18478500" algn="l"/>
-                          <a:tab pos="19558000" algn="l"/>
-                          <a:tab pos="20662900" algn="l"/>
-                          <a:tab pos="21742400" algn="l"/>
-                        </a:tabLst>
-                        <a:defRPr sz="1800" b="0">
-                          <a:solidFill>
-                            <a:srgbClr val="000000"/>
-                          </a:solidFill>
-                        </a:defRPr>
-                      </a:pPr>
-                      <a:r>
-                        <a:rPr sz="2800" b="1" dirty="0" err="1">
-                          <a:solidFill>
-                            <a:srgbClr val="3C3C4C"/>
-                          </a:solidFill>
-                          <a:latin typeface="Adagio_Slab-SemiBold"/>
-                          <a:ea typeface="Adagio_Slab-SemiBold"/>
-                          <a:cs typeface="Adagio_Slab-SemiBold"/>
-                          <a:sym typeface="Adagio_Slab-SemiBold"/>
-                        </a:rPr>
-                        <a:t>temat</a:t>
-                      </a:r>
-                      <a:endParaRPr sz="2800" b="1" dirty="0">
-                        <a:solidFill>
-                          <a:srgbClr val="3C3C4C"/>
-                        </a:solidFill>
-                        <a:latin typeface="Adagio_Slab-SemiBold"/>
-                        <a:ea typeface="Adagio_Slab-SemiBold"/>
-                        <a:cs typeface="Adagio_Slab-SemiBold"/>
-                        <a:sym typeface="Adagio_Slab-SemiBold"/>
-                      </a:endParaRPr>
-                    </a:p>
-                  </a:txBody>
-                  <a:tcPr marL="0" marR="0" marT="0" marB="0" anchor="ctr" horzOverflow="overflow">
-                    <a:lnL w="25400">
-                      <a:solidFill>
-                        <a:srgbClr val="7896CF"/>
-                      </a:solidFill>
-                    </a:lnL>
-                    <a:lnR w="25400">
-                      <a:solidFill>
-                        <a:srgbClr val="7896CF"/>
-                      </a:solidFill>
-                    </a:lnR>
-                    <a:lnT w="25400">
-                      <a:solidFill>
-                        <a:srgbClr val="7896CF"/>
-                      </a:solidFill>
-                    </a:lnT>
-                    <a:lnB w="25400">
-                      <a:solidFill>
-                        <a:srgbClr val="7896CF"/>
-                      </a:solidFill>
-                    </a:lnB>
-                    <a:noFill/>
-                  </a:tcPr>
-                </a:tc>
-                <a:tc>
-                  <a:txBody>
-                    <a:bodyPr/>
-                    <a:lstStyle/>
-                    <a:p>
-                      <a:pPr indent="1106487" algn="l">
-                        <a:spcBef>
-                          <a:spcPts val="0"/>
-                        </a:spcBef>
-                        <a:tabLst>
-                          <a:tab pos="1066800" algn="l"/>
-                          <a:tab pos="2146300" algn="l"/>
-                          <a:tab pos="3251200" algn="l"/>
-                          <a:tab pos="4330700" algn="l"/>
-                          <a:tab pos="5410200" algn="l"/>
-                          <a:tab pos="6515100" algn="l"/>
-                          <a:tab pos="7594600" algn="l"/>
-                          <a:tab pos="8661400" algn="l"/>
-                          <a:tab pos="9779000" algn="l"/>
-                          <a:tab pos="10845800" algn="l"/>
-                          <a:tab pos="11950700" algn="l"/>
-                          <a:tab pos="13030200" algn="l"/>
-                          <a:tab pos="14109700" algn="l"/>
-                          <a:tab pos="15214600" algn="l"/>
-                          <a:tab pos="16294100" algn="l"/>
-                          <a:tab pos="17373600" algn="l"/>
-                          <a:tab pos="18478500" algn="l"/>
-                          <a:tab pos="19558000" algn="l"/>
-                          <a:tab pos="20662900" algn="l"/>
-                          <a:tab pos="21742400" algn="l"/>
-                        </a:tabLst>
-                        <a:defRPr sz="1800" b="0">
-                          <a:solidFill>
-                            <a:srgbClr val="000000"/>
-                          </a:solidFill>
-                        </a:defRPr>
-                      </a:pPr>
-                      <a:r>
-                        <a:rPr sz="2800" b="1">
-                          <a:solidFill>
-                            <a:srgbClr val="3C3C4C"/>
-                          </a:solidFill>
-                          <a:latin typeface="Adagio_Slab-SemiBold"/>
-                          <a:ea typeface="Adagio_Slab-SemiBold"/>
-                          <a:cs typeface="Adagio_Slab-SemiBold"/>
-                          <a:sym typeface="Adagio_Slab-SemiBold"/>
-                        </a:rPr>
-                        <a:t>temat</a:t>
-                      </a:r>
-                    </a:p>
-                  </a:txBody>
-                  <a:tcPr marL="0" marR="0" marT="0" marB="0" anchor="ctr" horzOverflow="overflow">
-                    <a:lnL w="25400">
-                      <a:solidFill>
-                        <a:srgbClr val="7896CF"/>
-                      </a:solidFill>
-                    </a:lnL>
-                    <a:lnR w="25400">
-                      <a:solidFill>
-                        <a:srgbClr val="7896CF"/>
-                      </a:solidFill>
-                    </a:lnR>
-                    <a:lnT w="25400">
-                      <a:solidFill>
-                        <a:srgbClr val="7896CF"/>
-                      </a:solidFill>
-                    </a:lnT>
-                    <a:lnB w="25400">
-                      <a:solidFill>
-                        <a:srgbClr val="7896CF"/>
-                      </a:solidFill>
-                    </a:lnB>
-                    <a:noFill/>
-                  </a:tcPr>
-                </a:tc>
-                <a:tc>
-                  <a:txBody>
-                    <a:bodyPr/>
-                    <a:lstStyle/>
-                    <a:p>
-                      <a:pPr indent="1106487" algn="l">
-                        <a:spcBef>
-                          <a:spcPts val="0"/>
-                        </a:spcBef>
-                        <a:tabLst>
-                          <a:tab pos="1066800" algn="l"/>
-                          <a:tab pos="2146300" algn="l"/>
-                          <a:tab pos="3251200" algn="l"/>
-                          <a:tab pos="4330700" algn="l"/>
-                          <a:tab pos="5410200" algn="l"/>
-                          <a:tab pos="6515100" algn="l"/>
-                          <a:tab pos="7594600" algn="l"/>
-                          <a:tab pos="8661400" algn="l"/>
-                          <a:tab pos="9779000" algn="l"/>
-                          <a:tab pos="10845800" algn="l"/>
-                          <a:tab pos="11950700" algn="l"/>
-                          <a:tab pos="13030200" algn="l"/>
-                          <a:tab pos="14109700" algn="l"/>
-                          <a:tab pos="15214600" algn="l"/>
-                          <a:tab pos="16294100" algn="l"/>
-                          <a:tab pos="17373600" algn="l"/>
-                          <a:tab pos="18478500" algn="l"/>
-                          <a:tab pos="19558000" algn="l"/>
-                          <a:tab pos="20662900" algn="l"/>
-                          <a:tab pos="21742400" algn="l"/>
-                        </a:tabLst>
-                        <a:defRPr sz="1800" b="0">
-                          <a:solidFill>
-                            <a:srgbClr val="000000"/>
-                          </a:solidFill>
-                        </a:defRPr>
-                      </a:pPr>
-                      <a:r>
-                        <a:rPr sz="2800" b="1">
-                          <a:solidFill>
-                            <a:srgbClr val="3C3C4C"/>
-                          </a:solidFill>
-                          <a:latin typeface="Adagio_Slab-SemiBold"/>
-                          <a:ea typeface="Adagio_Slab-SemiBold"/>
-                          <a:cs typeface="Adagio_Slab-SemiBold"/>
-                          <a:sym typeface="Adagio_Slab-SemiBold"/>
-                        </a:rPr>
-                        <a:t>temat</a:t>
-                      </a:r>
-                    </a:p>
-                  </a:txBody>
-                  <a:tcPr marL="0" marR="0" marT="0" marB="0" anchor="ctr" horzOverflow="overflow">
-                    <a:lnL w="25400">
-                      <a:solidFill>
-                        <a:srgbClr val="7896CF"/>
-                      </a:solidFill>
-                    </a:lnL>
-                    <a:lnR w="25400">
-                      <a:solidFill>
-                        <a:srgbClr val="7896CF"/>
-                      </a:solidFill>
-                    </a:lnR>
-                    <a:lnT w="25400">
-                      <a:solidFill>
-                        <a:srgbClr val="7896CF"/>
-                      </a:solidFill>
-                    </a:lnT>
-                    <a:lnB w="25400">
-                      <a:solidFill>
-                        <a:srgbClr val="7896CF"/>
-                      </a:solidFill>
-                    </a:lnB>
-                    <a:noFill/>
-                  </a:tcPr>
-                </a:tc>
-                <a:extLst>
-                  <a:ext uri="{0D108BD9-81ED-4DB2-BD59-A6C34878D82A}">
-                    <a16:rowId xmlns:a16="http://schemas.microsoft.com/office/drawing/2014/main" val="10000"/>
-                  </a:ext>
-                </a:extLst>
-              </a:tr>
-              <a:tr h="1579562">
-                <a:tc>
-                  <a:txBody>
-                    <a:bodyPr/>
-                    <a:lstStyle/>
-                    <a:p>
-                      <a:pPr indent="1106487" algn="l">
-                        <a:spcBef>
-                          <a:spcPts val="0"/>
-                        </a:spcBef>
-                        <a:tabLst>
-                          <a:tab pos="1066800" algn="l"/>
-                          <a:tab pos="2146300" algn="l"/>
-                          <a:tab pos="3251200" algn="l"/>
-                          <a:tab pos="4330700" algn="l"/>
-                          <a:tab pos="5410200" algn="l"/>
-                          <a:tab pos="6515100" algn="l"/>
-                          <a:tab pos="7594600" algn="l"/>
-                          <a:tab pos="8661400" algn="l"/>
-                          <a:tab pos="9779000" algn="l"/>
-                          <a:tab pos="10845800" algn="l"/>
-                          <a:tab pos="11950700" algn="l"/>
-                          <a:tab pos="13030200" algn="l"/>
-                          <a:tab pos="14109700" algn="l"/>
-                          <a:tab pos="15214600" algn="l"/>
-                          <a:tab pos="16294100" algn="l"/>
-                          <a:tab pos="17373600" algn="l"/>
-                          <a:tab pos="18478500" algn="l"/>
-                          <a:tab pos="19558000" algn="l"/>
-                          <a:tab pos="20662900" algn="l"/>
-                          <a:tab pos="21742400" algn="l"/>
-                        </a:tabLst>
-                        <a:defRPr sz="4200">
-                          <a:solidFill>
-                            <a:srgbClr val="000000"/>
-                          </a:solidFill>
-                          <a:sym typeface="Helvetica"/>
-                        </a:defRPr>
-                      </a:pPr>
-                      <a:endParaRPr/>
-                    </a:p>
-                  </a:txBody>
-                  <a:tcPr marL="0" marR="0" marT="0" marB="0" horzOverflow="overflow">
-                    <a:lnL w="25400">
-                      <a:solidFill>
-                        <a:srgbClr val="7896CF"/>
-                      </a:solidFill>
-                    </a:lnL>
-                    <a:lnR w="25400">
-                      <a:solidFill>
-                        <a:srgbClr val="7896CF"/>
-                      </a:solidFill>
-                    </a:lnR>
-                    <a:lnT w="25400">
-                      <a:solidFill>
-                        <a:srgbClr val="7896CF"/>
-                      </a:solidFill>
-                    </a:lnT>
-                    <a:lnB w="25400">
-                      <a:solidFill>
-                        <a:srgbClr val="7896CF"/>
-                      </a:solidFill>
-                    </a:lnB>
-                    <a:noFill/>
-                  </a:tcPr>
-                </a:tc>
-                <a:tc>
-                  <a:txBody>
-                    <a:bodyPr/>
-                    <a:lstStyle/>
-                    <a:p>
-                      <a:pPr indent="1106487" algn="l">
-                        <a:spcBef>
-                          <a:spcPts val="0"/>
-                        </a:spcBef>
-                        <a:tabLst>
-                          <a:tab pos="1066800" algn="l"/>
-                          <a:tab pos="2146300" algn="l"/>
-                          <a:tab pos="3251200" algn="l"/>
-                          <a:tab pos="4330700" algn="l"/>
-                          <a:tab pos="5410200" algn="l"/>
-                          <a:tab pos="6515100" algn="l"/>
-                          <a:tab pos="7594600" algn="l"/>
-                          <a:tab pos="8661400" algn="l"/>
-                          <a:tab pos="9779000" algn="l"/>
-                          <a:tab pos="10845800" algn="l"/>
-                          <a:tab pos="11950700" algn="l"/>
-                          <a:tab pos="13030200" algn="l"/>
-                          <a:tab pos="14109700" algn="l"/>
-                          <a:tab pos="15214600" algn="l"/>
-                          <a:tab pos="16294100" algn="l"/>
-                          <a:tab pos="17373600" algn="l"/>
-                          <a:tab pos="18478500" algn="l"/>
-                          <a:tab pos="19558000" algn="l"/>
-                          <a:tab pos="20662900" algn="l"/>
-                          <a:tab pos="21742400" algn="l"/>
-                        </a:tabLst>
-                        <a:defRPr sz="4200">
-                          <a:solidFill>
-                            <a:srgbClr val="000000"/>
-                          </a:solidFill>
-                          <a:sym typeface="Helvetica"/>
-                        </a:defRPr>
-                      </a:pPr>
-                      <a:endParaRPr/>
-                    </a:p>
-                  </a:txBody>
-                  <a:tcPr marL="0" marR="0" marT="0" marB="0" horzOverflow="overflow">
-                    <a:lnL w="25400">
-                      <a:solidFill>
-                        <a:srgbClr val="7896CF"/>
-                      </a:solidFill>
-                    </a:lnL>
-                    <a:lnR w="25400">
-                      <a:solidFill>
-                        <a:srgbClr val="7896CF"/>
-                      </a:solidFill>
-                    </a:lnR>
-                    <a:lnT w="25400">
-                      <a:solidFill>
-                        <a:srgbClr val="7896CF"/>
-                      </a:solidFill>
-                    </a:lnT>
-                    <a:lnB w="25400">
-                      <a:solidFill>
-                        <a:srgbClr val="7896CF"/>
-                      </a:solidFill>
-                    </a:lnB>
-                    <a:noFill/>
-                  </a:tcPr>
-                </a:tc>
-                <a:tc>
-                  <a:txBody>
-                    <a:bodyPr/>
-                    <a:lstStyle/>
-                    <a:p>
-                      <a:pPr indent="1106487" algn="l">
-                        <a:spcBef>
-                          <a:spcPts val="0"/>
-                        </a:spcBef>
-                        <a:tabLst>
-                          <a:tab pos="1066800" algn="l"/>
-                          <a:tab pos="2146300" algn="l"/>
-                          <a:tab pos="3251200" algn="l"/>
-                          <a:tab pos="4330700" algn="l"/>
-                          <a:tab pos="5410200" algn="l"/>
-                          <a:tab pos="6515100" algn="l"/>
-                          <a:tab pos="7594600" algn="l"/>
-                          <a:tab pos="8661400" algn="l"/>
-                          <a:tab pos="9779000" algn="l"/>
-                          <a:tab pos="10845800" algn="l"/>
-                          <a:tab pos="11950700" algn="l"/>
-                          <a:tab pos="13030200" algn="l"/>
-                          <a:tab pos="14109700" algn="l"/>
-                          <a:tab pos="15214600" algn="l"/>
-                          <a:tab pos="16294100" algn="l"/>
-                          <a:tab pos="17373600" algn="l"/>
-                          <a:tab pos="18478500" algn="l"/>
-                          <a:tab pos="19558000" algn="l"/>
-                          <a:tab pos="20662900" algn="l"/>
-                          <a:tab pos="21742400" algn="l"/>
-                        </a:tabLst>
-                        <a:defRPr sz="4200">
-                          <a:solidFill>
-                            <a:srgbClr val="000000"/>
-                          </a:solidFill>
-                          <a:sym typeface="Helvetica"/>
-                        </a:defRPr>
-                      </a:pPr>
-                      <a:endParaRPr/>
-                    </a:p>
-                  </a:txBody>
-                  <a:tcPr marL="0" marR="0" marT="0" marB="0" horzOverflow="overflow">
-                    <a:lnL w="25400">
-                      <a:solidFill>
-                        <a:srgbClr val="7896CF"/>
-                      </a:solidFill>
-                    </a:lnL>
-                    <a:lnR w="25400">
-                      <a:solidFill>
-                        <a:srgbClr val="7896CF"/>
-                      </a:solidFill>
-                    </a:lnR>
-                    <a:lnT w="25400">
-                      <a:solidFill>
-                        <a:srgbClr val="7896CF"/>
-                      </a:solidFill>
-                    </a:lnT>
-                    <a:lnB w="25400">
-                      <a:solidFill>
-                        <a:srgbClr val="7896CF"/>
-                      </a:solidFill>
-                    </a:lnB>
-                    <a:noFill/>
-                  </a:tcPr>
-                </a:tc>
-                <a:tc>
-                  <a:txBody>
-                    <a:bodyPr/>
-                    <a:lstStyle/>
-                    <a:p>
-                      <a:pPr indent="1106487" algn="l">
-                        <a:spcBef>
-                          <a:spcPts val="0"/>
-                        </a:spcBef>
-                        <a:tabLst>
-                          <a:tab pos="1066800" algn="l"/>
-                          <a:tab pos="2146300" algn="l"/>
-                          <a:tab pos="3251200" algn="l"/>
-                          <a:tab pos="4330700" algn="l"/>
-                          <a:tab pos="5410200" algn="l"/>
-                          <a:tab pos="6515100" algn="l"/>
-                          <a:tab pos="7594600" algn="l"/>
-                          <a:tab pos="8661400" algn="l"/>
-                          <a:tab pos="9779000" algn="l"/>
-                          <a:tab pos="10845800" algn="l"/>
-                          <a:tab pos="11950700" algn="l"/>
-                          <a:tab pos="13030200" algn="l"/>
-                          <a:tab pos="14109700" algn="l"/>
-                          <a:tab pos="15214600" algn="l"/>
-                          <a:tab pos="16294100" algn="l"/>
-                          <a:tab pos="17373600" algn="l"/>
-                          <a:tab pos="18478500" algn="l"/>
-                          <a:tab pos="19558000" algn="l"/>
-                          <a:tab pos="20662900" algn="l"/>
-                          <a:tab pos="21742400" algn="l"/>
-                        </a:tabLst>
-                        <a:defRPr sz="4200">
-                          <a:solidFill>
-                            <a:srgbClr val="000000"/>
-                          </a:solidFill>
-                          <a:sym typeface="Helvetica"/>
-                        </a:defRPr>
-                      </a:pPr>
-                      <a:endParaRPr/>
-                    </a:p>
-                  </a:txBody>
-                  <a:tcPr marL="0" marR="0" marT="0" marB="0" horzOverflow="overflow">
-                    <a:lnL w="25400">
-                      <a:solidFill>
-                        <a:srgbClr val="7896CF"/>
-                      </a:solidFill>
-                    </a:lnL>
-                    <a:lnR w="25400">
-                      <a:solidFill>
-                        <a:srgbClr val="7896CF"/>
-                      </a:solidFill>
-                    </a:lnR>
-                    <a:lnT w="25400">
-                      <a:solidFill>
-                        <a:srgbClr val="7896CF"/>
-                      </a:solidFill>
-                    </a:lnT>
-                    <a:lnB w="25400">
-                      <a:solidFill>
-                        <a:srgbClr val="7896CF"/>
-                      </a:solidFill>
-                    </a:lnB>
-                    <a:noFill/>
-                  </a:tcPr>
-                </a:tc>
-                <a:extLst>
-                  <a:ext uri="{0D108BD9-81ED-4DB2-BD59-A6C34878D82A}">
-                    <a16:rowId xmlns:a16="http://schemas.microsoft.com/office/drawing/2014/main" val="10001"/>
-                  </a:ext>
-                </a:extLst>
-              </a:tr>
-              <a:tr h="1579562">
-                <a:tc>
-                  <a:txBody>
-                    <a:bodyPr/>
-                    <a:lstStyle/>
-                    <a:p>
-                      <a:pPr indent="1106487" algn="l">
-                        <a:spcBef>
-                          <a:spcPts val="0"/>
-                        </a:spcBef>
-                        <a:tabLst>
-                          <a:tab pos="1066800" algn="l"/>
-                          <a:tab pos="2146300" algn="l"/>
-                          <a:tab pos="3251200" algn="l"/>
-                          <a:tab pos="4330700" algn="l"/>
-                          <a:tab pos="5410200" algn="l"/>
-                          <a:tab pos="6515100" algn="l"/>
-                          <a:tab pos="7594600" algn="l"/>
-                          <a:tab pos="8661400" algn="l"/>
-                          <a:tab pos="9779000" algn="l"/>
-                          <a:tab pos="10845800" algn="l"/>
-                          <a:tab pos="11950700" algn="l"/>
-                          <a:tab pos="13030200" algn="l"/>
-                          <a:tab pos="14109700" algn="l"/>
-                          <a:tab pos="15214600" algn="l"/>
-                          <a:tab pos="16294100" algn="l"/>
-                          <a:tab pos="17373600" algn="l"/>
-                          <a:tab pos="18478500" algn="l"/>
-                          <a:tab pos="19558000" algn="l"/>
-                          <a:tab pos="20662900" algn="l"/>
-                          <a:tab pos="21742400" algn="l"/>
-                        </a:tabLst>
-                        <a:defRPr sz="4200">
-                          <a:solidFill>
-                            <a:srgbClr val="000000"/>
-                          </a:solidFill>
-                          <a:sym typeface="Helvetica"/>
-                        </a:defRPr>
-                      </a:pPr>
-                      <a:endParaRPr/>
-                    </a:p>
-                  </a:txBody>
-                  <a:tcPr marL="0" marR="0" marT="0" marB="0" horzOverflow="overflow">
-                    <a:lnL w="25400">
-                      <a:solidFill>
-                        <a:srgbClr val="7896CF"/>
-                      </a:solidFill>
-                    </a:lnL>
-                    <a:lnR w="25400">
-                      <a:solidFill>
-                        <a:srgbClr val="7896CF"/>
-                      </a:solidFill>
-                    </a:lnR>
-                    <a:lnT w="25400">
-                      <a:solidFill>
-                        <a:srgbClr val="7896CF"/>
-                      </a:solidFill>
-                    </a:lnT>
-                    <a:lnB w="25400">
-                      <a:solidFill>
-                        <a:srgbClr val="7896CF"/>
-                      </a:solidFill>
-                    </a:lnB>
-                    <a:noFill/>
-                  </a:tcPr>
-                </a:tc>
-                <a:tc>
-                  <a:txBody>
-                    <a:bodyPr/>
-                    <a:lstStyle/>
-                    <a:p>
-                      <a:pPr indent="1106487" algn="l">
-                        <a:spcBef>
-                          <a:spcPts val="0"/>
-                        </a:spcBef>
-                        <a:tabLst>
-                          <a:tab pos="1066800" algn="l"/>
-                          <a:tab pos="2146300" algn="l"/>
-                          <a:tab pos="3251200" algn="l"/>
-                          <a:tab pos="4330700" algn="l"/>
-                          <a:tab pos="5410200" algn="l"/>
-                          <a:tab pos="6515100" algn="l"/>
-                          <a:tab pos="7594600" algn="l"/>
-                          <a:tab pos="8661400" algn="l"/>
-                          <a:tab pos="9779000" algn="l"/>
-                          <a:tab pos="10845800" algn="l"/>
-                          <a:tab pos="11950700" algn="l"/>
-                          <a:tab pos="13030200" algn="l"/>
-                          <a:tab pos="14109700" algn="l"/>
-                          <a:tab pos="15214600" algn="l"/>
-                          <a:tab pos="16294100" algn="l"/>
-                          <a:tab pos="17373600" algn="l"/>
-                          <a:tab pos="18478500" algn="l"/>
-                          <a:tab pos="19558000" algn="l"/>
-                          <a:tab pos="20662900" algn="l"/>
-                          <a:tab pos="21742400" algn="l"/>
-                        </a:tabLst>
-                        <a:defRPr sz="4200">
-                          <a:solidFill>
-                            <a:srgbClr val="000000"/>
-                          </a:solidFill>
-                          <a:sym typeface="Helvetica"/>
-                        </a:defRPr>
-                      </a:pPr>
-                      <a:endParaRPr dirty="0"/>
-                    </a:p>
-                  </a:txBody>
-                  <a:tcPr marL="0" marR="0" marT="0" marB="0" horzOverflow="overflow">
-                    <a:lnL w="25400">
-                      <a:solidFill>
-                        <a:srgbClr val="7896CF"/>
-                      </a:solidFill>
-                    </a:lnL>
-                    <a:lnR w="25400">
-                      <a:solidFill>
-                        <a:srgbClr val="7896CF"/>
-                      </a:solidFill>
-                    </a:lnR>
-                    <a:lnT w="25400">
-                      <a:solidFill>
-                        <a:srgbClr val="7896CF"/>
-                      </a:solidFill>
-                    </a:lnT>
-                    <a:lnB w="25400">
-                      <a:solidFill>
-                        <a:srgbClr val="7896CF"/>
-                      </a:solidFill>
-                    </a:lnB>
-                    <a:noFill/>
-                  </a:tcPr>
-                </a:tc>
-                <a:tc>
-                  <a:txBody>
-                    <a:bodyPr/>
-                    <a:lstStyle/>
-                    <a:p>
-                      <a:pPr indent="1106487" algn="l">
-                        <a:spcBef>
-                          <a:spcPts val="0"/>
-                        </a:spcBef>
-                        <a:tabLst>
-                          <a:tab pos="1066800" algn="l"/>
-                          <a:tab pos="2146300" algn="l"/>
-                          <a:tab pos="3251200" algn="l"/>
-                          <a:tab pos="4330700" algn="l"/>
-                          <a:tab pos="5410200" algn="l"/>
-                          <a:tab pos="6515100" algn="l"/>
-                          <a:tab pos="7594600" algn="l"/>
-                          <a:tab pos="8661400" algn="l"/>
-                          <a:tab pos="9779000" algn="l"/>
-                          <a:tab pos="10845800" algn="l"/>
-                          <a:tab pos="11950700" algn="l"/>
-                          <a:tab pos="13030200" algn="l"/>
-                          <a:tab pos="14109700" algn="l"/>
-                          <a:tab pos="15214600" algn="l"/>
-                          <a:tab pos="16294100" algn="l"/>
-                          <a:tab pos="17373600" algn="l"/>
-                          <a:tab pos="18478500" algn="l"/>
-                          <a:tab pos="19558000" algn="l"/>
-                          <a:tab pos="20662900" algn="l"/>
-                          <a:tab pos="21742400" algn="l"/>
-                        </a:tabLst>
-                        <a:defRPr sz="4200">
-                          <a:solidFill>
-                            <a:srgbClr val="000000"/>
-                          </a:solidFill>
-                          <a:sym typeface="Helvetica"/>
-                        </a:defRPr>
-                      </a:pPr>
-                      <a:endParaRPr/>
-                    </a:p>
-                  </a:txBody>
-                  <a:tcPr marL="0" marR="0" marT="0" marB="0" horzOverflow="overflow">
-                    <a:lnL w="25400">
-                      <a:solidFill>
-                        <a:srgbClr val="7896CF"/>
-                      </a:solidFill>
-                    </a:lnL>
-                    <a:lnR w="25400">
-                      <a:solidFill>
-                        <a:srgbClr val="7896CF"/>
-                      </a:solidFill>
-                    </a:lnR>
-                    <a:lnT w="25400">
-                      <a:solidFill>
-                        <a:srgbClr val="7896CF"/>
-                      </a:solidFill>
-                    </a:lnT>
-                    <a:lnB w="25400">
-                      <a:solidFill>
-                        <a:srgbClr val="7896CF"/>
-                      </a:solidFill>
-                    </a:lnB>
-                    <a:noFill/>
-                  </a:tcPr>
-                </a:tc>
-                <a:tc>
-                  <a:txBody>
-                    <a:bodyPr/>
-                    <a:lstStyle/>
-                    <a:p>
-                      <a:pPr indent="1106487" algn="l">
-                        <a:spcBef>
-                          <a:spcPts val="0"/>
-                        </a:spcBef>
-                        <a:tabLst>
-                          <a:tab pos="1066800" algn="l"/>
-                          <a:tab pos="2146300" algn="l"/>
-                          <a:tab pos="3251200" algn="l"/>
-                          <a:tab pos="4330700" algn="l"/>
-                          <a:tab pos="5410200" algn="l"/>
-                          <a:tab pos="6515100" algn="l"/>
-                          <a:tab pos="7594600" algn="l"/>
-                          <a:tab pos="8661400" algn="l"/>
-                          <a:tab pos="9779000" algn="l"/>
-                          <a:tab pos="10845800" algn="l"/>
-                          <a:tab pos="11950700" algn="l"/>
-                          <a:tab pos="13030200" algn="l"/>
-                          <a:tab pos="14109700" algn="l"/>
-                          <a:tab pos="15214600" algn="l"/>
-                          <a:tab pos="16294100" algn="l"/>
-                          <a:tab pos="17373600" algn="l"/>
-                          <a:tab pos="18478500" algn="l"/>
-                          <a:tab pos="19558000" algn="l"/>
-                          <a:tab pos="20662900" algn="l"/>
-                          <a:tab pos="21742400" algn="l"/>
-                        </a:tabLst>
-                        <a:defRPr sz="4200">
-                          <a:solidFill>
-                            <a:srgbClr val="000000"/>
-                          </a:solidFill>
-                          <a:sym typeface="Helvetica"/>
-                        </a:defRPr>
-                      </a:pPr>
-                      <a:endParaRPr/>
-                    </a:p>
-                  </a:txBody>
-                  <a:tcPr marL="0" marR="0" marT="0" marB="0" horzOverflow="overflow">
-                    <a:lnL w="25400">
-                      <a:solidFill>
-                        <a:srgbClr val="7896CF"/>
-                      </a:solidFill>
-                    </a:lnL>
-                    <a:lnR w="25400">
-                      <a:solidFill>
-                        <a:srgbClr val="7896CF"/>
-                      </a:solidFill>
-                    </a:lnR>
-                    <a:lnT w="25400">
-                      <a:solidFill>
-                        <a:srgbClr val="7896CF"/>
-                      </a:solidFill>
-                    </a:lnT>
-                    <a:lnB w="25400">
-                      <a:solidFill>
-                        <a:srgbClr val="7896CF"/>
-                      </a:solidFill>
-                    </a:lnB>
-                    <a:noFill/>
-                  </a:tcPr>
-                </a:tc>
-                <a:extLst>
-                  <a:ext uri="{0D108BD9-81ED-4DB2-BD59-A6C34878D82A}">
-                    <a16:rowId xmlns:a16="http://schemas.microsoft.com/office/drawing/2014/main" val="10002"/>
-                  </a:ext>
-                </a:extLst>
-              </a:tr>
-              <a:tr h="1579562">
-                <a:tc>
-                  <a:txBody>
-                    <a:bodyPr/>
-                    <a:lstStyle/>
-                    <a:p>
-                      <a:pPr indent="1106487" algn="l">
-                        <a:spcBef>
-                          <a:spcPts val="0"/>
-                        </a:spcBef>
-                        <a:tabLst>
-                          <a:tab pos="1066800" algn="l"/>
-                          <a:tab pos="2146300" algn="l"/>
-                          <a:tab pos="3251200" algn="l"/>
-                          <a:tab pos="4330700" algn="l"/>
-                          <a:tab pos="5410200" algn="l"/>
-                          <a:tab pos="6515100" algn="l"/>
-                          <a:tab pos="7594600" algn="l"/>
-                          <a:tab pos="8661400" algn="l"/>
-                          <a:tab pos="9779000" algn="l"/>
-                          <a:tab pos="10845800" algn="l"/>
-                          <a:tab pos="11950700" algn="l"/>
-                          <a:tab pos="13030200" algn="l"/>
-                          <a:tab pos="14109700" algn="l"/>
-                          <a:tab pos="15214600" algn="l"/>
-                          <a:tab pos="16294100" algn="l"/>
-                          <a:tab pos="17373600" algn="l"/>
-                          <a:tab pos="18478500" algn="l"/>
-                          <a:tab pos="19558000" algn="l"/>
-                          <a:tab pos="20662900" algn="l"/>
-                          <a:tab pos="21742400" algn="l"/>
-                        </a:tabLst>
-                        <a:defRPr sz="4200">
-                          <a:solidFill>
-                            <a:srgbClr val="000000"/>
-                          </a:solidFill>
-                          <a:sym typeface="Helvetica"/>
-                        </a:defRPr>
-                      </a:pPr>
-                      <a:endParaRPr/>
-                    </a:p>
-                  </a:txBody>
-                  <a:tcPr marL="0" marR="0" marT="0" marB="0" horzOverflow="overflow">
-                    <a:lnL w="25400">
-                      <a:solidFill>
-                        <a:srgbClr val="7896CF"/>
-                      </a:solidFill>
-                    </a:lnL>
-                    <a:lnR w="25400">
-                      <a:solidFill>
-                        <a:srgbClr val="7896CF"/>
-                      </a:solidFill>
-                    </a:lnR>
-                    <a:lnT w="25400">
-                      <a:solidFill>
-                        <a:srgbClr val="7896CF"/>
-                      </a:solidFill>
-                    </a:lnT>
-                    <a:lnB w="25400">
-                      <a:solidFill>
-                        <a:srgbClr val="7896CF"/>
-                      </a:solidFill>
-                    </a:lnB>
-                    <a:noFill/>
-                  </a:tcPr>
-                </a:tc>
-                <a:tc>
-                  <a:txBody>
-                    <a:bodyPr/>
-                    <a:lstStyle/>
-                    <a:p>
-                      <a:pPr indent="1106487" algn="l">
-                        <a:spcBef>
-                          <a:spcPts val="0"/>
-                        </a:spcBef>
-                        <a:tabLst>
-                          <a:tab pos="1066800" algn="l"/>
-                          <a:tab pos="2146300" algn="l"/>
-                          <a:tab pos="3251200" algn="l"/>
-                          <a:tab pos="4330700" algn="l"/>
-                          <a:tab pos="5410200" algn="l"/>
-                          <a:tab pos="6515100" algn="l"/>
-                          <a:tab pos="7594600" algn="l"/>
-                          <a:tab pos="8661400" algn="l"/>
-                          <a:tab pos="9779000" algn="l"/>
-                          <a:tab pos="10845800" algn="l"/>
-                          <a:tab pos="11950700" algn="l"/>
-                          <a:tab pos="13030200" algn="l"/>
-                          <a:tab pos="14109700" algn="l"/>
-                          <a:tab pos="15214600" algn="l"/>
-                          <a:tab pos="16294100" algn="l"/>
-                          <a:tab pos="17373600" algn="l"/>
-                          <a:tab pos="18478500" algn="l"/>
-                          <a:tab pos="19558000" algn="l"/>
-                          <a:tab pos="20662900" algn="l"/>
-                          <a:tab pos="21742400" algn="l"/>
-                        </a:tabLst>
-                        <a:defRPr sz="4200">
-                          <a:solidFill>
-                            <a:srgbClr val="000000"/>
-                          </a:solidFill>
-                          <a:sym typeface="Helvetica"/>
-                        </a:defRPr>
-                      </a:pPr>
-                      <a:endParaRPr dirty="0"/>
-                    </a:p>
-                  </a:txBody>
-                  <a:tcPr marL="0" marR="0" marT="0" marB="0" horzOverflow="overflow">
-                    <a:lnL w="25400">
-                      <a:solidFill>
-                        <a:srgbClr val="7896CF"/>
-                      </a:solidFill>
-                    </a:lnL>
-                    <a:lnR w="25400">
-                      <a:solidFill>
-                        <a:srgbClr val="7896CF"/>
-                      </a:solidFill>
-                    </a:lnR>
-                    <a:lnT w="25400">
-                      <a:solidFill>
-                        <a:srgbClr val="7896CF"/>
-                      </a:solidFill>
-                    </a:lnT>
-                    <a:lnB w="25400">
-                      <a:solidFill>
-                        <a:srgbClr val="7896CF"/>
-                      </a:solidFill>
-                    </a:lnB>
-                    <a:noFill/>
-                  </a:tcPr>
-                </a:tc>
-                <a:tc>
-                  <a:txBody>
-                    <a:bodyPr/>
-                    <a:lstStyle/>
-                    <a:p>
-                      <a:pPr indent="1106487" algn="l">
-                        <a:spcBef>
-                          <a:spcPts val="0"/>
-                        </a:spcBef>
-                        <a:tabLst>
-                          <a:tab pos="1066800" algn="l"/>
-                          <a:tab pos="2146300" algn="l"/>
-                          <a:tab pos="3251200" algn="l"/>
-                          <a:tab pos="4330700" algn="l"/>
-                          <a:tab pos="5410200" algn="l"/>
-                          <a:tab pos="6515100" algn="l"/>
-                          <a:tab pos="7594600" algn="l"/>
-                          <a:tab pos="8661400" algn="l"/>
-                          <a:tab pos="9779000" algn="l"/>
-                          <a:tab pos="10845800" algn="l"/>
-                          <a:tab pos="11950700" algn="l"/>
-                          <a:tab pos="13030200" algn="l"/>
-                          <a:tab pos="14109700" algn="l"/>
-                          <a:tab pos="15214600" algn="l"/>
-                          <a:tab pos="16294100" algn="l"/>
-                          <a:tab pos="17373600" algn="l"/>
-                          <a:tab pos="18478500" algn="l"/>
-                          <a:tab pos="19558000" algn="l"/>
-                          <a:tab pos="20662900" algn="l"/>
-                          <a:tab pos="21742400" algn="l"/>
-                        </a:tabLst>
-                        <a:defRPr sz="4200">
-                          <a:solidFill>
-                            <a:srgbClr val="000000"/>
-                          </a:solidFill>
-                          <a:sym typeface="Helvetica"/>
-                        </a:defRPr>
-                      </a:pPr>
-                      <a:endParaRPr/>
-                    </a:p>
-                  </a:txBody>
-                  <a:tcPr marL="0" marR="0" marT="0" marB="0" horzOverflow="overflow">
-                    <a:lnL w="25400">
-                      <a:solidFill>
-                        <a:srgbClr val="7896CF"/>
-                      </a:solidFill>
-                    </a:lnL>
-                    <a:lnR w="25400">
-                      <a:solidFill>
-                        <a:srgbClr val="7896CF"/>
-                      </a:solidFill>
-                    </a:lnR>
-                    <a:lnT w="25400">
-                      <a:solidFill>
-                        <a:srgbClr val="7896CF"/>
-                      </a:solidFill>
-                    </a:lnT>
-                    <a:lnB w="25400">
-                      <a:solidFill>
-                        <a:srgbClr val="7896CF"/>
-                      </a:solidFill>
-                    </a:lnB>
-                    <a:noFill/>
-                  </a:tcPr>
-                </a:tc>
-                <a:tc>
-                  <a:txBody>
-                    <a:bodyPr/>
-                    <a:lstStyle/>
-                    <a:p>
-                      <a:pPr indent="1106487" algn="l">
-                        <a:spcBef>
-                          <a:spcPts val="0"/>
-                        </a:spcBef>
-                        <a:tabLst>
-                          <a:tab pos="1066800" algn="l"/>
-                          <a:tab pos="2146300" algn="l"/>
-                          <a:tab pos="3251200" algn="l"/>
-                          <a:tab pos="4330700" algn="l"/>
-                          <a:tab pos="5410200" algn="l"/>
-                          <a:tab pos="6515100" algn="l"/>
-                          <a:tab pos="7594600" algn="l"/>
-                          <a:tab pos="8661400" algn="l"/>
-                          <a:tab pos="9779000" algn="l"/>
-                          <a:tab pos="10845800" algn="l"/>
-                          <a:tab pos="11950700" algn="l"/>
-                          <a:tab pos="13030200" algn="l"/>
-                          <a:tab pos="14109700" algn="l"/>
-                          <a:tab pos="15214600" algn="l"/>
-                          <a:tab pos="16294100" algn="l"/>
-                          <a:tab pos="17373600" algn="l"/>
-                          <a:tab pos="18478500" algn="l"/>
-                          <a:tab pos="19558000" algn="l"/>
-                          <a:tab pos="20662900" algn="l"/>
-                          <a:tab pos="21742400" algn="l"/>
-                        </a:tabLst>
-                        <a:defRPr sz="4200">
-                          <a:solidFill>
-                            <a:srgbClr val="000000"/>
-                          </a:solidFill>
-                          <a:sym typeface="Helvetica"/>
-                        </a:defRPr>
-                      </a:pPr>
-                      <a:endParaRPr/>
-                    </a:p>
-                  </a:txBody>
-                  <a:tcPr marL="0" marR="0" marT="0" marB="0" horzOverflow="overflow">
-                    <a:lnL w="25400">
-                      <a:solidFill>
-                        <a:srgbClr val="7896CF"/>
-                      </a:solidFill>
-                    </a:lnL>
-                    <a:lnR w="25400">
-                      <a:solidFill>
-                        <a:srgbClr val="7896CF"/>
-                      </a:solidFill>
-                    </a:lnR>
-                    <a:lnT w="25400">
-                      <a:solidFill>
-                        <a:srgbClr val="7896CF"/>
-                      </a:solidFill>
-                    </a:lnT>
-                    <a:lnB w="25400">
-                      <a:solidFill>
-                        <a:srgbClr val="7896CF"/>
-                      </a:solidFill>
-                    </a:lnB>
-                    <a:noFill/>
-                  </a:tcPr>
-                </a:tc>
-                <a:extLst>
-                  <a:ext uri="{0D108BD9-81ED-4DB2-BD59-A6C34878D82A}">
-                    <a16:rowId xmlns:a16="http://schemas.microsoft.com/office/drawing/2014/main" val="10003"/>
-                  </a:ext>
-                </a:extLst>
-              </a:tr>
-              <a:tr h="1579562">
-                <a:tc>
-                  <a:txBody>
-                    <a:bodyPr/>
-                    <a:lstStyle/>
-                    <a:p>
-                      <a:pPr indent="1106487" algn="l">
-                        <a:spcBef>
-                          <a:spcPts val="0"/>
-                        </a:spcBef>
-                        <a:tabLst>
-                          <a:tab pos="1066800" algn="l"/>
-                          <a:tab pos="2146300" algn="l"/>
-                          <a:tab pos="3251200" algn="l"/>
-                          <a:tab pos="4330700" algn="l"/>
-                          <a:tab pos="5410200" algn="l"/>
-                          <a:tab pos="6515100" algn="l"/>
-                          <a:tab pos="7594600" algn="l"/>
-                          <a:tab pos="8661400" algn="l"/>
-                          <a:tab pos="9779000" algn="l"/>
-                          <a:tab pos="10845800" algn="l"/>
-                          <a:tab pos="11950700" algn="l"/>
-                          <a:tab pos="13030200" algn="l"/>
-                          <a:tab pos="14109700" algn="l"/>
-                          <a:tab pos="15214600" algn="l"/>
-                          <a:tab pos="16294100" algn="l"/>
-                          <a:tab pos="17373600" algn="l"/>
-                          <a:tab pos="18478500" algn="l"/>
-                          <a:tab pos="19558000" algn="l"/>
-                          <a:tab pos="20662900" algn="l"/>
-                          <a:tab pos="21742400" algn="l"/>
-                        </a:tabLst>
-                        <a:defRPr sz="4200">
-                          <a:solidFill>
-                            <a:srgbClr val="000000"/>
-                          </a:solidFill>
-                          <a:sym typeface="Helvetica"/>
-                        </a:defRPr>
-                      </a:pPr>
-                      <a:endParaRPr/>
-                    </a:p>
-                  </a:txBody>
-                  <a:tcPr marL="0" marR="0" marT="0" marB="0" horzOverflow="overflow">
-                    <a:lnL w="25400">
-                      <a:solidFill>
-                        <a:srgbClr val="7896CF"/>
-                      </a:solidFill>
-                    </a:lnL>
-                    <a:lnR w="25400">
-                      <a:solidFill>
-                        <a:srgbClr val="7896CF"/>
-                      </a:solidFill>
-                    </a:lnR>
-                    <a:lnT w="25400">
-                      <a:solidFill>
-                        <a:srgbClr val="7896CF"/>
-                      </a:solidFill>
-                    </a:lnT>
-                    <a:lnB w="25400">
-                      <a:solidFill>
-                        <a:srgbClr val="7896CF"/>
-                      </a:solidFill>
-                    </a:lnB>
-                    <a:noFill/>
-                  </a:tcPr>
-                </a:tc>
-                <a:tc>
-                  <a:txBody>
-                    <a:bodyPr/>
-                    <a:lstStyle/>
-                    <a:p>
-                      <a:pPr indent="1106487" algn="l">
-                        <a:spcBef>
-                          <a:spcPts val="0"/>
-                        </a:spcBef>
-                        <a:tabLst>
-                          <a:tab pos="1066800" algn="l"/>
-                          <a:tab pos="2146300" algn="l"/>
-                          <a:tab pos="3251200" algn="l"/>
-                          <a:tab pos="4330700" algn="l"/>
-                          <a:tab pos="5410200" algn="l"/>
-                          <a:tab pos="6515100" algn="l"/>
-                          <a:tab pos="7594600" algn="l"/>
-                          <a:tab pos="8661400" algn="l"/>
-                          <a:tab pos="9779000" algn="l"/>
-                          <a:tab pos="10845800" algn="l"/>
-                          <a:tab pos="11950700" algn="l"/>
-                          <a:tab pos="13030200" algn="l"/>
-                          <a:tab pos="14109700" algn="l"/>
-                          <a:tab pos="15214600" algn="l"/>
-                          <a:tab pos="16294100" algn="l"/>
-                          <a:tab pos="17373600" algn="l"/>
-                          <a:tab pos="18478500" algn="l"/>
-                          <a:tab pos="19558000" algn="l"/>
-                          <a:tab pos="20662900" algn="l"/>
-                          <a:tab pos="21742400" algn="l"/>
-                        </a:tabLst>
-                        <a:defRPr sz="4200">
-                          <a:solidFill>
-                            <a:srgbClr val="000000"/>
-                          </a:solidFill>
-                          <a:sym typeface="Helvetica"/>
-                        </a:defRPr>
-                      </a:pPr>
-                      <a:endParaRPr/>
-                    </a:p>
-                  </a:txBody>
-                  <a:tcPr marL="0" marR="0" marT="0" marB="0" horzOverflow="overflow">
-                    <a:lnL w="25400">
-                      <a:solidFill>
-                        <a:srgbClr val="7896CF"/>
-                      </a:solidFill>
-                    </a:lnL>
-                    <a:lnR w="25400">
-                      <a:solidFill>
-                        <a:srgbClr val="7896CF"/>
-                      </a:solidFill>
-                    </a:lnR>
-                    <a:lnT w="25400">
-                      <a:solidFill>
-                        <a:srgbClr val="7896CF"/>
-                      </a:solidFill>
-                    </a:lnT>
-                    <a:lnB w="25400">
-                      <a:solidFill>
-                        <a:srgbClr val="7896CF"/>
-                      </a:solidFill>
-                    </a:lnB>
-                    <a:noFill/>
-                  </a:tcPr>
-                </a:tc>
-                <a:tc>
-                  <a:txBody>
-                    <a:bodyPr/>
-                    <a:lstStyle/>
-                    <a:p>
-                      <a:pPr indent="1106487" algn="l">
-                        <a:spcBef>
-                          <a:spcPts val="0"/>
-                        </a:spcBef>
-                        <a:tabLst>
-                          <a:tab pos="1066800" algn="l"/>
-                          <a:tab pos="2146300" algn="l"/>
-                          <a:tab pos="3251200" algn="l"/>
-                          <a:tab pos="4330700" algn="l"/>
-                          <a:tab pos="5410200" algn="l"/>
-                          <a:tab pos="6515100" algn="l"/>
-                          <a:tab pos="7594600" algn="l"/>
-                          <a:tab pos="8661400" algn="l"/>
-                          <a:tab pos="9779000" algn="l"/>
-                          <a:tab pos="10845800" algn="l"/>
-                          <a:tab pos="11950700" algn="l"/>
-                          <a:tab pos="13030200" algn="l"/>
-                          <a:tab pos="14109700" algn="l"/>
-                          <a:tab pos="15214600" algn="l"/>
-                          <a:tab pos="16294100" algn="l"/>
-                          <a:tab pos="17373600" algn="l"/>
-                          <a:tab pos="18478500" algn="l"/>
-                          <a:tab pos="19558000" algn="l"/>
-                          <a:tab pos="20662900" algn="l"/>
-                          <a:tab pos="21742400" algn="l"/>
-                        </a:tabLst>
-                        <a:defRPr sz="4200">
-                          <a:solidFill>
-                            <a:srgbClr val="000000"/>
-                          </a:solidFill>
-                          <a:sym typeface="Helvetica"/>
-                        </a:defRPr>
-                      </a:pPr>
-                      <a:endParaRPr/>
-                    </a:p>
-                  </a:txBody>
-                  <a:tcPr marL="0" marR="0" marT="0" marB="0" horzOverflow="overflow">
-                    <a:lnL w="25400">
-                      <a:solidFill>
-                        <a:srgbClr val="7896CF"/>
-                      </a:solidFill>
-                    </a:lnL>
-                    <a:lnR w="25400">
-                      <a:solidFill>
-                        <a:srgbClr val="7896CF"/>
-                      </a:solidFill>
-                    </a:lnR>
-                    <a:lnT w="25400">
-                      <a:solidFill>
-                        <a:srgbClr val="7896CF"/>
-                      </a:solidFill>
-                    </a:lnT>
-                    <a:lnB w="25400">
-                      <a:solidFill>
-                        <a:srgbClr val="7896CF"/>
-                      </a:solidFill>
-                    </a:lnB>
-                    <a:noFill/>
-                  </a:tcPr>
-                </a:tc>
-                <a:tc>
-                  <a:txBody>
-                    <a:bodyPr/>
-                    <a:lstStyle/>
-                    <a:p>
-                      <a:pPr indent="1106487" algn="l">
-                        <a:spcBef>
-                          <a:spcPts val="0"/>
-                        </a:spcBef>
-                        <a:tabLst>
-                          <a:tab pos="1066800" algn="l"/>
-                          <a:tab pos="2146300" algn="l"/>
-                          <a:tab pos="3251200" algn="l"/>
-                          <a:tab pos="4330700" algn="l"/>
-                          <a:tab pos="5410200" algn="l"/>
-                          <a:tab pos="6515100" algn="l"/>
-                          <a:tab pos="7594600" algn="l"/>
-                          <a:tab pos="8661400" algn="l"/>
-                          <a:tab pos="9779000" algn="l"/>
-                          <a:tab pos="10845800" algn="l"/>
-                          <a:tab pos="11950700" algn="l"/>
-                          <a:tab pos="13030200" algn="l"/>
-                          <a:tab pos="14109700" algn="l"/>
-                          <a:tab pos="15214600" algn="l"/>
-                          <a:tab pos="16294100" algn="l"/>
-                          <a:tab pos="17373600" algn="l"/>
-                          <a:tab pos="18478500" algn="l"/>
-                          <a:tab pos="19558000" algn="l"/>
-                          <a:tab pos="20662900" algn="l"/>
-                          <a:tab pos="21742400" algn="l"/>
-                        </a:tabLst>
-                        <a:defRPr sz="4200">
-                          <a:solidFill>
-                            <a:srgbClr val="000000"/>
-                          </a:solidFill>
-                          <a:sym typeface="Helvetica"/>
-                        </a:defRPr>
-                      </a:pPr>
-                      <a:endParaRPr dirty="0"/>
-                    </a:p>
-                  </a:txBody>
-                  <a:tcPr marL="0" marR="0" marT="0" marB="0" horzOverflow="overflow">
-                    <a:lnL w="25400">
-                      <a:solidFill>
-                        <a:srgbClr val="7896CF"/>
-                      </a:solidFill>
-                    </a:lnL>
-                    <a:lnR w="25400">
-                      <a:solidFill>
-                        <a:srgbClr val="7896CF"/>
-                      </a:solidFill>
-                    </a:lnR>
-                    <a:lnT w="25400">
-                      <a:solidFill>
-                        <a:srgbClr val="7896CF"/>
-                      </a:solidFill>
-                    </a:lnT>
-                    <a:lnB w="25400">
-                      <a:solidFill>
-                        <a:srgbClr val="7896CF"/>
-                      </a:solidFill>
-                    </a:lnB>
-                    <a:noFill/>
-                  </a:tcPr>
-                </a:tc>
-                <a:extLst>
-                  <a:ext uri="{0D108BD9-81ED-4DB2-BD59-A6C34878D82A}">
-                    <a16:rowId xmlns:a16="http://schemas.microsoft.com/office/drawing/2014/main" val="10004"/>
-                  </a:ext>
-                </a:extLst>
-              </a:tr>
-            </a:tbl>
-          </a:graphicData>
-        </a:graphic>
-      </p:graphicFrame>
-      <p:sp>
-        <p:nvSpPr>
-          <p:cNvPr id="3" name="pole tekstowe 2">
-            <a:extLst>
-              <a:ext uri="{FF2B5EF4-FFF2-40B4-BE49-F238E27FC236}">
-                <a16:creationId xmlns:a16="http://schemas.microsoft.com/office/drawing/2014/main" id="{FC5489B7-3D07-4165-8261-25E9C25CAD4A}"/>
-              </a:ext>
-            </a:extLst>
-          </p:cNvPr>
-          <p:cNvSpPr txBox="1"/>
-          <p:nvPr/>
-        </p:nvSpPr>
-        <p:spPr>
-          <a:xfrm>
-            <a:off x="7118809" y="2525430"/>
-            <a:ext cx="9849853" cy="926850"/>
-          </a:xfrm>
-          <a:prstGeom prst="rect">
-            <a:avLst/>
-          </a:prstGeom>
-          <a:noFill/>
-          <a:ln w="12700" cap="flat">
-            <a:noFill/>
-            <a:miter lim="400000"/>
-          </a:ln>
-          <a:effectLst/>
-          <a:sp3d/>
-        </p:spPr>
-        <p:style>
-          <a:lnRef idx="0">
-            <a:scrgbClr r="0" g="0" b="0"/>
-          </a:lnRef>
-          <a:fillRef idx="0">
-            <a:scrgbClr r="0" g="0" b="0"/>
-          </a:fillRef>
-          <a:effectRef idx="0">
-            <a:scrgbClr r="0" g="0" b="0"/>
-          </a:effectRef>
-          <a:fontRef idx="none"/>
-        </p:style>
-        <p:txBody>
-          <a:bodyPr rot="0" spcFirstLastPara="1" vertOverflow="overflow" horzOverflow="overflow" vert="horz" wrap="square" lIns="110709" tIns="110709" rIns="110709" bIns="110709" numCol="1" spcCol="38100" rtlCol="0" anchor="t">
-            <a:spAutoFit/>
-          </a:bodyPr>
-          <a:lstStyle/>
-          <a:p>
-            <a:pPr marL="0" marR="0" indent="0" algn="ctr" defTabSz="1087437" rtl="0" fontAlgn="auto" latinLnBrk="0" hangingPunct="0">
-              <a:lnSpc>
-                <a:spcPct val="120000"/>
-              </a:lnSpc>
-              <a:spcBef>
-                <a:spcPts val="300"/>
-              </a:spcBef>
-              <a:spcAft>
-                <a:spcPts val="0"/>
-              </a:spcAft>
-              <a:buClrTx/>
-              <a:buSzTx/>
-              <a:buFontTx/>
-              <a:buNone/>
-              <a:tabLst/>
-            </a:pPr>
-            <a:r>
-              <a:rPr kumimoji="0" lang="pl-PL" sz="3600" b="0" i="1" u="none" strike="noStrike" cap="none" spc="0" normalizeH="0" baseline="0" dirty="0">
-                <a:ln>
-                  <a:noFill/>
-                </a:ln>
-                <a:solidFill>
-                  <a:schemeClr val="tx2">
-                    <a:lumMod val="50000"/>
-                  </a:schemeClr>
-                </a:solidFill>
-                <a:effectLst/>
-                <a:uFillTx/>
-                <a:latin typeface="+mn-lt"/>
-                <a:ea typeface="+mn-ea"/>
-                <a:cs typeface="+mn-cs"/>
-                <a:sym typeface="Times New Roman"/>
-              </a:rPr>
-              <a:t>Tabela </a:t>
-            </a:r>
-            <a:r>
-              <a:rPr kumimoji="0" lang="pl-PL" sz="3600" b="0" i="1" u="none" strike="noStrike" cap="none" spc="0" normalizeH="0" baseline="0" dirty="0" err="1">
-                <a:ln>
-                  <a:noFill/>
-                </a:ln>
-                <a:solidFill>
-                  <a:schemeClr val="tx2">
-                    <a:lumMod val="50000"/>
-                  </a:schemeClr>
-                </a:solidFill>
-                <a:effectLst/>
-                <a:uFillTx/>
-                <a:latin typeface="+mn-lt"/>
-                <a:ea typeface="+mn-ea"/>
-                <a:cs typeface="+mn-cs"/>
-                <a:sym typeface="Times New Roman"/>
-              </a:rPr>
-              <a:t>nr_tabeli</a:t>
-            </a:r>
-            <a:r>
-              <a:rPr kumimoji="0" lang="pl-PL" sz="3600" b="0" i="1" u="none" strike="noStrike" cap="none" spc="0" normalizeH="0" baseline="0" dirty="0">
-                <a:ln>
-                  <a:noFill/>
-                </a:ln>
-                <a:solidFill>
-                  <a:schemeClr val="tx2">
-                    <a:lumMod val="50000"/>
-                  </a:schemeClr>
-                </a:solidFill>
-                <a:effectLst/>
-                <a:uFillTx/>
-                <a:latin typeface="+mn-lt"/>
-                <a:ea typeface="+mn-ea"/>
-                <a:cs typeface="+mn-cs"/>
-                <a:sym typeface="Times New Roman"/>
-              </a:rPr>
-              <a:t>: Tytuł tabeli</a:t>
-            </a:r>
-          </a:p>
-        </p:txBody>
-      </p:sp>
-    </p:spTree>
   </p:cSld>
   <p:clrMapOvr>
     <a:masterClrMapping/>
